--- a/Presentation.pptx
+++ b/Presentation.pptx
@@ -10,6 +10,7 @@
     <p:sldId id="261" r:id="rId4"/>
     <p:sldId id="262" r:id="rId5"/>
     <p:sldId id="263" r:id="rId6"/>
+    <p:sldId id="264" r:id="rId7"/>
   </p:sldIdLst>
   <p:sldSz cx="12192000" cy="6858000"/>
   <p:notesSz cx="6858000" cy="9144000"/>
@@ -119,6 +120,10 @@
 <file path=ppt/revisionInfo.xml><?xml version="1.0" encoding="utf-8"?>
 <p1510:revInfo xmlns:a="http://schemas.openxmlformats.org/drawingml/2006/main" xmlns:r="http://schemas.openxmlformats.org/officeDocument/2006/relationships" xmlns:p1510="http://schemas.microsoft.com/office/powerpoint/2015/10/main">
   <p1510:revLst>
+    <p1510:client id="{533F7CB8-E70E-8576-85EC-E4D9A0DF6B43}" v="16" dt="2023-11-06T23:44:05.660"/>
+    <p1510:client id="{71724536-1BD7-3E41-5922-FD3E8E7F9323}" v="165" dt="2023-11-06T23:42:48.030"/>
+    <p1510:client id="{7A2BB9EF-71EC-F4FB-E393-84225C19B97D}" v="247" dt="2023-11-07T00:18:05.516"/>
+    <p1510:client id="{A6C3E6E9-4447-E79C-DA41-44A21EB3CE9B}" v="352" dt="2023-11-07T01:31:21.270"/>
     <p1510:client id="{A74F4138-5575-43CB-BA75-F0438AA0CA50}" v="309" dt="2023-11-03T22:16:49.570"/>
   </p1510:revLst>
 </p1510:revInfo>
@@ -253,7 +258,7 @@
           <a:p>
             <a:fld id="{C764DE79-268F-4C1A-8933-263129D2AF90}" type="datetimeFigureOut">
               <a:rPr lang="en-US" dirty="0"/>
-              <a:t>11/3/2023</a:t>
+              <a:t>11/6/2023</a:t>
             </a:fld>
             <a:endParaRPr lang="en-US" dirty="0"/>
           </a:p>
@@ -421,7 +426,7 @@
           <a:p>
             <a:fld id="{C764DE79-268F-4C1A-8933-263129D2AF90}" type="datetimeFigureOut">
               <a:rPr lang="en-US" dirty="0"/>
-              <a:t>11/3/2023</a:t>
+              <a:t>11/6/2023</a:t>
             </a:fld>
             <a:endParaRPr lang="en-US" dirty="0"/>
           </a:p>
@@ -599,7 +604,7 @@
           <a:p>
             <a:fld id="{C764DE79-268F-4C1A-8933-263129D2AF90}" type="datetimeFigureOut">
               <a:rPr lang="en-US" dirty="0"/>
-              <a:t>11/3/2023</a:t>
+              <a:t>11/6/2023</a:t>
             </a:fld>
             <a:endParaRPr lang="en-US" dirty="0"/>
           </a:p>
@@ -767,7 +772,7 @@
           <a:p>
             <a:fld id="{C764DE79-268F-4C1A-8933-263129D2AF90}" type="datetimeFigureOut">
               <a:rPr lang="en-US" dirty="0"/>
-              <a:t>11/3/2023</a:t>
+              <a:t>11/6/2023</a:t>
             </a:fld>
             <a:endParaRPr lang="en-US" dirty="0"/>
           </a:p>
@@ -1012,7 +1017,7 @@
           <a:p>
             <a:fld id="{C764DE79-268F-4C1A-8933-263129D2AF90}" type="datetimeFigureOut">
               <a:rPr lang="en-US" dirty="0"/>
-              <a:t>11/3/2023</a:t>
+              <a:t>11/6/2023</a:t>
             </a:fld>
             <a:endParaRPr lang="en-US" dirty="0"/>
           </a:p>
@@ -1241,7 +1246,7 @@
           <a:p>
             <a:fld id="{C764DE79-268F-4C1A-8933-263129D2AF90}" type="datetimeFigureOut">
               <a:rPr lang="en-US" dirty="0"/>
-              <a:t>11/3/2023</a:t>
+              <a:t>11/6/2023</a:t>
             </a:fld>
             <a:endParaRPr lang="en-US" dirty="0"/>
           </a:p>
@@ -1605,7 +1610,7 @@
           <a:p>
             <a:fld id="{C764DE79-268F-4C1A-8933-263129D2AF90}" type="datetimeFigureOut">
               <a:rPr lang="en-US" dirty="0"/>
-              <a:t>11/3/2023</a:t>
+              <a:t>11/6/2023</a:t>
             </a:fld>
             <a:endParaRPr lang="en-US" dirty="0"/>
           </a:p>
@@ -1722,7 +1727,7 @@
           <a:p>
             <a:fld id="{C764DE79-268F-4C1A-8933-263129D2AF90}" type="datetimeFigureOut">
               <a:rPr lang="en-US" dirty="0"/>
-              <a:t>11/3/2023</a:t>
+              <a:t>11/6/2023</a:t>
             </a:fld>
             <a:endParaRPr lang="en-US" dirty="0"/>
           </a:p>
@@ -1817,7 +1822,7 @@
           <a:p>
             <a:fld id="{C764DE79-268F-4C1A-8933-263129D2AF90}" type="datetimeFigureOut">
               <a:rPr lang="en-US" dirty="0"/>
-              <a:t>11/3/2023</a:t>
+              <a:t>11/6/2023</a:t>
             </a:fld>
             <a:endParaRPr lang="en-US" dirty="0"/>
           </a:p>
@@ -2092,7 +2097,7 @@
           <a:p>
             <a:fld id="{C764DE79-268F-4C1A-8933-263129D2AF90}" type="datetimeFigureOut">
               <a:rPr lang="en-US" dirty="0"/>
-              <a:t>11/3/2023</a:t>
+              <a:t>11/6/2023</a:t>
             </a:fld>
             <a:endParaRPr lang="en-US" dirty="0"/>
           </a:p>
@@ -2344,7 +2349,7 @@
           <a:p>
             <a:fld id="{C764DE79-268F-4C1A-8933-263129D2AF90}" type="datetimeFigureOut">
               <a:rPr lang="en-US" dirty="0"/>
-              <a:t>11/3/2023</a:t>
+              <a:t>11/6/2023</a:t>
             </a:fld>
             <a:endParaRPr lang="en-US" dirty="0"/>
           </a:p>
@@ -2555,7 +2560,7 @@
           <a:p>
             <a:fld id="{C764DE79-268F-4C1A-8933-263129D2AF90}" type="datetimeFigureOut">
               <a:rPr lang="en-US" dirty="0"/>
-              <a:t>11/3/2023</a:t>
+              <a:t>11/6/2023</a:t>
             </a:fld>
             <a:endParaRPr lang="en-US" dirty="0"/>
           </a:p>
@@ -3188,13 +3193,13 @@
   <p:clrMapOvr>
     <a:masterClrMapping/>
   </p:clrMapOvr>
-  <mc:AlternateContent xmlns:mc="http://schemas.openxmlformats.org/markup-compatibility/2006">
-    <mc:Choice xmlns:p159="http://schemas.microsoft.com/office/powerpoint/2015/09/main" Requires="p159">
+  <mc:AlternateContent xmlns:mc="http://schemas.openxmlformats.org/markup-compatibility/2006" xmlns:p159="http://schemas.microsoft.com/office/powerpoint/2015/09/main">
+    <mc:Choice Requires="p159">
       <p:transition xmlns:p14="http://schemas.microsoft.com/office/powerpoint/2010/main" spd="slow" p14:dur="2000">
         <p159:morph option="byObject"/>
       </p:transition>
     </mc:Choice>
-    <mc:Fallback>
+    <mc:Fallback xmlns="">
       <p:transition spd="slow">
         <p:fade/>
       </p:transition>
@@ -3209,7 +3214,7 @@
     <p:bg>
       <p:bgPr>
         <a:solidFill>
-          <a:srgbClr val="FCB903"/>
+          <a:srgbClr val="FEB301"/>
         </a:solidFill>
         <a:effectLst/>
       </p:bgPr>
@@ -3330,41 +3335,992 @@
           </a:p>
         </p:txBody>
       </p:sp>
-      <p:sp>
-        <p:nvSpPr>
-          <p:cNvPr id="4" name="TextBox 3">
+      <p:pic>
+        <p:nvPicPr>
+          <p:cNvPr id="9" name="Picture 8" descr="A black umbrella over a piggybank">
             <a:extLst>
               <a:ext uri="{FF2B5EF4-FFF2-40B4-BE49-F238E27FC236}">
-                <a16:creationId xmlns:a16="http://schemas.microsoft.com/office/drawing/2014/main" id="{30B75E94-D503-864B-D990-800EDBC853C5}"/>
+                <a16:creationId xmlns:a16="http://schemas.microsoft.com/office/drawing/2014/main" id="{2B269621-F278-1911-F805-4B264DAC40F3}"/>
               </a:ext>
             </a:extLst>
           </p:cNvPr>
-          <p:cNvSpPr txBox="1"/>
+          <p:cNvPicPr>
+            <a:picLocks noChangeAspect="1"/>
+          </p:cNvPicPr>
           <p:nvPr/>
-        </p:nvSpPr>
+        </p:nvPicPr>
+        <p:blipFill rotWithShape="1">
+          <a:blip r:embed="rId2"/>
+          <a:srcRect l="14037" r="15907" b="-9"/>
+          <a:stretch/>
+        </p:blipFill>
         <p:spPr>
           <a:xfrm>
-            <a:off x="4724400" y="3200400"/>
-            <a:ext cx="2743200" cy="369332"/>
+            <a:off x="9955871" y="4250541"/>
+            <a:ext cx="2271849" cy="2607461"/>
           </a:xfrm>
-          <a:prstGeom prst="rect">
+          <a:custGeom>
             <a:avLst/>
-          </a:prstGeom>
-          <a:noFill/>
+            <a:gdLst/>
+            <a:ahLst/>
+            <a:cxnLst/>
+            <a:rect l="l" t="t" r="r" b="b"/>
+            <a:pathLst>
+              <a:path w="5962785" h="6858000">
+                <a:moveTo>
+                  <a:pt x="1044839" y="0"/>
+                </a:moveTo>
+                <a:lnTo>
+                  <a:pt x="5962785" y="0"/>
+                </a:lnTo>
+                <a:lnTo>
+                  <a:pt x="5962785" y="6858000"/>
+                </a:lnTo>
+                <a:lnTo>
+                  <a:pt x="1469886" y="6858000"/>
+                </a:lnTo>
+                <a:lnTo>
+                  <a:pt x="1416006" y="6823984"/>
+                </a:lnTo>
+                <a:cubicBezTo>
+                  <a:pt x="1356767" y="6787940"/>
+                  <a:pt x="1296437" y="6755500"/>
+                  <a:pt x="1232473" y="6733873"/>
+                </a:cubicBezTo>
+                <a:cubicBezTo>
+                  <a:pt x="1145250" y="6705037"/>
+                  <a:pt x="1060933" y="6654575"/>
+                  <a:pt x="1075471" y="6503186"/>
+                </a:cubicBezTo>
+                <a:cubicBezTo>
+                  <a:pt x="1078378" y="6459932"/>
+                  <a:pt x="1055118" y="6427493"/>
+                  <a:pt x="1020229" y="6438306"/>
+                </a:cubicBezTo>
+                <a:cubicBezTo>
+                  <a:pt x="953358" y="6459932"/>
+                  <a:pt x="921375" y="6398656"/>
+                  <a:pt x="883579" y="6351798"/>
+                </a:cubicBezTo>
+                <a:cubicBezTo>
+                  <a:pt x="816707" y="6268895"/>
+                  <a:pt x="752743" y="6182387"/>
+                  <a:pt x="645167" y="6167969"/>
+                </a:cubicBezTo>
+                <a:cubicBezTo>
+                  <a:pt x="665519" y="6103088"/>
+                  <a:pt x="700408" y="6110298"/>
+                  <a:pt x="732391" y="6124716"/>
+                </a:cubicBezTo>
+                <a:cubicBezTo>
+                  <a:pt x="816707" y="6160761"/>
+                  <a:pt x="901023" y="6200410"/>
+                  <a:pt x="985339" y="6236455"/>
+                </a:cubicBezTo>
+                <a:cubicBezTo>
+                  <a:pt x="1040581" y="6258081"/>
+                  <a:pt x="1095822" y="6290522"/>
+                  <a:pt x="1168509" y="6265291"/>
+                </a:cubicBezTo>
+                <a:cubicBezTo>
+                  <a:pt x="1104545" y="6135530"/>
+                  <a:pt x="996969" y="6110298"/>
+                  <a:pt x="909746" y="6070649"/>
+                </a:cubicBezTo>
+                <a:cubicBezTo>
+                  <a:pt x="802169" y="6020185"/>
+                  <a:pt x="738206" y="5926470"/>
+                  <a:pt x="659704" y="5818335"/>
+                </a:cubicBezTo>
+                <a:cubicBezTo>
+                  <a:pt x="738206" y="5789500"/>
+                  <a:pt x="787632" y="5868798"/>
+                  <a:pt x="851597" y="5865193"/>
+                </a:cubicBezTo>
+                <a:cubicBezTo>
+                  <a:pt x="854504" y="5854380"/>
+                  <a:pt x="860319" y="5832753"/>
+                  <a:pt x="860319" y="5832753"/>
+                </a:cubicBezTo>
+                <a:cubicBezTo>
+                  <a:pt x="755650" y="5775081"/>
+                  <a:pt x="709132" y="5666947"/>
+                  <a:pt x="691686" y="5533581"/>
+                </a:cubicBezTo>
+                <a:cubicBezTo>
+                  <a:pt x="685872" y="5465095"/>
+                  <a:pt x="648075" y="5443468"/>
+                  <a:pt x="610278" y="5411029"/>
+                </a:cubicBezTo>
+                <a:cubicBezTo>
+                  <a:pt x="482350" y="5299289"/>
+                  <a:pt x="345700" y="5198364"/>
+                  <a:pt x="238123" y="5046976"/>
+                </a:cubicBezTo>
+                <a:cubicBezTo>
+                  <a:pt x="363144" y="5064998"/>
+                  <a:pt x="461997" y="5165924"/>
+                  <a:pt x="592833" y="5209177"/>
+                </a:cubicBezTo>
+                <a:cubicBezTo>
+                  <a:pt x="488165" y="5043371"/>
+                  <a:pt x="351514" y="4956864"/>
+                  <a:pt x="226494" y="4855939"/>
+                </a:cubicBezTo>
+                <a:cubicBezTo>
+                  <a:pt x="168344" y="4809081"/>
+                  <a:pt x="116011" y="4751408"/>
+                  <a:pt x="49139" y="4726177"/>
+                </a:cubicBezTo>
+                <a:cubicBezTo>
+                  <a:pt x="25879" y="4718968"/>
+                  <a:pt x="-14825" y="4700947"/>
+                  <a:pt x="5527" y="4650483"/>
+                </a:cubicBezTo>
+                <a:cubicBezTo>
+                  <a:pt x="22972" y="4607230"/>
+                  <a:pt x="54954" y="4621648"/>
+                  <a:pt x="84029" y="4632460"/>
+                </a:cubicBezTo>
+                <a:cubicBezTo>
+                  <a:pt x="153807" y="4661296"/>
+                  <a:pt x="229401" y="4661296"/>
+                  <a:pt x="325347" y="4661296"/>
+                </a:cubicBezTo>
+                <a:cubicBezTo>
+                  <a:pt x="243939" y="4524326"/>
+                  <a:pt x="95658" y="4567580"/>
+                  <a:pt x="25879" y="4423401"/>
+                </a:cubicBezTo>
+                <a:cubicBezTo>
+                  <a:pt x="113103" y="4398170"/>
+                  <a:pt x="179975" y="4448632"/>
+                  <a:pt x="249753" y="4459446"/>
+                </a:cubicBezTo>
+                <a:cubicBezTo>
+                  <a:pt x="313718" y="4470259"/>
+                  <a:pt x="328254" y="4445028"/>
+                  <a:pt x="313718" y="4365729"/>
+                </a:cubicBezTo>
+                <a:cubicBezTo>
+                  <a:pt x="290458" y="4243177"/>
+                  <a:pt x="325347" y="4181900"/>
+                  <a:pt x="418386" y="4214341"/>
+                </a:cubicBezTo>
+                <a:cubicBezTo>
+                  <a:pt x="505609" y="4246781"/>
+                  <a:pt x="514332" y="4199922"/>
+                  <a:pt x="491072" y="4131438"/>
+                </a:cubicBezTo>
+                <a:cubicBezTo>
+                  <a:pt x="456183" y="4030512"/>
+                  <a:pt x="493979" y="3951214"/>
+                  <a:pt x="520147" y="3864706"/>
+                </a:cubicBezTo>
+                <a:cubicBezTo>
+                  <a:pt x="560851" y="3734945"/>
+                  <a:pt x="543407" y="3670064"/>
+                  <a:pt x="459090" y="3572743"/>
+                </a:cubicBezTo>
+                <a:cubicBezTo>
+                  <a:pt x="409664" y="3518676"/>
+                  <a:pt x="360236" y="3471818"/>
+                  <a:pt x="290458" y="3424959"/>
+                </a:cubicBezTo>
+                <a:cubicBezTo>
+                  <a:pt x="450368" y="3399728"/>
+                  <a:pt x="284643" y="3313221"/>
+                  <a:pt x="339884" y="3259153"/>
+                </a:cubicBezTo>
+                <a:cubicBezTo>
+                  <a:pt x="453275" y="3237527"/>
+                  <a:pt x="543407" y="3410542"/>
+                  <a:pt x="697501" y="3360078"/>
+                </a:cubicBezTo>
+                <a:cubicBezTo>
+                  <a:pt x="511425" y="3212294"/>
+                  <a:pt x="302087" y="3165436"/>
+                  <a:pt x="165437" y="2967190"/>
+                </a:cubicBezTo>
+                <a:cubicBezTo>
+                  <a:pt x="197419" y="2923937"/>
+                  <a:pt x="229401" y="2967190"/>
+                  <a:pt x="255568" y="2949167"/>
+                </a:cubicBezTo>
+                <a:cubicBezTo>
+                  <a:pt x="255568" y="2938354"/>
+                  <a:pt x="560851" y="3006840"/>
+                  <a:pt x="578296" y="2725691"/>
+                </a:cubicBezTo>
+                <a:cubicBezTo>
+                  <a:pt x="584111" y="2725691"/>
+                  <a:pt x="589926" y="2725691"/>
+                  <a:pt x="595740" y="2714876"/>
+                </a:cubicBezTo>
+                <a:cubicBezTo>
+                  <a:pt x="627722" y="2675228"/>
+                  <a:pt x="598648" y="2581510"/>
+                  <a:pt x="650982" y="2574301"/>
+                </a:cubicBezTo>
+                <a:cubicBezTo>
+                  <a:pt x="709132" y="2567092"/>
+                  <a:pt x="764373" y="2534653"/>
+                  <a:pt x="825429" y="2552674"/>
+                </a:cubicBezTo>
+                <a:cubicBezTo>
+                  <a:pt x="871949" y="2567092"/>
+                  <a:pt x="921375" y="2585115"/>
+                  <a:pt x="970802" y="2585115"/>
+                </a:cubicBezTo>
+                <a:cubicBezTo>
+                  <a:pt x="1023136" y="2585115"/>
+                  <a:pt x="1095822" y="2707668"/>
+                  <a:pt x="1127805" y="2545465"/>
+                </a:cubicBezTo>
+                <a:cubicBezTo>
+                  <a:pt x="1127805" y="2538257"/>
+                  <a:pt x="1217936" y="2556280"/>
+                  <a:pt x="1267362" y="2563488"/>
+                </a:cubicBezTo>
+                <a:cubicBezTo>
+                  <a:pt x="1308067" y="2570698"/>
+                  <a:pt x="1357494" y="2603137"/>
+                  <a:pt x="1386568" y="2538257"/>
+                </a:cubicBezTo>
+                <a:cubicBezTo>
+                  <a:pt x="1401105" y="2498607"/>
+                  <a:pt x="1331326" y="2426518"/>
+                  <a:pt x="1270270" y="2419309"/>
+                </a:cubicBezTo>
+                <a:cubicBezTo>
+                  <a:pt x="1215029" y="2412101"/>
+                  <a:pt x="1159787" y="2404892"/>
+                  <a:pt x="1107453" y="2419309"/>
+                </a:cubicBezTo>
+                <a:cubicBezTo>
+                  <a:pt x="1043489" y="2437331"/>
+                  <a:pt x="1008599" y="2408495"/>
+                  <a:pt x="991154" y="2343615"/>
+                </a:cubicBezTo>
+                <a:cubicBezTo>
+                  <a:pt x="970802" y="2275131"/>
+                  <a:pt x="933005" y="2239085"/>
+                  <a:pt x="880671" y="2206645"/>
+                </a:cubicBezTo>
+                <a:cubicBezTo>
+                  <a:pt x="752743" y="2127346"/>
+                  <a:pt x="630630" y="2033629"/>
+                  <a:pt x="491072" y="1986771"/>
+                </a:cubicBezTo>
+                <a:cubicBezTo>
+                  <a:pt x="464905" y="1979562"/>
+                  <a:pt x="432923" y="1965145"/>
+                  <a:pt x="421293" y="1903868"/>
+                </a:cubicBezTo>
+                <a:cubicBezTo>
+                  <a:pt x="799262" y="1997584"/>
+                  <a:pt x="1142342" y="2239085"/>
+                  <a:pt x="1531941" y="2224667"/>
+                </a:cubicBezTo>
+                <a:cubicBezTo>
+                  <a:pt x="1427272" y="2148974"/>
+                  <a:pt x="1302252" y="2145369"/>
+                  <a:pt x="1188861" y="2091301"/>
+                </a:cubicBezTo>
+                <a:cubicBezTo>
+                  <a:pt x="1270270" y="2051652"/>
+                  <a:pt x="1345864" y="2094906"/>
+                  <a:pt x="1421458" y="2116532"/>
+                </a:cubicBezTo>
+                <a:cubicBezTo>
+                  <a:pt x="1485422" y="2134554"/>
+                  <a:pt x="1543571" y="2138160"/>
+                  <a:pt x="1549386" y="2026420"/>
+                </a:cubicBezTo>
+                <a:cubicBezTo>
+                  <a:pt x="1549386" y="2015607"/>
+                  <a:pt x="1549386" y="2008398"/>
+                  <a:pt x="1549386" y="1997584"/>
+                </a:cubicBezTo>
+                <a:cubicBezTo>
+                  <a:pt x="1526126" y="1950727"/>
+                  <a:pt x="1494144" y="1929099"/>
+                  <a:pt x="1453440" y="1914682"/>
+                </a:cubicBezTo>
+                <a:cubicBezTo>
+                  <a:pt x="1430180" y="1907473"/>
+                  <a:pt x="1398198" y="1893056"/>
+                  <a:pt x="1398198" y="1860614"/>
+                </a:cubicBezTo>
+                <a:cubicBezTo>
+                  <a:pt x="1401105" y="1738063"/>
+                  <a:pt x="1322604" y="1702018"/>
+                  <a:pt x="1247011" y="1665972"/>
+                </a:cubicBezTo>
+                <a:cubicBezTo>
+                  <a:pt x="1287715" y="1604696"/>
+                  <a:pt x="1322604" y="1647950"/>
+                  <a:pt x="1354586" y="1644345"/>
+                </a:cubicBezTo>
+                <a:cubicBezTo>
+                  <a:pt x="1374939" y="1640741"/>
+                  <a:pt x="1395290" y="1637138"/>
+                  <a:pt x="1395290" y="1604696"/>
+                </a:cubicBezTo>
+                <a:cubicBezTo>
+                  <a:pt x="1395290" y="1579465"/>
+                  <a:pt x="1386568" y="1547025"/>
+                  <a:pt x="1366216" y="1547025"/>
+                </a:cubicBezTo>
+                <a:cubicBezTo>
+                  <a:pt x="1238288" y="1543420"/>
+                  <a:pt x="1165601" y="1370405"/>
+                  <a:pt x="1031858" y="1370405"/>
+                </a:cubicBezTo>
+                <a:cubicBezTo>
+                  <a:pt x="950450" y="1370405"/>
+                  <a:pt x="1072563" y="1273083"/>
+                  <a:pt x="1005692" y="1233435"/>
+                </a:cubicBezTo>
+                <a:cubicBezTo>
+                  <a:pt x="991154" y="1222621"/>
+                  <a:pt x="1046396" y="1208203"/>
+                  <a:pt x="1069655" y="1211808"/>
+                </a:cubicBezTo>
+                <a:cubicBezTo>
+                  <a:pt x="1092915" y="1215412"/>
+                  <a:pt x="1113268" y="1240644"/>
+                  <a:pt x="1142342" y="1222621"/>
+                </a:cubicBezTo>
+                <a:cubicBezTo>
+                  <a:pt x="1156879" y="1157741"/>
+                  <a:pt x="1119082" y="1132510"/>
+                  <a:pt x="1084193" y="1114487"/>
+                </a:cubicBezTo>
+                <a:cubicBezTo>
+                  <a:pt x="1008599" y="1071234"/>
+                  <a:pt x="933005" y="1020771"/>
+                  <a:pt x="848689" y="1006353"/>
+                </a:cubicBezTo>
+                <a:cubicBezTo>
+                  <a:pt x="819615" y="1002748"/>
+                  <a:pt x="802169" y="984726"/>
+                  <a:pt x="805077" y="948681"/>
+                </a:cubicBezTo>
+                <a:cubicBezTo>
+                  <a:pt x="810892" y="901822"/>
+                  <a:pt x="839967" y="916240"/>
+                  <a:pt x="863226" y="919844"/>
+                </a:cubicBezTo>
+                <a:cubicBezTo>
+                  <a:pt x="877764" y="923450"/>
+                  <a:pt x="892301" y="934263"/>
+                  <a:pt x="906838" y="909031"/>
+                </a:cubicBezTo>
+                <a:cubicBezTo>
+                  <a:pt x="566666" y="653113"/>
+                  <a:pt x="386404" y="667532"/>
+                  <a:pt x="5527" y="458471"/>
+                </a:cubicBezTo>
+                <a:cubicBezTo>
+                  <a:pt x="89843" y="418822"/>
+                  <a:pt x="150900" y="447658"/>
+                  <a:pt x="209049" y="454867"/>
+                </a:cubicBezTo>
+                <a:cubicBezTo>
+                  <a:pt x="354422" y="472890"/>
+                  <a:pt x="264290" y="505329"/>
+                  <a:pt x="409664" y="526956"/>
+                </a:cubicBezTo>
+                <a:cubicBezTo>
+                  <a:pt x="479443" y="537770"/>
+                  <a:pt x="543407" y="573815"/>
+                  <a:pt x="621908" y="516143"/>
+                </a:cubicBezTo>
+                <a:cubicBezTo>
+                  <a:pt x="674242" y="476494"/>
+                  <a:pt x="758558" y="519747"/>
+                  <a:pt x="822522" y="552188"/>
+                </a:cubicBezTo>
+                <a:cubicBezTo>
+                  <a:pt x="874856" y="581024"/>
+                  <a:pt x="927190" y="588232"/>
+                  <a:pt x="996969" y="552188"/>
+                </a:cubicBezTo>
+                <a:cubicBezTo>
+                  <a:pt x="933005" y="530562"/>
+                  <a:pt x="883579" y="512539"/>
+                  <a:pt x="834151" y="498120"/>
+                </a:cubicBezTo>
+                <a:cubicBezTo>
+                  <a:pt x="793447" y="487307"/>
+                  <a:pt x="770187" y="462076"/>
+                  <a:pt x="773095" y="408008"/>
+                </a:cubicBezTo>
+                <a:cubicBezTo>
+                  <a:pt x="773095" y="379172"/>
+                  <a:pt x="764373" y="339523"/>
+                  <a:pt x="793447" y="325106"/>
+                </a:cubicBezTo>
+                <a:cubicBezTo>
+                  <a:pt x="816707" y="310688"/>
+                  <a:pt x="848689" y="325106"/>
+                  <a:pt x="860319" y="350336"/>
+                </a:cubicBezTo>
+                <a:cubicBezTo>
+                  <a:pt x="874856" y="397195"/>
+                  <a:pt x="889393" y="440449"/>
+                  <a:pt x="938820" y="444054"/>
+                </a:cubicBezTo>
+                <a:cubicBezTo>
+                  <a:pt x="1005692" y="451262"/>
+                  <a:pt x="967894" y="422426"/>
+                  <a:pt x="956265" y="386381"/>
+                </a:cubicBezTo>
+                <a:cubicBezTo>
+                  <a:pt x="944635" y="346733"/>
+                  <a:pt x="979525" y="335919"/>
+                  <a:pt x="1002784" y="343127"/>
+                </a:cubicBezTo>
+                <a:cubicBezTo>
+                  <a:pt x="1090008" y="375569"/>
+                  <a:pt x="1180139" y="317897"/>
+                  <a:pt x="1270270" y="364755"/>
+                </a:cubicBezTo>
+                <a:cubicBezTo>
+                  <a:pt x="1247011" y="249411"/>
+                  <a:pt x="1197583" y="198949"/>
+                  <a:pt x="1092915" y="180926"/>
+                </a:cubicBezTo>
+                <a:cubicBezTo>
+                  <a:pt x="1055118" y="177322"/>
+                  <a:pt x="1014414" y="184530"/>
+                  <a:pt x="979525" y="152090"/>
+                </a:cubicBezTo>
+                <a:cubicBezTo>
+                  <a:pt x="959172" y="134068"/>
+                  <a:pt x="938820" y="112441"/>
+                  <a:pt x="953358" y="76396"/>
+                </a:cubicBezTo>
+                <a:cubicBezTo>
+                  <a:pt x="962080" y="51165"/>
+                  <a:pt x="985339" y="51165"/>
+                  <a:pt x="1005692" y="58373"/>
+                </a:cubicBezTo>
+                <a:cubicBezTo>
+                  <a:pt x="1090008" y="98023"/>
+                  <a:pt x="1180139" y="108837"/>
+                  <a:pt x="1267362" y="123254"/>
+                </a:cubicBezTo>
+                <a:cubicBezTo>
+                  <a:pt x="1281900" y="126859"/>
+                  <a:pt x="1296437" y="134068"/>
+                  <a:pt x="1310975" y="98023"/>
+                </a:cubicBezTo>
+                <a:cubicBezTo>
+                  <a:pt x="1260095" y="81803"/>
+                  <a:pt x="1209941" y="62879"/>
+                  <a:pt x="1159787" y="43505"/>
+                </a:cubicBezTo>
+                <a:close/>
+              </a:path>
+            </a:pathLst>
+          </a:custGeom>
         </p:spPr>
-        <p:txBody>
-          <a:bodyPr rot="0" spcFirstLastPara="0" vertOverflow="overflow" horzOverflow="overflow" vert="horz" wrap="square" lIns="91440" tIns="45720" rIns="91440" bIns="45720" numCol="1" spcCol="0" rtlCol="0" fromWordArt="0" anchor="t" anchorCtr="0" forceAA="0" compatLnSpc="1">
-            <a:prstTxWarp prst="textNoShape">
-              <a:avLst/>
-            </a:prstTxWarp>
-            <a:spAutoFit/>
-          </a:bodyPr>
-          <a:lstStyle/>
-          <a:p>
-            <a:endParaRPr lang="en-US"/>
-          </a:p>
-        </p:txBody>
-      </p:sp>
+      </p:pic>
+      <p:pic>
+        <p:nvPicPr>
+          <p:cNvPr id="7" name="Picture 6" descr="Una pieza de rompecabezas amarillo completa un rompecabezas negro">
+            <a:extLst>
+              <a:ext uri="{FF2B5EF4-FFF2-40B4-BE49-F238E27FC236}">
+                <a16:creationId xmlns:a16="http://schemas.microsoft.com/office/drawing/2014/main" id="{0A0E974B-D8A3-7FCF-FD60-F190CE33D45E}"/>
+              </a:ext>
+            </a:extLst>
+          </p:cNvPr>
+          <p:cNvPicPr>
+            <a:picLocks noChangeAspect="1"/>
+          </p:cNvPicPr>
+          <p:nvPr/>
+        </p:nvPicPr>
+        <p:blipFill rotWithShape="1">
+          <a:blip r:embed="rId3"/>
+          <a:srcRect l="8911" r="33051" b="-1"/>
+          <a:stretch/>
+        </p:blipFill>
+        <p:spPr>
+          <a:xfrm>
+            <a:off x="10301152" y="2393166"/>
+            <a:ext cx="1926567" cy="2214552"/>
+          </a:xfrm>
+          <a:custGeom>
+            <a:avLst/>
+            <a:gdLst/>
+            <a:ahLst/>
+            <a:cxnLst/>
+            <a:rect l="l" t="t" r="r" b="b"/>
+            <a:pathLst>
+              <a:path w="5962785" h="6858000">
+                <a:moveTo>
+                  <a:pt x="1044839" y="0"/>
+                </a:moveTo>
+                <a:lnTo>
+                  <a:pt x="5962785" y="0"/>
+                </a:lnTo>
+                <a:lnTo>
+                  <a:pt x="5962785" y="6858000"/>
+                </a:lnTo>
+                <a:lnTo>
+                  <a:pt x="1469886" y="6858000"/>
+                </a:lnTo>
+                <a:lnTo>
+                  <a:pt x="1416006" y="6823984"/>
+                </a:lnTo>
+                <a:cubicBezTo>
+                  <a:pt x="1356767" y="6787940"/>
+                  <a:pt x="1296437" y="6755500"/>
+                  <a:pt x="1232473" y="6733873"/>
+                </a:cubicBezTo>
+                <a:cubicBezTo>
+                  <a:pt x="1145250" y="6705037"/>
+                  <a:pt x="1060933" y="6654575"/>
+                  <a:pt x="1075471" y="6503186"/>
+                </a:cubicBezTo>
+                <a:cubicBezTo>
+                  <a:pt x="1078378" y="6459932"/>
+                  <a:pt x="1055118" y="6427493"/>
+                  <a:pt x="1020229" y="6438306"/>
+                </a:cubicBezTo>
+                <a:cubicBezTo>
+                  <a:pt x="953358" y="6459932"/>
+                  <a:pt x="921375" y="6398656"/>
+                  <a:pt x="883579" y="6351798"/>
+                </a:cubicBezTo>
+                <a:cubicBezTo>
+                  <a:pt x="816707" y="6268895"/>
+                  <a:pt x="752743" y="6182387"/>
+                  <a:pt x="645167" y="6167969"/>
+                </a:cubicBezTo>
+                <a:cubicBezTo>
+                  <a:pt x="665519" y="6103088"/>
+                  <a:pt x="700408" y="6110298"/>
+                  <a:pt x="732391" y="6124716"/>
+                </a:cubicBezTo>
+                <a:cubicBezTo>
+                  <a:pt x="816707" y="6160761"/>
+                  <a:pt x="901023" y="6200410"/>
+                  <a:pt x="985339" y="6236455"/>
+                </a:cubicBezTo>
+                <a:cubicBezTo>
+                  <a:pt x="1040581" y="6258081"/>
+                  <a:pt x="1095822" y="6290522"/>
+                  <a:pt x="1168509" y="6265291"/>
+                </a:cubicBezTo>
+                <a:cubicBezTo>
+                  <a:pt x="1104545" y="6135530"/>
+                  <a:pt x="996969" y="6110298"/>
+                  <a:pt x="909746" y="6070649"/>
+                </a:cubicBezTo>
+                <a:cubicBezTo>
+                  <a:pt x="802169" y="6020185"/>
+                  <a:pt x="738206" y="5926470"/>
+                  <a:pt x="659704" y="5818335"/>
+                </a:cubicBezTo>
+                <a:cubicBezTo>
+                  <a:pt x="738206" y="5789500"/>
+                  <a:pt x="787632" y="5868798"/>
+                  <a:pt x="851597" y="5865193"/>
+                </a:cubicBezTo>
+                <a:cubicBezTo>
+                  <a:pt x="854504" y="5854380"/>
+                  <a:pt x="860319" y="5832753"/>
+                  <a:pt x="860319" y="5832753"/>
+                </a:cubicBezTo>
+                <a:cubicBezTo>
+                  <a:pt x="755650" y="5775081"/>
+                  <a:pt x="709132" y="5666947"/>
+                  <a:pt x="691686" y="5533581"/>
+                </a:cubicBezTo>
+                <a:cubicBezTo>
+                  <a:pt x="685872" y="5465095"/>
+                  <a:pt x="648075" y="5443468"/>
+                  <a:pt x="610278" y="5411029"/>
+                </a:cubicBezTo>
+                <a:cubicBezTo>
+                  <a:pt x="482350" y="5299289"/>
+                  <a:pt x="345700" y="5198364"/>
+                  <a:pt x="238123" y="5046976"/>
+                </a:cubicBezTo>
+                <a:cubicBezTo>
+                  <a:pt x="363144" y="5064998"/>
+                  <a:pt x="461997" y="5165924"/>
+                  <a:pt x="592833" y="5209177"/>
+                </a:cubicBezTo>
+                <a:cubicBezTo>
+                  <a:pt x="488165" y="5043371"/>
+                  <a:pt x="351514" y="4956864"/>
+                  <a:pt x="226494" y="4855939"/>
+                </a:cubicBezTo>
+                <a:cubicBezTo>
+                  <a:pt x="168344" y="4809081"/>
+                  <a:pt x="116011" y="4751408"/>
+                  <a:pt x="49139" y="4726177"/>
+                </a:cubicBezTo>
+                <a:cubicBezTo>
+                  <a:pt x="25879" y="4718968"/>
+                  <a:pt x="-14825" y="4700947"/>
+                  <a:pt x="5527" y="4650483"/>
+                </a:cubicBezTo>
+                <a:cubicBezTo>
+                  <a:pt x="22972" y="4607230"/>
+                  <a:pt x="54954" y="4621648"/>
+                  <a:pt x="84029" y="4632460"/>
+                </a:cubicBezTo>
+                <a:cubicBezTo>
+                  <a:pt x="153807" y="4661296"/>
+                  <a:pt x="229401" y="4661296"/>
+                  <a:pt x="325347" y="4661296"/>
+                </a:cubicBezTo>
+                <a:cubicBezTo>
+                  <a:pt x="243939" y="4524326"/>
+                  <a:pt x="95658" y="4567580"/>
+                  <a:pt x="25879" y="4423401"/>
+                </a:cubicBezTo>
+                <a:cubicBezTo>
+                  <a:pt x="113103" y="4398170"/>
+                  <a:pt x="179975" y="4448632"/>
+                  <a:pt x="249753" y="4459446"/>
+                </a:cubicBezTo>
+                <a:cubicBezTo>
+                  <a:pt x="313718" y="4470259"/>
+                  <a:pt x="328254" y="4445028"/>
+                  <a:pt x="313718" y="4365729"/>
+                </a:cubicBezTo>
+                <a:cubicBezTo>
+                  <a:pt x="290458" y="4243177"/>
+                  <a:pt x="325347" y="4181900"/>
+                  <a:pt x="418386" y="4214341"/>
+                </a:cubicBezTo>
+                <a:cubicBezTo>
+                  <a:pt x="505609" y="4246781"/>
+                  <a:pt x="514332" y="4199922"/>
+                  <a:pt x="491072" y="4131438"/>
+                </a:cubicBezTo>
+                <a:cubicBezTo>
+                  <a:pt x="456183" y="4030512"/>
+                  <a:pt x="493979" y="3951214"/>
+                  <a:pt x="520147" y="3864706"/>
+                </a:cubicBezTo>
+                <a:cubicBezTo>
+                  <a:pt x="560851" y="3734945"/>
+                  <a:pt x="543407" y="3670064"/>
+                  <a:pt x="459090" y="3572743"/>
+                </a:cubicBezTo>
+                <a:cubicBezTo>
+                  <a:pt x="409664" y="3518676"/>
+                  <a:pt x="360236" y="3471818"/>
+                  <a:pt x="290458" y="3424959"/>
+                </a:cubicBezTo>
+                <a:cubicBezTo>
+                  <a:pt x="450368" y="3399728"/>
+                  <a:pt x="284643" y="3313221"/>
+                  <a:pt x="339884" y="3259153"/>
+                </a:cubicBezTo>
+                <a:cubicBezTo>
+                  <a:pt x="453275" y="3237527"/>
+                  <a:pt x="543407" y="3410542"/>
+                  <a:pt x="697501" y="3360078"/>
+                </a:cubicBezTo>
+                <a:cubicBezTo>
+                  <a:pt x="511425" y="3212294"/>
+                  <a:pt x="302087" y="3165436"/>
+                  <a:pt x="165437" y="2967190"/>
+                </a:cubicBezTo>
+                <a:cubicBezTo>
+                  <a:pt x="197419" y="2923937"/>
+                  <a:pt x="229401" y="2967190"/>
+                  <a:pt x="255568" y="2949167"/>
+                </a:cubicBezTo>
+                <a:cubicBezTo>
+                  <a:pt x="255568" y="2938354"/>
+                  <a:pt x="560851" y="3006840"/>
+                  <a:pt x="578296" y="2725691"/>
+                </a:cubicBezTo>
+                <a:cubicBezTo>
+                  <a:pt x="584111" y="2725691"/>
+                  <a:pt x="589926" y="2725691"/>
+                  <a:pt x="595740" y="2714876"/>
+                </a:cubicBezTo>
+                <a:cubicBezTo>
+                  <a:pt x="627722" y="2675228"/>
+                  <a:pt x="598648" y="2581510"/>
+                  <a:pt x="650982" y="2574301"/>
+                </a:cubicBezTo>
+                <a:cubicBezTo>
+                  <a:pt x="709132" y="2567092"/>
+                  <a:pt x="764373" y="2534653"/>
+                  <a:pt x="825429" y="2552674"/>
+                </a:cubicBezTo>
+                <a:cubicBezTo>
+                  <a:pt x="871949" y="2567092"/>
+                  <a:pt x="921375" y="2585115"/>
+                  <a:pt x="970802" y="2585115"/>
+                </a:cubicBezTo>
+                <a:cubicBezTo>
+                  <a:pt x="1023136" y="2585115"/>
+                  <a:pt x="1095822" y="2707668"/>
+                  <a:pt x="1127805" y="2545465"/>
+                </a:cubicBezTo>
+                <a:cubicBezTo>
+                  <a:pt x="1127805" y="2538257"/>
+                  <a:pt x="1217936" y="2556280"/>
+                  <a:pt x="1267362" y="2563488"/>
+                </a:cubicBezTo>
+                <a:cubicBezTo>
+                  <a:pt x="1308067" y="2570698"/>
+                  <a:pt x="1357494" y="2603137"/>
+                  <a:pt x="1386568" y="2538257"/>
+                </a:cubicBezTo>
+                <a:cubicBezTo>
+                  <a:pt x="1401105" y="2498607"/>
+                  <a:pt x="1331326" y="2426518"/>
+                  <a:pt x="1270270" y="2419309"/>
+                </a:cubicBezTo>
+                <a:cubicBezTo>
+                  <a:pt x="1215029" y="2412101"/>
+                  <a:pt x="1159787" y="2404892"/>
+                  <a:pt x="1107453" y="2419309"/>
+                </a:cubicBezTo>
+                <a:cubicBezTo>
+                  <a:pt x="1043489" y="2437331"/>
+                  <a:pt x="1008599" y="2408495"/>
+                  <a:pt x="991154" y="2343615"/>
+                </a:cubicBezTo>
+                <a:cubicBezTo>
+                  <a:pt x="970802" y="2275131"/>
+                  <a:pt x="933005" y="2239085"/>
+                  <a:pt x="880671" y="2206645"/>
+                </a:cubicBezTo>
+                <a:cubicBezTo>
+                  <a:pt x="752743" y="2127346"/>
+                  <a:pt x="630630" y="2033629"/>
+                  <a:pt x="491072" y="1986771"/>
+                </a:cubicBezTo>
+                <a:cubicBezTo>
+                  <a:pt x="464905" y="1979562"/>
+                  <a:pt x="432923" y="1965145"/>
+                  <a:pt x="421293" y="1903868"/>
+                </a:cubicBezTo>
+                <a:cubicBezTo>
+                  <a:pt x="799262" y="1997584"/>
+                  <a:pt x="1142342" y="2239085"/>
+                  <a:pt x="1531941" y="2224667"/>
+                </a:cubicBezTo>
+                <a:cubicBezTo>
+                  <a:pt x="1427272" y="2148974"/>
+                  <a:pt x="1302252" y="2145369"/>
+                  <a:pt x="1188861" y="2091301"/>
+                </a:cubicBezTo>
+                <a:cubicBezTo>
+                  <a:pt x="1270270" y="2051652"/>
+                  <a:pt x="1345864" y="2094906"/>
+                  <a:pt x="1421458" y="2116532"/>
+                </a:cubicBezTo>
+                <a:cubicBezTo>
+                  <a:pt x="1485422" y="2134554"/>
+                  <a:pt x="1543571" y="2138160"/>
+                  <a:pt x="1549386" y="2026420"/>
+                </a:cubicBezTo>
+                <a:cubicBezTo>
+                  <a:pt x="1549386" y="2015607"/>
+                  <a:pt x="1549386" y="2008398"/>
+                  <a:pt x="1549386" y="1997584"/>
+                </a:cubicBezTo>
+                <a:cubicBezTo>
+                  <a:pt x="1526126" y="1950727"/>
+                  <a:pt x="1494144" y="1929099"/>
+                  <a:pt x="1453440" y="1914682"/>
+                </a:cubicBezTo>
+                <a:cubicBezTo>
+                  <a:pt x="1430180" y="1907473"/>
+                  <a:pt x="1398198" y="1893056"/>
+                  <a:pt x="1398198" y="1860614"/>
+                </a:cubicBezTo>
+                <a:cubicBezTo>
+                  <a:pt x="1401105" y="1738063"/>
+                  <a:pt x="1322604" y="1702018"/>
+                  <a:pt x="1247011" y="1665972"/>
+                </a:cubicBezTo>
+                <a:cubicBezTo>
+                  <a:pt x="1287715" y="1604696"/>
+                  <a:pt x="1322604" y="1647950"/>
+                  <a:pt x="1354586" y="1644345"/>
+                </a:cubicBezTo>
+                <a:cubicBezTo>
+                  <a:pt x="1374939" y="1640741"/>
+                  <a:pt x="1395290" y="1637138"/>
+                  <a:pt x="1395290" y="1604696"/>
+                </a:cubicBezTo>
+                <a:cubicBezTo>
+                  <a:pt x="1395290" y="1579465"/>
+                  <a:pt x="1386568" y="1547025"/>
+                  <a:pt x="1366216" y="1547025"/>
+                </a:cubicBezTo>
+                <a:cubicBezTo>
+                  <a:pt x="1238288" y="1543420"/>
+                  <a:pt x="1165601" y="1370405"/>
+                  <a:pt x="1031858" y="1370405"/>
+                </a:cubicBezTo>
+                <a:cubicBezTo>
+                  <a:pt x="950450" y="1370405"/>
+                  <a:pt x="1072563" y="1273083"/>
+                  <a:pt x="1005692" y="1233435"/>
+                </a:cubicBezTo>
+                <a:cubicBezTo>
+                  <a:pt x="991154" y="1222621"/>
+                  <a:pt x="1046396" y="1208203"/>
+                  <a:pt x="1069655" y="1211808"/>
+                </a:cubicBezTo>
+                <a:cubicBezTo>
+                  <a:pt x="1092915" y="1215412"/>
+                  <a:pt x="1113268" y="1240644"/>
+                  <a:pt x="1142342" y="1222621"/>
+                </a:cubicBezTo>
+                <a:cubicBezTo>
+                  <a:pt x="1156879" y="1157741"/>
+                  <a:pt x="1119082" y="1132510"/>
+                  <a:pt x="1084193" y="1114487"/>
+                </a:cubicBezTo>
+                <a:cubicBezTo>
+                  <a:pt x="1008599" y="1071234"/>
+                  <a:pt x="933005" y="1020771"/>
+                  <a:pt x="848689" y="1006353"/>
+                </a:cubicBezTo>
+                <a:cubicBezTo>
+                  <a:pt x="819615" y="1002748"/>
+                  <a:pt x="802169" y="984726"/>
+                  <a:pt x="805077" y="948681"/>
+                </a:cubicBezTo>
+                <a:cubicBezTo>
+                  <a:pt x="810892" y="901822"/>
+                  <a:pt x="839967" y="916240"/>
+                  <a:pt x="863226" y="919844"/>
+                </a:cubicBezTo>
+                <a:cubicBezTo>
+                  <a:pt x="877764" y="923450"/>
+                  <a:pt x="892301" y="934263"/>
+                  <a:pt x="906838" y="909031"/>
+                </a:cubicBezTo>
+                <a:cubicBezTo>
+                  <a:pt x="566666" y="653113"/>
+                  <a:pt x="386404" y="667532"/>
+                  <a:pt x="5527" y="458471"/>
+                </a:cubicBezTo>
+                <a:cubicBezTo>
+                  <a:pt x="89843" y="418822"/>
+                  <a:pt x="150900" y="447658"/>
+                  <a:pt x="209049" y="454867"/>
+                </a:cubicBezTo>
+                <a:cubicBezTo>
+                  <a:pt x="354422" y="472890"/>
+                  <a:pt x="264290" y="505329"/>
+                  <a:pt x="409664" y="526956"/>
+                </a:cubicBezTo>
+                <a:cubicBezTo>
+                  <a:pt x="479443" y="537770"/>
+                  <a:pt x="543407" y="573815"/>
+                  <a:pt x="621908" y="516143"/>
+                </a:cubicBezTo>
+                <a:cubicBezTo>
+                  <a:pt x="674242" y="476494"/>
+                  <a:pt x="758558" y="519747"/>
+                  <a:pt x="822522" y="552188"/>
+                </a:cubicBezTo>
+                <a:cubicBezTo>
+                  <a:pt x="874856" y="581024"/>
+                  <a:pt x="927190" y="588232"/>
+                  <a:pt x="996969" y="552188"/>
+                </a:cubicBezTo>
+                <a:cubicBezTo>
+                  <a:pt x="933005" y="530562"/>
+                  <a:pt x="883579" y="512539"/>
+                  <a:pt x="834151" y="498120"/>
+                </a:cubicBezTo>
+                <a:cubicBezTo>
+                  <a:pt x="793447" y="487307"/>
+                  <a:pt x="770187" y="462076"/>
+                  <a:pt x="773095" y="408008"/>
+                </a:cubicBezTo>
+                <a:cubicBezTo>
+                  <a:pt x="773095" y="379172"/>
+                  <a:pt x="764373" y="339523"/>
+                  <a:pt x="793447" y="325106"/>
+                </a:cubicBezTo>
+                <a:cubicBezTo>
+                  <a:pt x="816707" y="310688"/>
+                  <a:pt x="848689" y="325106"/>
+                  <a:pt x="860319" y="350336"/>
+                </a:cubicBezTo>
+                <a:cubicBezTo>
+                  <a:pt x="874856" y="397195"/>
+                  <a:pt x="889393" y="440449"/>
+                  <a:pt x="938820" y="444054"/>
+                </a:cubicBezTo>
+                <a:cubicBezTo>
+                  <a:pt x="1005692" y="451262"/>
+                  <a:pt x="967894" y="422426"/>
+                  <a:pt x="956265" y="386381"/>
+                </a:cubicBezTo>
+                <a:cubicBezTo>
+                  <a:pt x="944635" y="346733"/>
+                  <a:pt x="979525" y="335919"/>
+                  <a:pt x="1002784" y="343127"/>
+                </a:cubicBezTo>
+                <a:cubicBezTo>
+                  <a:pt x="1090008" y="375569"/>
+                  <a:pt x="1180139" y="317897"/>
+                  <a:pt x="1270270" y="364755"/>
+                </a:cubicBezTo>
+                <a:cubicBezTo>
+                  <a:pt x="1247011" y="249411"/>
+                  <a:pt x="1197583" y="198949"/>
+                  <a:pt x="1092915" y="180926"/>
+                </a:cubicBezTo>
+                <a:cubicBezTo>
+                  <a:pt x="1055118" y="177322"/>
+                  <a:pt x="1014414" y="184530"/>
+                  <a:pt x="979525" y="152090"/>
+                </a:cubicBezTo>
+                <a:cubicBezTo>
+                  <a:pt x="959172" y="134068"/>
+                  <a:pt x="938820" y="112441"/>
+                  <a:pt x="953358" y="76396"/>
+                </a:cubicBezTo>
+                <a:cubicBezTo>
+                  <a:pt x="962080" y="51165"/>
+                  <a:pt x="985339" y="51165"/>
+                  <a:pt x="1005692" y="58373"/>
+                </a:cubicBezTo>
+                <a:cubicBezTo>
+                  <a:pt x="1090008" y="98023"/>
+                  <a:pt x="1180139" y="108837"/>
+                  <a:pt x="1267362" y="123254"/>
+                </a:cubicBezTo>
+                <a:cubicBezTo>
+                  <a:pt x="1281900" y="126859"/>
+                  <a:pt x="1296437" y="134068"/>
+                  <a:pt x="1310975" y="98023"/>
+                </a:cubicBezTo>
+                <a:cubicBezTo>
+                  <a:pt x="1260095" y="81803"/>
+                  <a:pt x="1209941" y="62879"/>
+                  <a:pt x="1159787" y="43505"/>
+                </a:cubicBezTo>
+                <a:close/>
+              </a:path>
+            </a:pathLst>
+          </a:custGeom>
+        </p:spPr>
+      </p:pic>
       <p:pic>
         <p:nvPicPr>
           <p:cNvPr id="5" name="Picture 4" descr="Figura humana de madera">
@@ -3380,7 +4336,7 @@
           <p:nvPr/>
         </p:nvPicPr>
         <p:blipFill rotWithShape="1">
-          <a:blip r:embed="rId2"/>
+          <a:blip r:embed="rId4"/>
           <a:srcRect r="41962" b="-1"/>
           <a:stretch/>
         </p:blipFill>
@@ -3858,992 +4814,343 @@
           </a:custGeom>
         </p:spPr>
       </p:pic>
-      <p:pic>
-        <p:nvPicPr>
-          <p:cNvPr id="9" name="Picture 8" descr="A black umbrella over a piggybank">
+      <p:sp>
+        <p:nvSpPr>
+          <p:cNvPr id="3" name="TextBox 2">
             <a:extLst>
               <a:ext uri="{FF2B5EF4-FFF2-40B4-BE49-F238E27FC236}">
-                <a16:creationId xmlns:a16="http://schemas.microsoft.com/office/drawing/2014/main" id="{2B269621-F278-1911-F805-4B264DAC40F3}"/>
+                <a16:creationId xmlns:a16="http://schemas.microsoft.com/office/drawing/2014/main" id="{FB910137-E82A-7E4E-5486-3FB349CCAAB7}"/>
               </a:ext>
             </a:extLst>
           </p:cNvPr>
-          <p:cNvPicPr>
-            <a:picLocks noChangeAspect="1"/>
-          </p:cNvPicPr>
+          <p:cNvSpPr txBox="1"/>
           <p:nvPr/>
-        </p:nvPicPr>
-        <p:blipFill rotWithShape="1">
-          <a:blip r:embed="rId3"/>
-          <a:srcRect l="14037" r="15907" b="-9"/>
-          <a:stretch/>
-        </p:blipFill>
+        </p:nvSpPr>
         <p:spPr>
           <a:xfrm>
-            <a:off x="9955871" y="4250541"/>
-            <a:ext cx="2271849" cy="2607461"/>
+            <a:off x="2895217" y="3296271"/>
+            <a:ext cx="2743200" cy="408623"/>
           </a:xfrm>
-          <a:custGeom>
+          <a:prstGeom prst="roundRect">
             <a:avLst/>
-            <a:gdLst/>
-            <a:ahLst/>
-            <a:cxnLst/>
-            <a:rect l="l" t="t" r="r" b="b"/>
-            <a:pathLst>
-              <a:path w="5962785" h="6858000">
-                <a:moveTo>
-                  <a:pt x="1044839" y="0"/>
-                </a:moveTo>
-                <a:lnTo>
-                  <a:pt x="5962785" y="0"/>
-                </a:lnTo>
-                <a:lnTo>
-                  <a:pt x="5962785" y="6858000"/>
-                </a:lnTo>
-                <a:lnTo>
-                  <a:pt x="1469886" y="6858000"/>
-                </a:lnTo>
-                <a:lnTo>
-                  <a:pt x="1416006" y="6823984"/>
-                </a:lnTo>
-                <a:cubicBezTo>
-                  <a:pt x="1356767" y="6787940"/>
-                  <a:pt x="1296437" y="6755500"/>
-                  <a:pt x="1232473" y="6733873"/>
-                </a:cubicBezTo>
-                <a:cubicBezTo>
-                  <a:pt x="1145250" y="6705037"/>
-                  <a:pt x="1060933" y="6654575"/>
-                  <a:pt x="1075471" y="6503186"/>
-                </a:cubicBezTo>
-                <a:cubicBezTo>
-                  <a:pt x="1078378" y="6459932"/>
-                  <a:pt x="1055118" y="6427493"/>
-                  <a:pt x="1020229" y="6438306"/>
-                </a:cubicBezTo>
-                <a:cubicBezTo>
-                  <a:pt x="953358" y="6459932"/>
-                  <a:pt x="921375" y="6398656"/>
-                  <a:pt x="883579" y="6351798"/>
-                </a:cubicBezTo>
-                <a:cubicBezTo>
-                  <a:pt x="816707" y="6268895"/>
-                  <a:pt x="752743" y="6182387"/>
-                  <a:pt x="645167" y="6167969"/>
-                </a:cubicBezTo>
-                <a:cubicBezTo>
-                  <a:pt x="665519" y="6103088"/>
-                  <a:pt x="700408" y="6110298"/>
-                  <a:pt x="732391" y="6124716"/>
-                </a:cubicBezTo>
-                <a:cubicBezTo>
-                  <a:pt x="816707" y="6160761"/>
-                  <a:pt x="901023" y="6200410"/>
-                  <a:pt x="985339" y="6236455"/>
-                </a:cubicBezTo>
-                <a:cubicBezTo>
-                  <a:pt x="1040581" y="6258081"/>
-                  <a:pt x="1095822" y="6290522"/>
-                  <a:pt x="1168509" y="6265291"/>
-                </a:cubicBezTo>
-                <a:cubicBezTo>
-                  <a:pt x="1104545" y="6135530"/>
-                  <a:pt x="996969" y="6110298"/>
-                  <a:pt x="909746" y="6070649"/>
-                </a:cubicBezTo>
-                <a:cubicBezTo>
-                  <a:pt x="802169" y="6020185"/>
-                  <a:pt x="738206" y="5926470"/>
-                  <a:pt x="659704" y="5818335"/>
-                </a:cubicBezTo>
-                <a:cubicBezTo>
-                  <a:pt x="738206" y="5789500"/>
-                  <a:pt x="787632" y="5868798"/>
-                  <a:pt x="851597" y="5865193"/>
-                </a:cubicBezTo>
-                <a:cubicBezTo>
-                  <a:pt x="854504" y="5854380"/>
-                  <a:pt x="860319" y="5832753"/>
-                  <a:pt x="860319" y="5832753"/>
-                </a:cubicBezTo>
-                <a:cubicBezTo>
-                  <a:pt x="755650" y="5775081"/>
-                  <a:pt x="709132" y="5666947"/>
-                  <a:pt x="691686" y="5533581"/>
-                </a:cubicBezTo>
-                <a:cubicBezTo>
-                  <a:pt x="685872" y="5465095"/>
-                  <a:pt x="648075" y="5443468"/>
-                  <a:pt x="610278" y="5411029"/>
-                </a:cubicBezTo>
-                <a:cubicBezTo>
-                  <a:pt x="482350" y="5299289"/>
-                  <a:pt x="345700" y="5198364"/>
-                  <a:pt x="238123" y="5046976"/>
-                </a:cubicBezTo>
-                <a:cubicBezTo>
-                  <a:pt x="363144" y="5064998"/>
-                  <a:pt x="461997" y="5165924"/>
-                  <a:pt x="592833" y="5209177"/>
-                </a:cubicBezTo>
-                <a:cubicBezTo>
-                  <a:pt x="488165" y="5043371"/>
-                  <a:pt x="351514" y="4956864"/>
-                  <a:pt x="226494" y="4855939"/>
-                </a:cubicBezTo>
-                <a:cubicBezTo>
-                  <a:pt x="168344" y="4809081"/>
-                  <a:pt x="116011" y="4751408"/>
-                  <a:pt x="49139" y="4726177"/>
-                </a:cubicBezTo>
-                <a:cubicBezTo>
-                  <a:pt x="25879" y="4718968"/>
-                  <a:pt x="-14825" y="4700947"/>
-                  <a:pt x="5527" y="4650483"/>
-                </a:cubicBezTo>
-                <a:cubicBezTo>
-                  <a:pt x="22972" y="4607230"/>
-                  <a:pt x="54954" y="4621648"/>
-                  <a:pt x="84029" y="4632460"/>
-                </a:cubicBezTo>
-                <a:cubicBezTo>
-                  <a:pt x="153807" y="4661296"/>
-                  <a:pt x="229401" y="4661296"/>
-                  <a:pt x="325347" y="4661296"/>
-                </a:cubicBezTo>
-                <a:cubicBezTo>
-                  <a:pt x="243939" y="4524326"/>
-                  <a:pt x="95658" y="4567580"/>
-                  <a:pt x="25879" y="4423401"/>
-                </a:cubicBezTo>
-                <a:cubicBezTo>
-                  <a:pt x="113103" y="4398170"/>
-                  <a:pt x="179975" y="4448632"/>
-                  <a:pt x="249753" y="4459446"/>
-                </a:cubicBezTo>
-                <a:cubicBezTo>
-                  <a:pt x="313718" y="4470259"/>
-                  <a:pt x="328254" y="4445028"/>
-                  <a:pt x="313718" y="4365729"/>
-                </a:cubicBezTo>
-                <a:cubicBezTo>
-                  <a:pt x="290458" y="4243177"/>
-                  <a:pt x="325347" y="4181900"/>
-                  <a:pt x="418386" y="4214341"/>
-                </a:cubicBezTo>
-                <a:cubicBezTo>
-                  <a:pt x="505609" y="4246781"/>
-                  <a:pt x="514332" y="4199922"/>
-                  <a:pt x="491072" y="4131438"/>
-                </a:cubicBezTo>
-                <a:cubicBezTo>
-                  <a:pt x="456183" y="4030512"/>
-                  <a:pt x="493979" y="3951214"/>
-                  <a:pt x="520147" y="3864706"/>
-                </a:cubicBezTo>
-                <a:cubicBezTo>
-                  <a:pt x="560851" y="3734945"/>
-                  <a:pt x="543407" y="3670064"/>
-                  <a:pt x="459090" y="3572743"/>
-                </a:cubicBezTo>
-                <a:cubicBezTo>
-                  <a:pt x="409664" y="3518676"/>
-                  <a:pt x="360236" y="3471818"/>
-                  <a:pt x="290458" y="3424959"/>
-                </a:cubicBezTo>
-                <a:cubicBezTo>
-                  <a:pt x="450368" y="3399728"/>
-                  <a:pt x="284643" y="3313221"/>
-                  <a:pt x="339884" y="3259153"/>
-                </a:cubicBezTo>
-                <a:cubicBezTo>
-                  <a:pt x="453275" y="3237527"/>
-                  <a:pt x="543407" y="3410542"/>
-                  <a:pt x="697501" y="3360078"/>
-                </a:cubicBezTo>
-                <a:cubicBezTo>
-                  <a:pt x="511425" y="3212294"/>
-                  <a:pt x="302087" y="3165436"/>
-                  <a:pt x="165437" y="2967190"/>
-                </a:cubicBezTo>
-                <a:cubicBezTo>
-                  <a:pt x="197419" y="2923937"/>
-                  <a:pt x="229401" y="2967190"/>
-                  <a:pt x="255568" y="2949167"/>
-                </a:cubicBezTo>
-                <a:cubicBezTo>
-                  <a:pt x="255568" y="2938354"/>
-                  <a:pt x="560851" y="3006840"/>
-                  <a:pt x="578296" y="2725691"/>
-                </a:cubicBezTo>
-                <a:cubicBezTo>
-                  <a:pt x="584111" y="2725691"/>
-                  <a:pt x="589926" y="2725691"/>
-                  <a:pt x="595740" y="2714876"/>
-                </a:cubicBezTo>
-                <a:cubicBezTo>
-                  <a:pt x="627722" y="2675228"/>
-                  <a:pt x="598648" y="2581510"/>
-                  <a:pt x="650982" y="2574301"/>
-                </a:cubicBezTo>
-                <a:cubicBezTo>
-                  <a:pt x="709132" y="2567092"/>
-                  <a:pt x="764373" y="2534653"/>
-                  <a:pt x="825429" y="2552674"/>
-                </a:cubicBezTo>
-                <a:cubicBezTo>
-                  <a:pt x="871949" y="2567092"/>
-                  <a:pt x="921375" y="2585115"/>
-                  <a:pt x="970802" y="2585115"/>
-                </a:cubicBezTo>
-                <a:cubicBezTo>
-                  <a:pt x="1023136" y="2585115"/>
-                  <a:pt x="1095822" y="2707668"/>
-                  <a:pt x="1127805" y="2545465"/>
-                </a:cubicBezTo>
-                <a:cubicBezTo>
-                  <a:pt x="1127805" y="2538257"/>
-                  <a:pt x="1217936" y="2556280"/>
-                  <a:pt x="1267362" y="2563488"/>
-                </a:cubicBezTo>
-                <a:cubicBezTo>
-                  <a:pt x="1308067" y="2570698"/>
-                  <a:pt x="1357494" y="2603137"/>
-                  <a:pt x="1386568" y="2538257"/>
-                </a:cubicBezTo>
-                <a:cubicBezTo>
-                  <a:pt x="1401105" y="2498607"/>
-                  <a:pt x="1331326" y="2426518"/>
-                  <a:pt x="1270270" y="2419309"/>
-                </a:cubicBezTo>
-                <a:cubicBezTo>
-                  <a:pt x="1215029" y="2412101"/>
-                  <a:pt x="1159787" y="2404892"/>
-                  <a:pt x="1107453" y="2419309"/>
-                </a:cubicBezTo>
-                <a:cubicBezTo>
-                  <a:pt x="1043489" y="2437331"/>
-                  <a:pt x="1008599" y="2408495"/>
-                  <a:pt x="991154" y="2343615"/>
-                </a:cubicBezTo>
-                <a:cubicBezTo>
-                  <a:pt x="970802" y="2275131"/>
-                  <a:pt x="933005" y="2239085"/>
-                  <a:pt x="880671" y="2206645"/>
-                </a:cubicBezTo>
-                <a:cubicBezTo>
-                  <a:pt x="752743" y="2127346"/>
-                  <a:pt x="630630" y="2033629"/>
-                  <a:pt x="491072" y="1986771"/>
-                </a:cubicBezTo>
-                <a:cubicBezTo>
-                  <a:pt x="464905" y="1979562"/>
-                  <a:pt x="432923" y="1965145"/>
-                  <a:pt x="421293" y="1903868"/>
-                </a:cubicBezTo>
-                <a:cubicBezTo>
-                  <a:pt x="799262" y="1997584"/>
-                  <a:pt x="1142342" y="2239085"/>
-                  <a:pt x="1531941" y="2224667"/>
-                </a:cubicBezTo>
-                <a:cubicBezTo>
-                  <a:pt x="1427272" y="2148974"/>
-                  <a:pt x="1302252" y="2145369"/>
-                  <a:pt x="1188861" y="2091301"/>
-                </a:cubicBezTo>
-                <a:cubicBezTo>
-                  <a:pt x="1270270" y="2051652"/>
-                  <a:pt x="1345864" y="2094906"/>
-                  <a:pt x="1421458" y="2116532"/>
-                </a:cubicBezTo>
-                <a:cubicBezTo>
-                  <a:pt x="1485422" y="2134554"/>
-                  <a:pt x="1543571" y="2138160"/>
-                  <a:pt x="1549386" y="2026420"/>
-                </a:cubicBezTo>
-                <a:cubicBezTo>
-                  <a:pt x="1549386" y="2015607"/>
-                  <a:pt x="1549386" y="2008398"/>
-                  <a:pt x="1549386" y="1997584"/>
-                </a:cubicBezTo>
-                <a:cubicBezTo>
-                  <a:pt x="1526126" y="1950727"/>
-                  <a:pt x="1494144" y="1929099"/>
-                  <a:pt x="1453440" y="1914682"/>
-                </a:cubicBezTo>
-                <a:cubicBezTo>
-                  <a:pt x="1430180" y="1907473"/>
-                  <a:pt x="1398198" y="1893056"/>
-                  <a:pt x="1398198" y="1860614"/>
-                </a:cubicBezTo>
-                <a:cubicBezTo>
-                  <a:pt x="1401105" y="1738063"/>
-                  <a:pt x="1322604" y="1702018"/>
-                  <a:pt x="1247011" y="1665972"/>
-                </a:cubicBezTo>
-                <a:cubicBezTo>
-                  <a:pt x="1287715" y="1604696"/>
-                  <a:pt x="1322604" y="1647950"/>
-                  <a:pt x="1354586" y="1644345"/>
-                </a:cubicBezTo>
-                <a:cubicBezTo>
-                  <a:pt x="1374939" y="1640741"/>
-                  <a:pt x="1395290" y="1637138"/>
-                  <a:pt x="1395290" y="1604696"/>
-                </a:cubicBezTo>
-                <a:cubicBezTo>
-                  <a:pt x="1395290" y="1579465"/>
-                  <a:pt x="1386568" y="1547025"/>
-                  <a:pt x="1366216" y="1547025"/>
-                </a:cubicBezTo>
-                <a:cubicBezTo>
-                  <a:pt x="1238288" y="1543420"/>
-                  <a:pt x="1165601" y="1370405"/>
-                  <a:pt x="1031858" y="1370405"/>
-                </a:cubicBezTo>
-                <a:cubicBezTo>
-                  <a:pt x="950450" y="1370405"/>
-                  <a:pt x="1072563" y="1273083"/>
-                  <a:pt x="1005692" y="1233435"/>
-                </a:cubicBezTo>
-                <a:cubicBezTo>
-                  <a:pt x="991154" y="1222621"/>
-                  <a:pt x="1046396" y="1208203"/>
-                  <a:pt x="1069655" y="1211808"/>
-                </a:cubicBezTo>
-                <a:cubicBezTo>
-                  <a:pt x="1092915" y="1215412"/>
-                  <a:pt x="1113268" y="1240644"/>
-                  <a:pt x="1142342" y="1222621"/>
-                </a:cubicBezTo>
-                <a:cubicBezTo>
-                  <a:pt x="1156879" y="1157741"/>
-                  <a:pt x="1119082" y="1132510"/>
-                  <a:pt x="1084193" y="1114487"/>
-                </a:cubicBezTo>
-                <a:cubicBezTo>
-                  <a:pt x="1008599" y="1071234"/>
-                  <a:pt x="933005" y="1020771"/>
-                  <a:pt x="848689" y="1006353"/>
-                </a:cubicBezTo>
-                <a:cubicBezTo>
-                  <a:pt x="819615" y="1002748"/>
-                  <a:pt x="802169" y="984726"/>
-                  <a:pt x="805077" y="948681"/>
-                </a:cubicBezTo>
-                <a:cubicBezTo>
-                  <a:pt x="810892" y="901822"/>
-                  <a:pt x="839967" y="916240"/>
-                  <a:pt x="863226" y="919844"/>
-                </a:cubicBezTo>
-                <a:cubicBezTo>
-                  <a:pt x="877764" y="923450"/>
-                  <a:pt x="892301" y="934263"/>
-                  <a:pt x="906838" y="909031"/>
-                </a:cubicBezTo>
-                <a:cubicBezTo>
-                  <a:pt x="566666" y="653113"/>
-                  <a:pt x="386404" y="667532"/>
-                  <a:pt x="5527" y="458471"/>
-                </a:cubicBezTo>
-                <a:cubicBezTo>
-                  <a:pt x="89843" y="418822"/>
-                  <a:pt x="150900" y="447658"/>
-                  <a:pt x="209049" y="454867"/>
-                </a:cubicBezTo>
-                <a:cubicBezTo>
-                  <a:pt x="354422" y="472890"/>
-                  <a:pt x="264290" y="505329"/>
-                  <a:pt x="409664" y="526956"/>
-                </a:cubicBezTo>
-                <a:cubicBezTo>
-                  <a:pt x="479443" y="537770"/>
-                  <a:pt x="543407" y="573815"/>
-                  <a:pt x="621908" y="516143"/>
-                </a:cubicBezTo>
-                <a:cubicBezTo>
-                  <a:pt x="674242" y="476494"/>
-                  <a:pt x="758558" y="519747"/>
-                  <a:pt x="822522" y="552188"/>
-                </a:cubicBezTo>
-                <a:cubicBezTo>
-                  <a:pt x="874856" y="581024"/>
-                  <a:pt x="927190" y="588232"/>
-                  <a:pt x="996969" y="552188"/>
-                </a:cubicBezTo>
-                <a:cubicBezTo>
-                  <a:pt x="933005" y="530562"/>
-                  <a:pt x="883579" y="512539"/>
-                  <a:pt x="834151" y="498120"/>
-                </a:cubicBezTo>
-                <a:cubicBezTo>
-                  <a:pt x="793447" y="487307"/>
-                  <a:pt x="770187" y="462076"/>
-                  <a:pt x="773095" y="408008"/>
-                </a:cubicBezTo>
-                <a:cubicBezTo>
-                  <a:pt x="773095" y="379172"/>
-                  <a:pt x="764373" y="339523"/>
-                  <a:pt x="793447" y="325106"/>
-                </a:cubicBezTo>
-                <a:cubicBezTo>
-                  <a:pt x="816707" y="310688"/>
-                  <a:pt x="848689" y="325106"/>
-                  <a:pt x="860319" y="350336"/>
-                </a:cubicBezTo>
-                <a:cubicBezTo>
-                  <a:pt x="874856" y="397195"/>
-                  <a:pt x="889393" y="440449"/>
-                  <a:pt x="938820" y="444054"/>
-                </a:cubicBezTo>
-                <a:cubicBezTo>
-                  <a:pt x="1005692" y="451262"/>
-                  <a:pt x="967894" y="422426"/>
-                  <a:pt x="956265" y="386381"/>
-                </a:cubicBezTo>
-                <a:cubicBezTo>
-                  <a:pt x="944635" y="346733"/>
-                  <a:pt x="979525" y="335919"/>
-                  <a:pt x="1002784" y="343127"/>
-                </a:cubicBezTo>
-                <a:cubicBezTo>
-                  <a:pt x="1090008" y="375569"/>
-                  <a:pt x="1180139" y="317897"/>
-                  <a:pt x="1270270" y="364755"/>
-                </a:cubicBezTo>
-                <a:cubicBezTo>
-                  <a:pt x="1247011" y="249411"/>
-                  <a:pt x="1197583" y="198949"/>
-                  <a:pt x="1092915" y="180926"/>
-                </a:cubicBezTo>
-                <a:cubicBezTo>
-                  <a:pt x="1055118" y="177322"/>
-                  <a:pt x="1014414" y="184530"/>
-                  <a:pt x="979525" y="152090"/>
-                </a:cubicBezTo>
-                <a:cubicBezTo>
-                  <a:pt x="959172" y="134068"/>
-                  <a:pt x="938820" y="112441"/>
-                  <a:pt x="953358" y="76396"/>
-                </a:cubicBezTo>
-                <a:cubicBezTo>
-                  <a:pt x="962080" y="51165"/>
-                  <a:pt x="985339" y="51165"/>
-                  <a:pt x="1005692" y="58373"/>
-                </a:cubicBezTo>
-                <a:cubicBezTo>
-                  <a:pt x="1090008" y="98023"/>
-                  <a:pt x="1180139" y="108837"/>
-                  <a:pt x="1267362" y="123254"/>
-                </a:cubicBezTo>
-                <a:cubicBezTo>
-                  <a:pt x="1281900" y="126859"/>
-                  <a:pt x="1296437" y="134068"/>
-                  <a:pt x="1310975" y="98023"/>
-                </a:cubicBezTo>
-                <a:cubicBezTo>
-                  <a:pt x="1260095" y="81803"/>
-                  <a:pt x="1209941" y="62879"/>
-                  <a:pt x="1159787" y="43505"/>
-                </a:cubicBezTo>
-                <a:close/>
-              </a:path>
-            </a:pathLst>
-          </a:custGeom>
+          </a:prstGeom>
         </p:spPr>
-      </p:pic>
-      <p:pic>
-        <p:nvPicPr>
-          <p:cNvPr id="7" name="Picture 6" descr="Una pieza de rompecabezas amarillo completa un rompecabezas negro">
+        <p:style>
+          <a:lnRef idx="0">
+            <a:schemeClr val="accent2"/>
+          </a:lnRef>
+          <a:fillRef idx="3">
+            <a:schemeClr val="accent2"/>
+          </a:fillRef>
+          <a:effectRef idx="3">
+            <a:schemeClr val="accent2"/>
+          </a:effectRef>
+          <a:fontRef idx="minor">
+            <a:schemeClr val="lt1"/>
+          </a:fontRef>
+        </p:style>
+        <p:txBody>
+          <a:bodyPr rot="0" spcFirstLastPara="0" vertOverflow="overflow" horzOverflow="overflow" vert="horz" wrap="square" lIns="91440" tIns="45720" rIns="91440" bIns="45720" numCol="1" spcCol="0" rtlCol="0" fromWordArt="0" anchor="t" anchorCtr="0" forceAA="0" compatLnSpc="1">
+            <a:prstTxWarp prst="textNoShape">
+              <a:avLst/>
+            </a:prstTxWarp>
+            <a:spAutoFit/>
+          </a:bodyPr>
+          <a:lstStyle/>
+          <a:p>
+            <a:pPr algn="ctr"/>
+            <a:r>
+              <a:rPr lang="en-US" b="1" dirty="0">
+                <a:cs typeface="Calibri"/>
+              </a:rPr>
+              <a:t>Alta </a:t>
+            </a:r>
+            <a:r>
+              <a:rPr lang="en-US" b="1" err="1">
+                <a:cs typeface="Calibri"/>
+              </a:rPr>
+              <a:t>rotación</a:t>
+            </a:r>
+            <a:endParaRPr lang="en-US" b="1">
+              <a:cs typeface="Calibri"/>
+            </a:endParaRPr>
+          </a:p>
+        </p:txBody>
+      </p:sp>
+      <p:sp>
+        <p:nvSpPr>
+          <p:cNvPr id="6" name="TextBox 5">
             <a:extLst>
               <a:ext uri="{FF2B5EF4-FFF2-40B4-BE49-F238E27FC236}">
-                <a16:creationId xmlns:a16="http://schemas.microsoft.com/office/drawing/2014/main" id="{0A0E974B-D8A3-7FCF-FD60-F190CE33D45E}"/>
+                <a16:creationId xmlns:a16="http://schemas.microsoft.com/office/drawing/2014/main" id="{2A38041F-C8DE-4747-F118-9592E711818D}"/>
               </a:ext>
             </a:extLst>
           </p:cNvPr>
-          <p:cNvPicPr>
-            <a:picLocks noChangeAspect="1"/>
-          </p:cNvPicPr>
+          <p:cNvSpPr txBox="1"/>
           <p:nvPr/>
-        </p:nvPicPr>
-        <p:blipFill rotWithShape="1">
-          <a:blip r:embed="rId4"/>
-          <a:srcRect l="8911" r="33051" b="-1"/>
-          <a:stretch/>
-        </p:blipFill>
+        </p:nvSpPr>
         <p:spPr>
           <a:xfrm>
-            <a:off x="10301152" y="2393166"/>
-            <a:ext cx="1926567" cy="2214552"/>
+            <a:off x="642637" y="4472691"/>
+            <a:ext cx="3318042" cy="408623"/>
           </a:xfrm>
-          <a:custGeom>
+          <a:prstGeom prst="roundRect">
             <a:avLst/>
-            <a:gdLst/>
-            <a:ahLst/>
-            <a:cxnLst/>
-            <a:rect l="l" t="t" r="r" b="b"/>
-            <a:pathLst>
-              <a:path w="5962785" h="6858000">
-                <a:moveTo>
-                  <a:pt x="1044839" y="0"/>
-                </a:moveTo>
-                <a:lnTo>
-                  <a:pt x="5962785" y="0"/>
-                </a:lnTo>
-                <a:lnTo>
-                  <a:pt x="5962785" y="6858000"/>
-                </a:lnTo>
-                <a:lnTo>
-                  <a:pt x="1469886" y="6858000"/>
-                </a:lnTo>
-                <a:lnTo>
-                  <a:pt x="1416006" y="6823984"/>
-                </a:lnTo>
-                <a:cubicBezTo>
-                  <a:pt x="1356767" y="6787940"/>
-                  <a:pt x="1296437" y="6755500"/>
-                  <a:pt x="1232473" y="6733873"/>
-                </a:cubicBezTo>
-                <a:cubicBezTo>
-                  <a:pt x="1145250" y="6705037"/>
-                  <a:pt x="1060933" y="6654575"/>
-                  <a:pt x="1075471" y="6503186"/>
-                </a:cubicBezTo>
-                <a:cubicBezTo>
-                  <a:pt x="1078378" y="6459932"/>
-                  <a:pt x="1055118" y="6427493"/>
-                  <a:pt x="1020229" y="6438306"/>
-                </a:cubicBezTo>
-                <a:cubicBezTo>
-                  <a:pt x="953358" y="6459932"/>
-                  <a:pt x="921375" y="6398656"/>
-                  <a:pt x="883579" y="6351798"/>
-                </a:cubicBezTo>
-                <a:cubicBezTo>
-                  <a:pt x="816707" y="6268895"/>
-                  <a:pt x="752743" y="6182387"/>
-                  <a:pt x="645167" y="6167969"/>
-                </a:cubicBezTo>
-                <a:cubicBezTo>
-                  <a:pt x="665519" y="6103088"/>
-                  <a:pt x="700408" y="6110298"/>
-                  <a:pt x="732391" y="6124716"/>
-                </a:cubicBezTo>
-                <a:cubicBezTo>
-                  <a:pt x="816707" y="6160761"/>
-                  <a:pt x="901023" y="6200410"/>
-                  <a:pt x="985339" y="6236455"/>
-                </a:cubicBezTo>
-                <a:cubicBezTo>
-                  <a:pt x="1040581" y="6258081"/>
-                  <a:pt x="1095822" y="6290522"/>
-                  <a:pt x="1168509" y="6265291"/>
-                </a:cubicBezTo>
-                <a:cubicBezTo>
-                  <a:pt x="1104545" y="6135530"/>
-                  <a:pt x="996969" y="6110298"/>
-                  <a:pt x="909746" y="6070649"/>
-                </a:cubicBezTo>
-                <a:cubicBezTo>
-                  <a:pt x="802169" y="6020185"/>
-                  <a:pt x="738206" y="5926470"/>
-                  <a:pt x="659704" y="5818335"/>
-                </a:cubicBezTo>
-                <a:cubicBezTo>
-                  <a:pt x="738206" y="5789500"/>
-                  <a:pt x="787632" y="5868798"/>
-                  <a:pt x="851597" y="5865193"/>
-                </a:cubicBezTo>
-                <a:cubicBezTo>
-                  <a:pt x="854504" y="5854380"/>
-                  <a:pt x="860319" y="5832753"/>
-                  <a:pt x="860319" y="5832753"/>
-                </a:cubicBezTo>
-                <a:cubicBezTo>
-                  <a:pt x="755650" y="5775081"/>
-                  <a:pt x="709132" y="5666947"/>
-                  <a:pt x="691686" y="5533581"/>
-                </a:cubicBezTo>
-                <a:cubicBezTo>
-                  <a:pt x="685872" y="5465095"/>
-                  <a:pt x="648075" y="5443468"/>
-                  <a:pt x="610278" y="5411029"/>
-                </a:cubicBezTo>
-                <a:cubicBezTo>
-                  <a:pt x="482350" y="5299289"/>
-                  <a:pt x="345700" y="5198364"/>
-                  <a:pt x="238123" y="5046976"/>
-                </a:cubicBezTo>
-                <a:cubicBezTo>
-                  <a:pt x="363144" y="5064998"/>
-                  <a:pt x="461997" y="5165924"/>
-                  <a:pt x="592833" y="5209177"/>
-                </a:cubicBezTo>
-                <a:cubicBezTo>
-                  <a:pt x="488165" y="5043371"/>
-                  <a:pt x="351514" y="4956864"/>
-                  <a:pt x="226494" y="4855939"/>
-                </a:cubicBezTo>
-                <a:cubicBezTo>
-                  <a:pt x="168344" y="4809081"/>
-                  <a:pt x="116011" y="4751408"/>
-                  <a:pt x="49139" y="4726177"/>
-                </a:cubicBezTo>
-                <a:cubicBezTo>
-                  <a:pt x="25879" y="4718968"/>
-                  <a:pt x="-14825" y="4700947"/>
-                  <a:pt x="5527" y="4650483"/>
-                </a:cubicBezTo>
-                <a:cubicBezTo>
-                  <a:pt x="22972" y="4607230"/>
-                  <a:pt x="54954" y="4621648"/>
-                  <a:pt x="84029" y="4632460"/>
-                </a:cubicBezTo>
-                <a:cubicBezTo>
-                  <a:pt x="153807" y="4661296"/>
-                  <a:pt x="229401" y="4661296"/>
-                  <a:pt x="325347" y="4661296"/>
-                </a:cubicBezTo>
-                <a:cubicBezTo>
-                  <a:pt x="243939" y="4524326"/>
-                  <a:pt x="95658" y="4567580"/>
-                  <a:pt x="25879" y="4423401"/>
-                </a:cubicBezTo>
-                <a:cubicBezTo>
-                  <a:pt x="113103" y="4398170"/>
-                  <a:pt x="179975" y="4448632"/>
-                  <a:pt x="249753" y="4459446"/>
-                </a:cubicBezTo>
-                <a:cubicBezTo>
-                  <a:pt x="313718" y="4470259"/>
-                  <a:pt x="328254" y="4445028"/>
-                  <a:pt x="313718" y="4365729"/>
-                </a:cubicBezTo>
-                <a:cubicBezTo>
-                  <a:pt x="290458" y="4243177"/>
-                  <a:pt x="325347" y="4181900"/>
-                  <a:pt x="418386" y="4214341"/>
-                </a:cubicBezTo>
-                <a:cubicBezTo>
-                  <a:pt x="505609" y="4246781"/>
-                  <a:pt x="514332" y="4199922"/>
-                  <a:pt x="491072" y="4131438"/>
-                </a:cubicBezTo>
-                <a:cubicBezTo>
-                  <a:pt x="456183" y="4030512"/>
-                  <a:pt x="493979" y="3951214"/>
-                  <a:pt x="520147" y="3864706"/>
-                </a:cubicBezTo>
-                <a:cubicBezTo>
-                  <a:pt x="560851" y="3734945"/>
-                  <a:pt x="543407" y="3670064"/>
-                  <a:pt x="459090" y="3572743"/>
-                </a:cubicBezTo>
-                <a:cubicBezTo>
-                  <a:pt x="409664" y="3518676"/>
-                  <a:pt x="360236" y="3471818"/>
-                  <a:pt x="290458" y="3424959"/>
-                </a:cubicBezTo>
-                <a:cubicBezTo>
-                  <a:pt x="450368" y="3399728"/>
-                  <a:pt x="284643" y="3313221"/>
-                  <a:pt x="339884" y="3259153"/>
-                </a:cubicBezTo>
-                <a:cubicBezTo>
-                  <a:pt x="453275" y="3237527"/>
-                  <a:pt x="543407" y="3410542"/>
-                  <a:pt x="697501" y="3360078"/>
-                </a:cubicBezTo>
-                <a:cubicBezTo>
-                  <a:pt x="511425" y="3212294"/>
-                  <a:pt x="302087" y="3165436"/>
-                  <a:pt x="165437" y="2967190"/>
-                </a:cubicBezTo>
-                <a:cubicBezTo>
-                  <a:pt x="197419" y="2923937"/>
-                  <a:pt x="229401" y="2967190"/>
-                  <a:pt x="255568" y="2949167"/>
-                </a:cubicBezTo>
-                <a:cubicBezTo>
-                  <a:pt x="255568" y="2938354"/>
-                  <a:pt x="560851" y="3006840"/>
-                  <a:pt x="578296" y="2725691"/>
-                </a:cubicBezTo>
-                <a:cubicBezTo>
-                  <a:pt x="584111" y="2725691"/>
-                  <a:pt x="589926" y="2725691"/>
-                  <a:pt x="595740" y="2714876"/>
-                </a:cubicBezTo>
-                <a:cubicBezTo>
-                  <a:pt x="627722" y="2675228"/>
-                  <a:pt x="598648" y="2581510"/>
-                  <a:pt x="650982" y="2574301"/>
-                </a:cubicBezTo>
-                <a:cubicBezTo>
-                  <a:pt x="709132" y="2567092"/>
-                  <a:pt x="764373" y="2534653"/>
-                  <a:pt x="825429" y="2552674"/>
-                </a:cubicBezTo>
-                <a:cubicBezTo>
-                  <a:pt x="871949" y="2567092"/>
-                  <a:pt x="921375" y="2585115"/>
-                  <a:pt x="970802" y="2585115"/>
-                </a:cubicBezTo>
-                <a:cubicBezTo>
-                  <a:pt x="1023136" y="2585115"/>
-                  <a:pt x="1095822" y="2707668"/>
-                  <a:pt x="1127805" y="2545465"/>
-                </a:cubicBezTo>
-                <a:cubicBezTo>
-                  <a:pt x="1127805" y="2538257"/>
-                  <a:pt x="1217936" y="2556280"/>
-                  <a:pt x="1267362" y="2563488"/>
-                </a:cubicBezTo>
-                <a:cubicBezTo>
-                  <a:pt x="1308067" y="2570698"/>
-                  <a:pt x="1357494" y="2603137"/>
-                  <a:pt x="1386568" y="2538257"/>
-                </a:cubicBezTo>
-                <a:cubicBezTo>
-                  <a:pt x="1401105" y="2498607"/>
-                  <a:pt x="1331326" y="2426518"/>
-                  <a:pt x="1270270" y="2419309"/>
-                </a:cubicBezTo>
-                <a:cubicBezTo>
-                  <a:pt x="1215029" y="2412101"/>
-                  <a:pt x="1159787" y="2404892"/>
-                  <a:pt x="1107453" y="2419309"/>
-                </a:cubicBezTo>
-                <a:cubicBezTo>
-                  <a:pt x="1043489" y="2437331"/>
-                  <a:pt x="1008599" y="2408495"/>
-                  <a:pt x="991154" y="2343615"/>
-                </a:cubicBezTo>
-                <a:cubicBezTo>
-                  <a:pt x="970802" y="2275131"/>
-                  <a:pt x="933005" y="2239085"/>
-                  <a:pt x="880671" y="2206645"/>
-                </a:cubicBezTo>
-                <a:cubicBezTo>
-                  <a:pt x="752743" y="2127346"/>
-                  <a:pt x="630630" y="2033629"/>
-                  <a:pt x="491072" y="1986771"/>
-                </a:cubicBezTo>
-                <a:cubicBezTo>
-                  <a:pt x="464905" y="1979562"/>
-                  <a:pt x="432923" y="1965145"/>
-                  <a:pt x="421293" y="1903868"/>
-                </a:cubicBezTo>
-                <a:cubicBezTo>
-                  <a:pt x="799262" y="1997584"/>
-                  <a:pt x="1142342" y="2239085"/>
-                  <a:pt x="1531941" y="2224667"/>
-                </a:cubicBezTo>
-                <a:cubicBezTo>
-                  <a:pt x="1427272" y="2148974"/>
-                  <a:pt x="1302252" y="2145369"/>
-                  <a:pt x="1188861" y="2091301"/>
-                </a:cubicBezTo>
-                <a:cubicBezTo>
-                  <a:pt x="1270270" y="2051652"/>
-                  <a:pt x="1345864" y="2094906"/>
-                  <a:pt x="1421458" y="2116532"/>
-                </a:cubicBezTo>
-                <a:cubicBezTo>
-                  <a:pt x="1485422" y="2134554"/>
-                  <a:pt x="1543571" y="2138160"/>
-                  <a:pt x="1549386" y="2026420"/>
-                </a:cubicBezTo>
-                <a:cubicBezTo>
-                  <a:pt x="1549386" y="2015607"/>
-                  <a:pt x="1549386" y="2008398"/>
-                  <a:pt x="1549386" y="1997584"/>
-                </a:cubicBezTo>
-                <a:cubicBezTo>
-                  <a:pt x="1526126" y="1950727"/>
-                  <a:pt x="1494144" y="1929099"/>
-                  <a:pt x="1453440" y="1914682"/>
-                </a:cubicBezTo>
-                <a:cubicBezTo>
-                  <a:pt x="1430180" y="1907473"/>
-                  <a:pt x="1398198" y="1893056"/>
-                  <a:pt x="1398198" y="1860614"/>
-                </a:cubicBezTo>
-                <a:cubicBezTo>
-                  <a:pt x="1401105" y="1738063"/>
-                  <a:pt x="1322604" y="1702018"/>
-                  <a:pt x="1247011" y="1665972"/>
-                </a:cubicBezTo>
-                <a:cubicBezTo>
-                  <a:pt x="1287715" y="1604696"/>
-                  <a:pt x="1322604" y="1647950"/>
-                  <a:pt x="1354586" y="1644345"/>
-                </a:cubicBezTo>
-                <a:cubicBezTo>
-                  <a:pt x="1374939" y="1640741"/>
-                  <a:pt x="1395290" y="1637138"/>
-                  <a:pt x="1395290" y="1604696"/>
-                </a:cubicBezTo>
-                <a:cubicBezTo>
-                  <a:pt x="1395290" y="1579465"/>
-                  <a:pt x="1386568" y="1547025"/>
-                  <a:pt x="1366216" y="1547025"/>
-                </a:cubicBezTo>
-                <a:cubicBezTo>
-                  <a:pt x="1238288" y="1543420"/>
-                  <a:pt x="1165601" y="1370405"/>
-                  <a:pt x="1031858" y="1370405"/>
-                </a:cubicBezTo>
-                <a:cubicBezTo>
-                  <a:pt x="950450" y="1370405"/>
-                  <a:pt x="1072563" y="1273083"/>
-                  <a:pt x="1005692" y="1233435"/>
-                </a:cubicBezTo>
-                <a:cubicBezTo>
-                  <a:pt x="991154" y="1222621"/>
-                  <a:pt x="1046396" y="1208203"/>
-                  <a:pt x="1069655" y="1211808"/>
-                </a:cubicBezTo>
-                <a:cubicBezTo>
-                  <a:pt x="1092915" y="1215412"/>
-                  <a:pt x="1113268" y="1240644"/>
-                  <a:pt x="1142342" y="1222621"/>
-                </a:cubicBezTo>
-                <a:cubicBezTo>
-                  <a:pt x="1156879" y="1157741"/>
-                  <a:pt x="1119082" y="1132510"/>
-                  <a:pt x="1084193" y="1114487"/>
-                </a:cubicBezTo>
-                <a:cubicBezTo>
-                  <a:pt x="1008599" y="1071234"/>
-                  <a:pt x="933005" y="1020771"/>
-                  <a:pt x="848689" y="1006353"/>
-                </a:cubicBezTo>
-                <a:cubicBezTo>
-                  <a:pt x="819615" y="1002748"/>
-                  <a:pt x="802169" y="984726"/>
-                  <a:pt x="805077" y="948681"/>
-                </a:cubicBezTo>
-                <a:cubicBezTo>
-                  <a:pt x="810892" y="901822"/>
-                  <a:pt x="839967" y="916240"/>
-                  <a:pt x="863226" y="919844"/>
-                </a:cubicBezTo>
-                <a:cubicBezTo>
-                  <a:pt x="877764" y="923450"/>
-                  <a:pt x="892301" y="934263"/>
-                  <a:pt x="906838" y="909031"/>
-                </a:cubicBezTo>
-                <a:cubicBezTo>
-                  <a:pt x="566666" y="653113"/>
-                  <a:pt x="386404" y="667532"/>
-                  <a:pt x="5527" y="458471"/>
-                </a:cubicBezTo>
-                <a:cubicBezTo>
-                  <a:pt x="89843" y="418822"/>
-                  <a:pt x="150900" y="447658"/>
-                  <a:pt x="209049" y="454867"/>
-                </a:cubicBezTo>
-                <a:cubicBezTo>
-                  <a:pt x="354422" y="472890"/>
-                  <a:pt x="264290" y="505329"/>
-                  <a:pt x="409664" y="526956"/>
-                </a:cubicBezTo>
-                <a:cubicBezTo>
-                  <a:pt x="479443" y="537770"/>
-                  <a:pt x="543407" y="573815"/>
-                  <a:pt x="621908" y="516143"/>
-                </a:cubicBezTo>
-                <a:cubicBezTo>
-                  <a:pt x="674242" y="476494"/>
-                  <a:pt x="758558" y="519747"/>
-                  <a:pt x="822522" y="552188"/>
-                </a:cubicBezTo>
-                <a:cubicBezTo>
-                  <a:pt x="874856" y="581024"/>
-                  <a:pt x="927190" y="588232"/>
-                  <a:pt x="996969" y="552188"/>
-                </a:cubicBezTo>
-                <a:cubicBezTo>
-                  <a:pt x="933005" y="530562"/>
-                  <a:pt x="883579" y="512539"/>
-                  <a:pt x="834151" y="498120"/>
-                </a:cubicBezTo>
-                <a:cubicBezTo>
-                  <a:pt x="793447" y="487307"/>
-                  <a:pt x="770187" y="462076"/>
-                  <a:pt x="773095" y="408008"/>
-                </a:cubicBezTo>
-                <a:cubicBezTo>
-                  <a:pt x="773095" y="379172"/>
-                  <a:pt x="764373" y="339523"/>
-                  <a:pt x="793447" y="325106"/>
-                </a:cubicBezTo>
-                <a:cubicBezTo>
-                  <a:pt x="816707" y="310688"/>
-                  <a:pt x="848689" y="325106"/>
-                  <a:pt x="860319" y="350336"/>
-                </a:cubicBezTo>
-                <a:cubicBezTo>
-                  <a:pt x="874856" y="397195"/>
-                  <a:pt x="889393" y="440449"/>
-                  <a:pt x="938820" y="444054"/>
-                </a:cubicBezTo>
-                <a:cubicBezTo>
-                  <a:pt x="1005692" y="451262"/>
-                  <a:pt x="967894" y="422426"/>
-                  <a:pt x="956265" y="386381"/>
-                </a:cubicBezTo>
-                <a:cubicBezTo>
-                  <a:pt x="944635" y="346733"/>
-                  <a:pt x="979525" y="335919"/>
-                  <a:pt x="1002784" y="343127"/>
-                </a:cubicBezTo>
-                <a:cubicBezTo>
-                  <a:pt x="1090008" y="375569"/>
-                  <a:pt x="1180139" y="317897"/>
-                  <a:pt x="1270270" y="364755"/>
-                </a:cubicBezTo>
-                <a:cubicBezTo>
-                  <a:pt x="1247011" y="249411"/>
-                  <a:pt x="1197583" y="198949"/>
-                  <a:pt x="1092915" y="180926"/>
-                </a:cubicBezTo>
-                <a:cubicBezTo>
-                  <a:pt x="1055118" y="177322"/>
-                  <a:pt x="1014414" y="184530"/>
-                  <a:pt x="979525" y="152090"/>
-                </a:cubicBezTo>
-                <a:cubicBezTo>
-                  <a:pt x="959172" y="134068"/>
-                  <a:pt x="938820" y="112441"/>
-                  <a:pt x="953358" y="76396"/>
-                </a:cubicBezTo>
-                <a:cubicBezTo>
-                  <a:pt x="962080" y="51165"/>
-                  <a:pt x="985339" y="51165"/>
-                  <a:pt x="1005692" y="58373"/>
-                </a:cubicBezTo>
-                <a:cubicBezTo>
-                  <a:pt x="1090008" y="98023"/>
-                  <a:pt x="1180139" y="108837"/>
-                  <a:pt x="1267362" y="123254"/>
-                </a:cubicBezTo>
-                <a:cubicBezTo>
-                  <a:pt x="1281900" y="126859"/>
-                  <a:pt x="1296437" y="134068"/>
-                  <a:pt x="1310975" y="98023"/>
-                </a:cubicBezTo>
-                <a:cubicBezTo>
-                  <a:pt x="1260095" y="81803"/>
-                  <a:pt x="1209941" y="62879"/>
-                  <a:pt x="1159787" y="43505"/>
-                </a:cubicBezTo>
-                <a:close/>
-              </a:path>
-            </a:pathLst>
-          </a:custGeom>
+          </a:prstGeom>
         </p:spPr>
-      </p:pic>
+        <p:style>
+          <a:lnRef idx="0">
+            <a:schemeClr val="accent2"/>
+          </a:lnRef>
+          <a:fillRef idx="3">
+            <a:schemeClr val="accent2"/>
+          </a:fillRef>
+          <a:effectRef idx="3">
+            <a:schemeClr val="accent2"/>
+          </a:effectRef>
+          <a:fontRef idx="minor">
+            <a:schemeClr val="lt1"/>
+          </a:fontRef>
+        </p:style>
+        <p:txBody>
+          <a:bodyPr rot="0" spcFirstLastPara="0" vertOverflow="overflow" horzOverflow="overflow" vert="horz" wrap="square" lIns="91440" tIns="45720" rIns="91440" bIns="45720" numCol="1" spcCol="0" rtlCol="0" fromWordArt="0" anchor="t" anchorCtr="0" forceAA="0" compatLnSpc="1">
+            <a:prstTxWarp prst="textNoShape">
+              <a:avLst/>
+            </a:prstTxWarp>
+            <a:spAutoFit/>
+          </a:bodyPr>
+          <a:lstStyle/>
+          <a:p>
+            <a:pPr algn="ctr"/>
+            <a:r>
+              <a:rPr lang="en-US" b="1" dirty="0">
+                <a:cs typeface="Calibri"/>
+              </a:rPr>
+              <a:t>Altos </a:t>
+            </a:r>
+            <a:r>
+              <a:rPr lang="en-US" b="1" dirty="0" err="1">
+                <a:cs typeface="Calibri"/>
+              </a:rPr>
+              <a:t>costos</a:t>
+            </a:r>
+            <a:r>
+              <a:rPr lang="en-US" b="1" dirty="0">
+                <a:cs typeface="Calibri"/>
+              </a:rPr>
+              <a:t> de </a:t>
+            </a:r>
+            <a:r>
+              <a:rPr lang="en-US" b="1" dirty="0" err="1">
+                <a:cs typeface="Calibri"/>
+              </a:rPr>
+              <a:t>contratacion</a:t>
+            </a:r>
+            <a:endParaRPr lang="en-US" b="1">
+              <a:cs typeface="Calibri"/>
+            </a:endParaRPr>
+          </a:p>
+        </p:txBody>
+      </p:sp>
+      <p:sp>
+        <p:nvSpPr>
+          <p:cNvPr id="8" name="TextBox 7">
+            <a:extLst>
+              <a:ext uri="{FF2B5EF4-FFF2-40B4-BE49-F238E27FC236}">
+                <a16:creationId xmlns:a16="http://schemas.microsoft.com/office/drawing/2014/main" id="{17247D26-58BC-1C69-28DD-85F1E0C73765}"/>
+              </a:ext>
+            </a:extLst>
+          </p:cNvPr>
+          <p:cNvSpPr txBox="1"/>
+          <p:nvPr/>
+        </p:nvSpPr>
+        <p:spPr>
+          <a:xfrm>
+            <a:off x="642637" y="1973174"/>
+            <a:ext cx="2743200" cy="408623"/>
+          </a:xfrm>
+          <a:prstGeom prst="roundRect">
+            <a:avLst/>
+          </a:prstGeom>
+        </p:spPr>
+        <p:style>
+          <a:lnRef idx="0">
+            <a:schemeClr val="accent2"/>
+          </a:lnRef>
+          <a:fillRef idx="3">
+            <a:schemeClr val="accent2"/>
+          </a:fillRef>
+          <a:effectRef idx="3">
+            <a:schemeClr val="accent2"/>
+          </a:effectRef>
+          <a:fontRef idx="minor">
+            <a:schemeClr val="lt1"/>
+          </a:fontRef>
+        </p:style>
+        <p:txBody>
+          <a:bodyPr rot="0" spcFirstLastPara="0" vertOverflow="overflow" horzOverflow="overflow" vert="horz" wrap="square" lIns="91440" tIns="45720" rIns="91440" bIns="45720" numCol="1" spcCol="0" rtlCol="0" fromWordArt="0" anchor="t" anchorCtr="0" forceAA="0" compatLnSpc="1">
+            <a:prstTxWarp prst="textNoShape">
+              <a:avLst/>
+            </a:prstTxWarp>
+            <a:spAutoFit/>
+          </a:bodyPr>
+          <a:lstStyle/>
+          <a:p>
+            <a:pPr algn="ctr"/>
+            <a:r>
+              <a:rPr lang="en-US" b="1" dirty="0">
+                <a:cs typeface="Calibri"/>
+              </a:rPr>
+              <a:t>Falta de </a:t>
+            </a:r>
+            <a:r>
+              <a:rPr lang="en-US" b="1" dirty="0" err="1">
+                <a:cs typeface="Calibri"/>
+              </a:rPr>
+              <a:t>oportunidades</a:t>
+            </a:r>
+            <a:endParaRPr lang="en-US" dirty="0" err="1"/>
+          </a:p>
+        </p:txBody>
+      </p:sp>
+      <p:sp>
+        <p:nvSpPr>
+          <p:cNvPr id="11" name="TextBox 10">
+            <a:extLst>
+              <a:ext uri="{FF2B5EF4-FFF2-40B4-BE49-F238E27FC236}">
+                <a16:creationId xmlns:a16="http://schemas.microsoft.com/office/drawing/2014/main" id="{B3CE250B-5AA1-5B63-8514-AA80762AEB98}"/>
+              </a:ext>
+            </a:extLst>
+          </p:cNvPr>
+          <p:cNvSpPr txBox="1"/>
+          <p:nvPr/>
+        </p:nvSpPr>
+        <p:spPr>
+          <a:xfrm>
+            <a:off x="2888533" y="5067586"/>
+            <a:ext cx="2743200" cy="408623"/>
+          </a:xfrm>
+          <a:prstGeom prst="roundRect">
+            <a:avLst/>
+          </a:prstGeom>
+        </p:spPr>
+        <p:style>
+          <a:lnRef idx="0">
+            <a:schemeClr val="accent2"/>
+          </a:lnRef>
+          <a:fillRef idx="3">
+            <a:schemeClr val="accent2"/>
+          </a:fillRef>
+          <a:effectRef idx="3">
+            <a:schemeClr val="accent2"/>
+          </a:effectRef>
+          <a:fontRef idx="minor">
+            <a:schemeClr val="lt1"/>
+          </a:fontRef>
+        </p:style>
+        <p:txBody>
+          <a:bodyPr rot="0" spcFirstLastPara="0" vertOverflow="overflow" horzOverflow="overflow" vert="horz" wrap="square" lIns="91440" tIns="45720" rIns="91440" bIns="45720" numCol="1" spcCol="0" rtlCol="0" fromWordArt="0" anchor="t" anchorCtr="0" forceAA="0" compatLnSpc="1">
+            <a:prstTxWarp prst="textNoShape">
+              <a:avLst/>
+            </a:prstTxWarp>
+            <a:spAutoFit/>
+          </a:bodyPr>
+          <a:lstStyle/>
+          <a:p>
+            <a:pPr algn="ctr"/>
+            <a:r>
+              <a:rPr lang="en-US" b="1" err="1">
+                <a:cs typeface="Calibri"/>
+              </a:rPr>
+              <a:t>Clientes</a:t>
+            </a:r>
+            <a:r>
+              <a:rPr lang="en-US" b="1" dirty="0">
+                <a:cs typeface="Calibri"/>
+              </a:rPr>
+              <a:t> </a:t>
+            </a:r>
+            <a:r>
+              <a:rPr lang="en-US" b="1" err="1">
+                <a:cs typeface="Calibri"/>
+              </a:rPr>
+              <a:t>descontentos</a:t>
+            </a:r>
+            <a:endParaRPr lang="en-US" b="1">
+              <a:cs typeface="Calibri"/>
+            </a:endParaRPr>
+          </a:p>
+        </p:txBody>
+      </p:sp>
+      <p:sp>
+        <p:nvSpPr>
+          <p:cNvPr id="12" name="TextBox 11">
+            <a:extLst>
+              <a:ext uri="{FF2B5EF4-FFF2-40B4-BE49-F238E27FC236}">
+                <a16:creationId xmlns:a16="http://schemas.microsoft.com/office/drawing/2014/main" id="{4BCEE020-C71B-7177-4D90-17A268454DB8}"/>
+              </a:ext>
+            </a:extLst>
+          </p:cNvPr>
+          <p:cNvSpPr txBox="1"/>
+          <p:nvPr/>
+        </p:nvSpPr>
+        <p:spPr>
+          <a:xfrm>
+            <a:off x="2893879" y="2553363"/>
+            <a:ext cx="2743200" cy="408623"/>
+          </a:xfrm>
+          <a:prstGeom prst="roundRect">
+            <a:avLst/>
+          </a:prstGeom>
+        </p:spPr>
+        <p:style>
+          <a:lnRef idx="0">
+            <a:schemeClr val="accent2"/>
+          </a:lnRef>
+          <a:fillRef idx="3">
+            <a:schemeClr val="accent2"/>
+          </a:fillRef>
+          <a:effectRef idx="3">
+            <a:schemeClr val="accent2"/>
+          </a:effectRef>
+          <a:fontRef idx="minor">
+            <a:schemeClr val="lt1"/>
+          </a:fontRef>
+        </p:style>
+        <p:txBody>
+          <a:bodyPr rot="0" spcFirstLastPara="0" vertOverflow="overflow" horzOverflow="overflow" vert="horz" wrap="square" lIns="91440" tIns="45720" rIns="91440" bIns="45720" numCol="1" spcCol="0" rtlCol="0" fromWordArt="0" anchor="t" anchorCtr="0" forceAA="0" compatLnSpc="1">
+            <a:prstTxWarp prst="textNoShape">
+              <a:avLst/>
+            </a:prstTxWarp>
+            <a:spAutoFit/>
+          </a:bodyPr>
+          <a:lstStyle/>
+          <a:p>
+            <a:pPr algn="ctr"/>
+            <a:r>
+              <a:rPr lang="en-US" b="1" dirty="0" err="1">
+                <a:cs typeface="Calibri"/>
+              </a:rPr>
+              <a:t>Empleados</a:t>
+            </a:r>
+            <a:r>
+              <a:rPr lang="en-US" b="1" dirty="0">
+                <a:cs typeface="Calibri"/>
+              </a:rPr>
+              <a:t> </a:t>
+            </a:r>
+            <a:r>
+              <a:rPr lang="en-US" b="1" dirty="0" err="1">
+                <a:cs typeface="Calibri"/>
+              </a:rPr>
+              <a:t>descontentos</a:t>
+            </a:r>
+            <a:endParaRPr lang="en-US" b="1" dirty="0">
+              <a:cs typeface="Calibri"/>
+            </a:endParaRPr>
+          </a:p>
+        </p:txBody>
+      </p:sp>
     </p:spTree>
     <p:extLst>
       <p:ext uri="{BB962C8B-B14F-4D97-AF65-F5344CB8AC3E}">
@@ -4854,18 +5161,320 @@
   <p:clrMapOvr>
     <a:masterClrMapping/>
   </p:clrMapOvr>
-  <mc:AlternateContent xmlns:mc="http://schemas.openxmlformats.org/markup-compatibility/2006">
-    <mc:Choice xmlns:p159="http://schemas.microsoft.com/office/powerpoint/2015/09/main" Requires="p159">
+  <mc:AlternateContent xmlns:mc="http://schemas.openxmlformats.org/markup-compatibility/2006" xmlns:p159="http://schemas.microsoft.com/office/powerpoint/2015/09/main">
+    <mc:Choice Requires="p159">
       <p:transition xmlns:p14="http://schemas.microsoft.com/office/powerpoint/2010/main" spd="slow" p14:dur="2000">
         <p159:morph option="byObject"/>
       </p:transition>
     </mc:Choice>
-    <mc:Fallback>
+    <mc:Fallback xmlns="">
       <p:transition spd="slow">
         <p:fade/>
       </p:transition>
     </mc:Fallback>
   </mc:AlternateContent>
+  <p:timing>
+    <p:tnLst>
+      <p:par>
+        <p:cTn id="1" dur="indefinite" restart="never" nodeType="tmRoot">
+          <p:childTnLst>
+            <p:seq concurrent="1" nextAc="seek">
+              <p:cTn id="2" dur="indefinite" nodeType="mainSeq">
+                <p:childTnLst>
+                  <p:par>
+                    <p:cTn id="3" fill="hold">
+                      <p:stCondLst>
+                        <p:cond delay="indefinite"/>
+                      </p:stCondLst>
+                      <p:childTnLst>
+                        <p:par>
+                          <p:cTn id="4" fill="hold">
+                            <p:stCondLst>
+                              <p:cond delay="0"/>
+                            </p:stCondLst>
+                            <p:childTnLst>
+                              <p:par>
+                                <p:cTn id="5" presetID="10" presetClass="entr" presetSubtype="0" fill="hold" grpId="0" nodeType="clickEffect">
+                                  <p:stCondLst>
+                                    <p:cond delay="0"/>
+                                  </p:stCondLst>
+                                  <p:childTnLst>
+                                    <p:set>
+                                      <p:cBhvr>
+                                        <p:cTn id="6" dur="1" fill="hold">
+                                          <p:stCondLst>
+                                            <p:cond delay="0"/>
+                                          </p:stCondLst>
+                                        </p:cTn>
+                                        <p:tgtEl>
+                                          <p:spTgt spid="8"/>
+                                        </p:tgtEl>
+                                        <p:attrNameLst>
+                                          <p:attrName>style.visibility</p:attrName>
+                                        </p:attrNameLst>
+                                      </p:cBhvr>
+                                      <p:to>
+                                        <p:strVal val="visible"/>
+                                      </p:to>
+                                    </p:set>
+                                    <p:animEffect transition="in" filter="fade">
+                                      <p:cBhvr>
+                                        <p:cTn id="7" dur="500"/>
+                                        <p:tgtEl>
+                                          <p:spTgt spid="8"/>
+                                        </p:tgtEl>
+                                      </p:cBhvr>
+                                    </p:animEffect>
+                                  </p:childTnLst>
+                                </p:cTn>
+                              </p:par>
+                            </p:childTnLst>
+                          </p:cTn>
+                        </p:par>
+                      </p:childTnLst>
+                    </p:cTn>
+                  </p:par>
+                  <p:par>
+                    <p:cTn id="8" fill="hold">
+                      <p:stCondLst>
+                        <p:cond delay="indefinite"/>
+                      </p:stCondLst>
+                      <p:childTnLst>
+                        <p:par>
+                          <p:cTn id="9" fill="hold">
+                            <p:stCondLst>
+                              <p:cond delay="0"/>
+                            </p:stCondLst>
+                            <p:childTnLst>
+                              <p:par>
+                                <p:cTn id="10" presetID="10" presetClass="entr" presetSubtype="0" fill="hold" grpId="0" nodeType="clickEffect">
+                                  <p:stCondLst>
+                                    <p:cond delay="0"/>
+                                  </p:stCondLst>
+                                  <p:childTnLst>
+                                    <p:set>
+                                      <p:cBhvr>
+                                        <p:cTn id="11" dur="1" fill="hold">
+                                          <p:stCondLst>
+                                            <p:cond delay="0"/>
+                                          </p:stCondLst>
+                                        </p:cTn>
+                                        <p:tgtEl>
+                                          <p:spTgt spid="12"/>
+                                        </p:tgtEl>
+                                        <p:attrNameLst>
+                                          <p:attrName>style.visibility</p:attrName>
+                                        </p:attrNameLst>
+                                      </p:cBhvr>
+                                      <p:to>
+                                        <p:strVal val="visible"/>
+                                      </p:to>
+                                    </p:set>
+                                    <p:animEffect transition="in" filter="fade">
+                                      <p:cBhvr>
+                                        <p:cTn id="12" dur="500"/>
+                                        <p:tgtEl>
+                                          <p:spTgt spid="12"/>
+                                        </p:tgtEl>
+                                      </p:cBhvr>
+                                    </p:animEffect>
+                                  </p:childTnLst>
+                                </p:cTn>
+                              </p:par>
+                            </p:childTnLst>
+                          </p:cTn>
+                        </p:par>
+                      </p:childTnLst>
+                    </p:cTn>
+                  </p:par>
+                  <p:par>
+                    <p:cTn id="13" fill="hold">
+                      <p:stCondLst>
+                        <p:cond delay="indefinite"/>
+                      </p:stCondLst>
+                      <p:childTnLst>
+                        <p:par>
+                          <p:cTn id="14" fill="hold">
+                            <p:stCondLst>
+                              <p:cond delay="0"/>
+                            </p:stCondLst>
+                            <p:childTnLst>
+                              <p:par>
+                                <p:cTn id="15" presetID="10" presetClass="entr" presetSubtype="0" fill="hold" grpId="0" nodeType="clickEffect">
+                                  <p:stCondLst>
+                                    <p:cond delay="0"/>
+                                  </p:stCondLst>
+                                  <p:childTnLst>
+                                    <p:set>
+                                      <p:cBhvr>
+                                        <p:cTn id="16" dur="1" fill="hold">
+                                          <p:stCondLst>
+                                            <p:cond delay="0"/>
+                                          </p:stCondLst>
+                                        </p:cTn>
+                                        <p:tgtEl>
+                                          <p:spTgt spid="3"/>
+                                        </p:tgtEl>
+                                        <p:attrNameLst>
+                                          <p:attrName>style.visibility</p:attrName>
+                                        </p:attrNameLst>
+                                      </p:cBhvr>
+                                      <p:to>
+                                        <p:strVal val="visible"/>
+                                      </p:to>
+                                    </p:set>
+                                    <p:animEffect transition="in" filter="fade">
+                                      <p:cBhvr>
+                                        <p:cTn id="17" dur="500"/>
+                                        <p:tgtEl>
+                                          <p:spTgt spid="3"/>
+                                        </p:tgtEl>
+                                      </p:cBhvr>
+                                    </p:animEffect>
+                                  </p:childTnLst>
+                                </p:cTn>
+                              </p:par>
+                            </p:childTnLst>
+                          </p:cTn>
+                        </p:par>
+                      </p:childTnLst>
+                    </p:cTn>
+                  </p:par>
+                  <p:par>
+                    <p:cTn id="18" fill="hold">
+                      <p:stCondLst>
+                        <p:cond delay="indefinite"/>
+                      </p:stCondLst>
+                      <p:childTnLst>
+                        <p:par>
+                          <p:cTn id="19" fill="hold">
+                            <p:stCondLst>
+                              <p:cond delay="0"/>
+                            </p:stCondLst>
+                            <p:childTnLst>
+                              <p:par>
+                                <p:cTn id="20" presetID="10" presetClass="entr" presetSubtype="0" fill="hold" grpId="0" nodeType="clickEffect">
+                                  <p:stCondLst>
+                                    <p:cond delay="0"/>
+                                  </p:stCondLst>
+                                  <p:childTnLst>
+                                    <p:set>
+                                      <p:cBhvr>
+                                        <p:cTn id="21" dur="1" fill="hold">
+                                          <p:stCondLst>
+                                            <p:cond delay="0"/>
+                                          </p:stCondLst>
+                                        </p:cTn>
+                                        <p:tgtEl>
+                                          <p:spTgt spid="6"/>
+                                        </p:tgtEl>
+                                        <p:attrNameLst>
+                                          <p:attrName>style.visibility</p:attrName>
+                                        </p:attrNameLst>
+                                      </p:cBhvr>
+                                      <p:to>
+                                        <p:strVal val="visible"/>
+                                      </p:to>
+                                    </p:set>
+                                    <p:animEffect transition="in" filter="fade">
+                                      <p:cBhvr>
+                                        <p:cTn id="22" dur="500"/>
+                                        <p:tgtEl>
+                                          <p:spTgt spid="6"/>
+                                        </p:tgtEl>
+                                      </p:cBhvr>
+                                    </p:animEffect>
+                                  </p:childTnLst>
+                                </p:cTn>
+                              </p:par>
+                            </p:childTnLst>
+                          </p:cTn>
+                        </p:par>
+                      </p:childTnLst>
+                    </p:cTn>
+                  </p:par>
+                  <p:par>
+                    <p:cTn id="23" fill="hold">
+                      <p:stCondLst>
+                        <p:cond delay="indefinite"/>
+                      </p:stCondLst>
+                      <p:childTnLst>
+                        <p:par>
+                          <p:cTn id="24" fill="hold">
+                            <p:stCondLst>
+                              <p:cond delay="0"/>
+                            </p:stCondLst>
+                            <p:childTnLst>
+                              <p:par>
+                                <p:cTn id="25" presetID="10" presetClass="entr" presetSubtype="0" fill="hold" grpId="0" nodeType="clickEffect">
+                                  <p:stCondLst>
+                                    <p:cond delay="0"/>
+                                  </p:stCondLst>
+                                  <p:childTnLst>
+                                    <p:set>
+                                      <p:cBhvr>
+                                        <p:cTn id="26" dur="1" fill="hold">
+                                          <p:stCondLst>
+                                            <p:cond delay="0"/>
+                                          </p:stCondLst>
+                                        </p:cTn>
+                                        <p:tgtEl>
+                                          <p:spTgt spid="11"/>
+                                        </p:tgtEl>
+                                        <p:attrNameLst>
+                                          <p:attrName>style.visibility</p:attrName>
+                                        </p:attrNameLst>
+                                      </p:cBhvr>
+                                      <p:to>
+                                        <p:strVal val="visible"/>
+                                      </p:to>
+                                    </p:set>
+                                    <p:animEffect transition="in" filter="fade">
+                                      <p:cBhvr>
+                                        <p:cTn id="27" dur="500"/>
+                                        <p:tgtEl>
+                                          <p:spTgt spid="11"/>
+                                        </p:tgtEl>
+                                      </p:cBhvr>
+                                    </p:animEffect>
+                                  </p:childTnLst>
+                                </p:cTn>
+                              </p:par>
+                            </p:childTnLst>
+                          </p:cTn>
+                        </p:par>
+                      </p:childTnLst>
+                    </p:cTn>
+                  </p:par>
+                </p:childTnLst>
+              </p:cTn>
+              <p:prevCondLst>
+                <p:cond evt="onPrev" delay="0">
+                  <p:tgtEl>
+                    <p:sldTgt/>
+                  </p:tgtEl>
+                </p:cond>
+              </p:prevCondLst>
+              <p:nextCondLst>
+                <p:cond evt="onNext" delay="0">
+                  <p:tgtEl>
+                    <p:sldTgt/>
+                  </p:tgtEl>
+                </p:cond>
+              </p:nextCondLst>
+            </p:seq>
+          </p:childTnLst>
+        </p:cTn>
+      </p:par>
+    </p:tnLst>
+    <p:bldLst>
+      <p:bldP spid="3" grpId="0" animBg="1"/>
+      <p:bldP spid="6" grpId="0" animBg="1"/>
+      <p:bldP spid="8" grpId="0" animBg="1"/>
+      <p:bldP spid="11" grpId="0" animBg="1"/>
+      <p:bldP spid="12" grpId="0" animBg="1"/>
+    </p:bldLst>
+  </p:timing>
 </p:sld>
 </file>
 
@@ -4875,7 +5484,7 @@
     <p:bg>
       <p:bgPr>
         <a:solidFill>
-          <a:srgbClr val="1D1D1D"/>
+          <a:srgbClr val="3C3C3C"/>
         </a:solidFill>
         <a:effectLst/>
       </p:bgPr>
@@ -5449,41 +6058,6 @@
       </p:pic>
       <p:sp>
         <p:nvSpPr>
-          <p:cNvPr id="4" name="TextBox 3">
-            <a:extLst>
-              <a:ext uri="{FF2B5EF4-FFF2-40B4-BE49-F238E27FC236}">
-                <a16:creationId xmlns:a16="http://schemas.microsoft.com/office/drawing/2014/main" id="{30B75E94-D503-864B-D990-800EDBC853C5}"/>
-              </a:ext>
-            </a:extLst>
-          </p:cNvPr>
-          <p:cNvSpPr txBox="1"/>
-          <p:nvPr/>
-        </p:nvSpPr>
-        <p:spPr>
-          <a:xfrm>
-            <a:off x="4724400" y="3200400"/>
-            <a:ext cx="2743200" cy="369332"/>
-          </a:xfrm>
-          <a:prstGeom prst="rect">
-            <a:avLst/>
-          </a:prstGeom>
-          <a:noFill/>
-        </p:spPr>
-        <p:txBody>
-          <a:bodyPr rot="0" spcFirstLastPara="0" vertOverflow="overflow" horzOverflow="overflow" vert="horz" wrap="square" lIns="91440" tIns="45720" rIns="91440" bIns="45720" numCol="1" spcCol="0" rtlCol="0" fromWordArt="0" anchor="t" anchorCtr="0" forceAA="0" compatLnSpc="1">
-            <a:prstTxWarp prst="textNoShape">
-              <a:avLst/>
-            </a:prstTxWarp>
-            <a:spAutoFit/>
-          </a:bodyPr>
-          <a:lstStyle/>
-          <a:p>
-            <a:endParaRPr lang="en-US"/>
-          </a:p>
-        </p:txBody>
-      </p:sp>
-      <p:sp>
-        <p:nvSpPr>
           <p:cNvPr id="11" name="Title 1">
             <a:extLst>
               <a:ext uri="{FF2B5EF4-FFF2-40B4-BE49-F238E27FC236}">
@@ -6515,6 +7089,259 @@
           </a:custGeom>
         </p:spPr>
       </p:pic>
+      <p:sp>
+        <p:nvSpPr>
+          <p:cNvPr id="12" name="TextBox 11">
+            <a:extLst>
+              <a:ext uri="{FF2B5EF4-FFF2-40B4-BE49-F238E27FC236}">
+                <a16:creationId xmlns:a16="http://schemas.microsoft.com/office/drawing/2014/main" id="{C74692F6-A9E8-091B-2618-928CBB93ED1E}"/>
+              </a:ext>
+            </a:extLst>
+          </p:cNvPr>
+          <p:cNvSpPr txBox="1"/>
+          <p:nvPr/>
+        </p:nvSpPr>
+        <p:spPr>
+          <a:xfrm>
+            <a:off x="735943" y="2891124"/>
+            <a:ext cx="2743200" cy="408623"/>
+          </a:xfrm>
+          <a:prstGeom prst="roundRect">
+            <a:avLst/>
+          </a:prstGeom>
+          <a:solidFill>
+            <a:schemeClr val="bg2"/>
+          </a:solidFill>
+        </p:spPr>
+        <p:style>
+          <a:lnRef idx="0">
+            <a:schemeClr val="accent2"/>
+          </a:lnRef>
+          <a:fillRef idx="3">
+            <a:schemeClr val="accent2"/>
+          </a:fillRef>
+          <a:effectRef idx="3">
+            <a:schemeClr val="accent2"/>
+          </a:effectRef>
+          <a:fontRef idx="minor">
+            <a:schemeClr val="lt1"/>
+          </a:fontRef>
+        </p:style>
+        <p:txBody>
+          <a:bodyPr rot="0" spcFirstLastPara="0" vertOverflow="overflow" horzOverflow="overflow" vert="horz" wrap="square" lIns="91440" tIns="45720" rIns="91440" bIns="45720" numCol="1" spcCol="0" rtlCol="0" fromWordArt="0" anchor="t" anchorCtr="0" forceAA="0" compatLnSpc="1">
+            <a:prstTxWarp prst="textNoShape">
+              <a:avLst/>
+            </a:prstTxWarp>
+            <a:spAutoFit/>
+          </a:bodyPr>
+          <a:lstStyle/>
+          <a:p>
+            <a:pPr algn="ctr"/>
+            <a:r>
+              <a:rPr lang="en-US" b="1" dirty="0">
+                <a:solidFill>
+                  <a:srgbClr val="000000"/>
+                </a:solidFill>
+                <a:cs typeface="Calibri"/>
+              </a:rPr>
+              <a:t>Plan de </a:t>
+            </a:r>
+            <a:r>
+              <a:rPr lang="en-US" b="1" dirty="0" err="1">
+                <a:solidFill>
+                  <a:srgbClr val="000000"/>
+                </a:solidFill>
+                <a:cs typeface="Calibri"/>
+              </a:rPr>
+              <a:t>capacitación</a:t>
+            </a:r>
+            <a:endParaRPr lang="en-US" b="1" dirty="0" err="1">
+              <a:solidFill>
+                <a:srgbClr val="000000"/>
+              </a:solidFill>
+            </a:endParaRPr>
+          </a:p>
+        </p:txBody>
+      </p:sp>
+      <p:sp>
+        <p:nvSpPr>
+          <p:cNvPr id="15" name="TextBox 14">
+            <a:extLst>
+              <a:ext uri="{FF2B5EF4-FFF2-40B4-BE49-F238E27FC236}">
+                <a16:creationId xmlns:a16="http://schemas.microsoft.com/office/drawing/2014/main" id="{258B6E2F-F6E1-93FE-93E9-81060D3F49B8}"/>
+              </a:ext>
+            </a:extLst>
+          </p:cNvPr>
+          <p:cNvSpPr txBox="1"/>
+          <p:nvPr/>
+        </p:nvSpPr>
+        <p:spPr>
+          <a:xfrm>
+            <a:off x="5118221" y="2888014"/>
+            <a:ext cx="2743200" cy="408623"/>
+          </a:xfrm>
+          <a:prstGeom prst="roundRect">
+            <a:avLst/>
+          </a:prstGeom>
+          <a:solidFill>
+            <a:schemeClr val="bg2"/>
+          </a:solidFill>
+        </p:spPr>
+        <p:style>
+          <a:lnRef idx="0">
+            <a:schemeClr val="accent2"/>
+          </a:lnRef>
+          <a:fillRef idx="3">
+            <a:schemeClr val="accent2"/>
+          </a:fillRef>
+          <a:effectRef idx="3">
+            <a:schemeClr val="accent2"/>
+          </a:effectRef>
+          <a:fontRef idx="minor">
+            <a:schemeClr val="lt1"/>
+          </a:fontRef>
+        </p:style>
+        <p:txBody>
+          <a:bodyPr rot="0" spcFirstLastPara="0" vertOverflow="overflow" horzOverflow="overflow" vert="horz" wrap="square" lIns="91440" tIns="45720" rIns="91440" bIns="45720" numCol="1" spcCol="0" rtlCol="0" fromWordArt="0" anchor="t" anchorCtr="0" forceAA="0" compatLnSpc="1">
+            <a:prstTxWarp prst="textNoShape">
+              <a:avLst/>
+            </a:prstTxWarp>
+            <a:spAutoFit/>
+          </a:bodyPr>
+          <a:lstStyle/>
+          <a:p>
+            <a:pPr algn="ctr"/>
+            <a:r>
+              <a:rPr lang="en-US" b="1" dirty="0">
+                <a:solidFill>
+                  <a:srgbClr val="000000"/>
+                </a:solidFill>
+                <a:cs typeface="Calibri"/>
+              </a:rPr>
+              <a:t>Plan de </a:t>
+            </a:r>
+            <a:r>
+              <a:rPr lang="en-US" b="1" dirty="0" err="1">
+                <a:solidFill>
+                  <a:srgbClr val="000000"/>
+                </a:solidFill>
+                <a:cs typeface="Calibri"/>
+              </a:rPr>
+              <a:t>carrera</a:t>
+            </a:r>
+            <a:endParaRPr lang="en-US" b="1" dirty="0" err="1">
+              <a:solidFill>
+                <a:srgbClr val="000000"/>
+              </a:solidFill>
+            </a:endParaRPr>
+          </a:p>
+        </p:txBody>
+      </p:sp>
+      <p:sp>
+        <p:nvSpPr>
+          <p:cNvPr id="17" name="TextBox 16">
+            <a:extLst>
+              <a:ext uri="{FF2B5EF4-FFF2-40B4-BE49-F238E27FC236}">
+                <a16:creationId xmlns:a16="http://schemas.microsoft.com/office/drawing/2014/main" id="{7144DE8A-9C03-2622-7306-EE9C78A778A3}"/>
+              </a:ext>
+            </a:extLst>
+          </p:cNvPr>
+          <p:cNvSpPr txBox="1"/>
+          <p:nvPr/>
+        </p:nvSpPr>
+        <p:spPr>
+          <a:xfrm>
+            <a:off x="2921938" y="4441577"/>
+            <a:ext cx="2743200" cy="408623"/>
+          </a:xfrm>
+          <a:prstGeom prst="roundRect">
+            <a:avLst/>
+          </a:prstGeom>
+          <a:solidFill>
+            <a:schemeClr val="bg2"/>
+          </a:solidFill>
+        </p:spPr>
+        <p:style>
+          <a:lnRef idx="0">
+            <a:schemeClr val="accent2"/>
+          </a:lnRef>
+          <a:fillRef idx="3">
+            <a:schemeClr val="accent2"/>
+          </a:fillRef>
+          <a:effectRef idx="3">
+            <a:schemeClr val="accent2"/>
+          </a:effectRef>
+          <a:fontRef idx="minor">
+            <a:schemeClr val="lt1"/>
+          </a:fontRef>
+        </p:style>
+        <p:txBody>
+          <a:bodyPr rot="0" spcFirstLastPara="0" vertOverflow="overflow" horzOverflow="overflow" vert="horz" wrap="square" lIns="91440" tIns="45720" rIns="91440" bIns="45720" numCol="1" spcCol="0" rtlCol="0" fromWordArt="0" anchor="t" anchorCtr="0" forceAA="0" compatLnSpc="1">
+            <a:prstTxWarp prst="textNoShape">
+              <a:avLst/>
+            </a:prstTxWarp>
+            <a:spAutoFit/>
+          </a:bodyPr>
+          <a:lstStyle/>
+          <a:p>
+            <a:pPr algn="ctr"/>
+            <a:r>
+              <a:rPr lang="en-US" b="1" dirty="0" err="1">
+                <a:solidFill>
+                  <a:srgbClr val="000000"/>
+                </a:solidFill>
+                <a:cs typeface="Calibri"/>
+              </a:rPr>
+              <a:t>Capacitacion</a:t>
+            </a:r>
+            <a:r>
+              <a:rPr lang="en-US" b="1" dirty="0">
+                <a:solidFill>
+                  <a:srgbClr val="000000"/>
+                </a:solidFill>
+                <a:cs typeface="Calibri"/>
+              </a:rPr>
+              <a:t> Organica </a:t>
+            </a:r>
+          </a:p>
+        </p:txBody>
+      </p:sp>
+      <p:pic>
+        <p:nvPicPr>
+          <p:cNvPr id="20" name="Graphic 19" descr="Handshake outline">
+            <a:extLst>
+              <a:ext uri="{FF2B5EF4-FFF2-40B4-BE49-F238E27FC236}">
+                <a16:creationId xmlns:a16="http://schemas.microsoft.com/office/drawing/2014/main" id="{A0FA7E03-48D4-9C2F-26F9-8BF4DA2C6F94}"/>
+              </a:ext>
+            </a:extLst>
+          </p:cNvPr>
+          <p:cNvPicPr>
+            <a:picLocks noChangeAspect="1"/>
+          </p:cNvPicPr>
+          <p:nvPr/>
+        </p:nvPicPr>
+        <p:blipFill>
+          <a:blip r:embed="rId5">
+            <a:extLst>
+              <a:ext uri="{96DAC541-7B7A-43D3-8B79-37D633B846F1}">
+                <asvg:svgBlip xmlns:asvg="http://schemas.microsoft.com/office/drawing/2016/SVG/main" r:embed="rId6"/>
+              </a:ext>
+            </a:extLst>
+          </a:blip>
+          <a:stretch>
+            <a:fillRect/>
+          </a:stretch>
+        </p:blipFill>
+        <p:spPr>
+          <a:xfrm>
+            <a:off x="3841072" y="2690674"/>
+            <a:ext cx="914400" cy="914400"/>
+          </a:xfrm>
+          <a:prstGeom prst="rect">
+            <a:avLst/>
+          </a:prstGeom>
+        </p:spPr>
+      </p:pic>
     </p:spTree>
     <p:extLst>
       <p:ext uri="{BB962C8B-B14F-4D97-AF65-F5344CB8AC3E}">
@@ -6525,18 +7352,247 @@
   <p:clrMapOvr>
     <a:masterClrMapping/>
   </p:clrMapOvr>
-  <mc:AlternateContent xmlns:mc="http://schemas.openxmlformats.org/markup-compatibility/2006">
-    <mc:Choice xmlns:p159="http://schemas.microsoft.com/office/powerpoint/2015/09/main" Requires="p159">
+  <mc:AlternateContent xmlns:mc="http://schemas.openxmlformats.org/markup-compatibility/2006" xmlns:p159="http://schemas.microsoft.com/office/powerpoint/2015/09/main">
+    <mc:Choice Requires="p159">
       <p:transition xmlns:p14="http://schemas.microsoft.com/office/powerpoint/2010/main" spd="slow" p14:dur="2000">
         <p159:morph option="byObject"/>
       </p:transition>
     </mc:Choice>
-    <mc:Fallback>
+    <mc:Fallback xmlns="">
       <p:transition spd="slow">
         <p:fade/>
       </p:transition>
     </mc:Fallback>
   </mc:AlternateContent>
+  <p:timing>
+    <p:tnLst>
+      <p:par>
+        <p:cTn id="1" dur="indefinite" restart="never" nodeType="tmRoot">
+          <p:childTnLst>
+            <p:seq concurrent="1" nextAc="seek">
+              <p:cTn id="2" dur="indefinite" nodeType="mainSeq">
+                <p:childTnLst>
+                  <p:par>
+                    <p:cTn id="3" fill="hold">
+                      <p:stCondLst>
+                        <p:cond delay="indefinite"/>
+                      </p:stCondLst>
+                      <p:childTnLst>
+                        <p:par>
+                          <p:cTn id="4" fill="hold">
+                            <p:stCondLst>
+                              <p:cond delay="0"/>
+                            </p:stCondLst>
+                            <p:childTnLst>
+                              <p:par>
+                                <p:cTn id="5" presetID="10" presetClass="entr" presetSubtype="0" fill="hold" grpId="0" nodeType="clickEffect">
+                                  <p:stCondLst>
+                                    <p:cond delay="0"/>
+                                  </p:stCondLst>
+                                  <p:childTnLst>
+                                    <p:set>
+                                      <p:cBhvr>
+                                        <p:cTn id="6" dur="1" fill="hold">
+                                          <p:stCondLst>
+                                            <p:cond delay="0"/>
+                                          </p:stCondLst>
+                                        </p:cTn>
+                                        <p:tgtEl>
+                                          <p:spTgt spid="12"/>
+                                        </p:tgtEl>
+                                        <p:attrNameLst>
+                                          <p:attrName>style.visibility</p:attrName>
+                                        </p:attrNameLst>
+                                      </p:cBhvr>
+                                      <p:to>
+                                        <p:strVal val="visible"/>
+                                      </p:to>
+                                    </p:set>
+                                    <p:animEffect transition="in" filter="fade">
+                                      <p:cBhvr>
+                                        <p:cTn id="7" dur="500"/>
+                                        <p:tgtEl>
+                                          <p:spTgt spid="12"/>
+                                        </p:tgtEl>
+                                      </p:cBhvr>
+                                    </p:animEffect>
+                                  </p:childTnLst>
+                                </p:cTn>
+                              </p:par>
+                            </p:childTnLst>
+                          </p:cTn>
+                        </p:par>
+                      </p:childTnLst>
+                    </p:cTn>
+                  </p:par>
+                  <p:par>
+                    <p:cTn id="8" fill="hold">
+                      <p:stCondLst>
+                        <p:cond delay="indefinite"/>
+                      </p:stCondLst>
+                      <p:childTnLst>
+                        <p:par>
+                          <p:cTn id="9" fill="hold">
+                            <p:stCondLst>
+                              <p:cond delay="0"/>
+                            </p:stCondLst>
+                            <p:childTnLst>
+                              <p:par>
+                                <p:cTn id="10" presetID="10" presetClass="entr" presetSubtype="0" fill="hold" grpId="0" nodeType="clickEffect">
+                                  <p:stCondLst>
+                                    <p:cond delay="0"/>
+                                  </p:stCondLst>
+                                  <p:childTnLst>
+                                    <p:set>
+                                      <p:cBhvr>
+                                        <p:cTn id="11" dur="1" fill="hold">
+                                          <p:stCondLst>
+                                            <p:cond delay="0"/>
+                                          </p:stCondLst>
+                                        </p:cTn>
+                                        <p:tgtEl>
+                                          <p:spTgt spid="15"/>
+                                        </p:tgtEl>
+                                        <p:attrNameLst>
+                                          <p:attrName>style.visibility</p:attrName>
+                                        </p:attrNameLst>
+                                      </p:cBhvr>
+                                      <p:to>
+                                        <p:strVal val="visible"/>
+                                      </p:to>
+                                    </p:set>
+                                    <p:animEffect transition="in" filter="fade">
+                                      <p:cBhvr>
+                                        <p:cTn id="12" dur="500"/>
+                                        <p:tgtEl>
+                                          <p:spTgt spid="15"/>
+                                        </p:tgtEl>
+                                      </p:cBhvr>
+                                    </p:animEffect>
+                                  </p:childTnLst>
+                                </p:cTn>
+                              </p:par>
+                            </p:childTnLst>
+                          </p:cTn>
+                        </p:par>
+                      </p:childTnLst>
+                    </p:cTn>
+                  </p:par>
+                  <p:par>
+                    <p:cTn id="13" fill="hold">
+                      <p:stCondLst>
+                        <p:cond delay="indefinite"/>
+                      </p:stCondLst>
+                      <p:childTnLst>
+                        <p:par>
+                          <p:cTn id="14" fill="hold">
+                            <p:stCondLst>
+                              <p:cond delay="0"/>
+                            </p:stCondLst>
+                            <p:childTnLst>
+                              <p:par>
+                                <p:cTn id="15" presetID="10" presetClass="entr" presetSubtype="0" fill="hold" nodeType="clickEffect">
+                                  <p:stCondLst>
+                                    <p:cond delay="0"/>
+                                  </p:stCondLst>
+                                  <p:childTnLst>
+                                    <p:set>
+                                      <p:cBhvr>
+                                        <p:cTn id="16" dur="1" fill="hold">
+                                          <p:stCondLst>
+                                            <p:cond delay="0"/>
+                                          </p:stCondLst>
+                                        </p:cTn>
+                                        <p:tgtEl>
+                                          <p:spTgt spid="20"/>
+                                        </p:tgtEl>
+                                        <p:attrNameLst>
+                                          <p:attrName>style.visibility</p:attrName>
+                                        </p:attrNameLst>
+                                      </p:cBhvr>
+                                      <p:to>
+                                        <p:strVal val="visible"/>
+                                      </p:to>
+                                    </p:set>
+                                    <p:animEffect transition="in" filter="fade">
+                                      <p:cBhvr>
+                                        <p:cTn id="17" dur="500"/>
+                                        <p:tgtEl>
+                                          <p:spTgt spid="20"/>
+                                        </p:tgtEl>
+                                      </p:cBhvr>
+                                    </p:animEffect>
+                                  </p:childTnLst>
+                                </p:cTn>
+                              </p:par>
+                              <p:par>
+                                <p:cTn id="18" presetID="10" presetClass="entr" presetSubtype="0" fill="hold" grpId="0" nodeType="withEffect">
+                                  <p:stCondLst>
+                                    <p:cond delay="0"/>
+                                  </p:stCondLst>
+                                  <p:childTnLst>
+                                    <p:set>
+                                      <p:cBhvr>
+                                        <p:cTn id="19" dur="1" fill="hold">
+                                          <p:stCondLst>
+                                            <p:cond delay="0"/>
+                                          </p:stCondLst>
+                                        </p:cTn>
+                                        <p:tgtEl>
+                                          <p:spTgt spid="17"/>
+                                        </p:tgtEl>
+                                        <p:attrNameLst>
+                                          <p:attrName>style.visibility</p:attrName>
+                                        </p:attrNameLst>
+                                      </p:cBhvr>
+                                      <p:to>
+                                        <p:strVal val="visible"/>
+                                      </p:to>
+                                    </p:set>
+                                    <p:animEffect transition="in" filter="fade">
+                                      <p:cBhvr>
+                                        <p:cTn id="20" dur="500"/>
+                                        <p:tgtEl>
+                                          <p:spTgt spid="17"/>
+                                        </p:tgtEl>
+                                      </p:cBhvr>
+                                    </p:animEffect>
+                                  </p:childTnLst>
+                                </p:cTn>
+                              </p:par>
+                            </p:childTnLst>
+                          </p:cTn>
+                        </p:par>
+                      </p:childTnLst>
+                    </p:cTn>
+                  </p:par>
+                </p:childTnLst>
+              </p:cTn>
+              <p:prevCondLst>
+                <p:cond evt="onPrev" delay="0">
+                  <p:tgtEl>
+                    <p:sldTgt/>
+                  </p:tgtEl>
+                </p:cond>
+              </p:prevCondLst>
+              <p:nextCondLst>
+                <p:cond evt="onNext" delay="0">
+                  <p:tgtEl>
+                    <p:sldTgt/>
+                  </p:tgtEl>
+                </p:cond>
+              </p:nextCondLst>
+            </p:seq>
+          </p:childTnLst>
+        </p:cTn>
+      </p:par>
+    </p:tnLst>
+    <p:bldLst>
+      <p:bldP spid="12" grpId="0" animBg="1"/>
+      <p:bldP spid="15" grpId="0" animBg="1"/>
+      <p:bldP spid="17" grpId="0" animBg="1"/>
+    </p:bldLst>
+  </p:timing>
 </p:sld>
 </file>
 
@@ -8186,6 +9242,396 @@
           </a:custGeom>
         </p:spPr>
       </p:pic>
+      <p:sp>
+        <p:nvSpPr>
+          <p:cNvPr id="3" name="TextBox 2">
+            <a:extLst>
+              <a:ext uri="{FF2B5EF4-FFF2-40B4-BE49-F238E27FC236}">
+                <a16:creationId xmlns:a16="http://schemas.microsoft.com/office/drawing/2014/main" id="{3433F59A-4319-1061-D4E1-66C540FAD5D5}"/>
+              </a:ext>
+            </a:extLst>
+          </p:cNvPr>
+          <p:cNvSpPr txBox="1"/>
+          <p:nvPr/>
+        </p:nvSpPr>
+        <p:spPr>
+          <a:xfrm>
+            <a:off x="822837" y="3425861"/>
+            <a:ext cx="2743200" cy="408623"/>
+          </a:xfrm>
+          <a:prstGeom prst="roundRect">
+            <a:avLst/>
+          </a:prstGeom>
+          <a:solidFill>
+            <a:srgbClr val="3E3E46"/>
+          </a:solidFill>
+        </p:spPr>
+        <p:style>
+          <a:lnRef idx="0">
+            <a:schemeClr val="accent2"/>
+          </a:lnRef>
+          <a:fillRef idx="3">
+            <a:schemeClr val="accent2"/>
+          </a:fillRef>
+          <a:effectRef idx="3">
+            <a:schemeClr val="accent2"/>
+          </a:effectRef>
+          <a:fontRef idx="minor">
+            <a:schemeClr val="lt1"/>
+          </a:fontRef>
+        </p:style>
+        <p:txBody>
+          <a:bodyPr rot="0" spcFirstLastPara="0" vertOverflow="overflow" horzOverflow="overflow" vert="horz" wrap="square" lIns="91440" tIns="45720" rIns="91440" bIns="45720" numCol="1" spcCol="0" rtlCol="0" fromWordArt="0" anchor="t" anchorCtr="0" forceAA="0" compatLnSpc="1">
+            <a:prstTxWarp prst="textNoShape">
+              <a:avLst/>
+            </a:prstTxWarp>
+            <a:spAutoFit/>
+          </a:bodyPr>
+          <a:lstStyle/>
+          <a:p>
+            <a:pPr algn="ctr"/>
+            <a:r>
+              <a:rPr lang="en-US" b="1" dirty="0" err="1">
+                <a:solidFill>
+                  <a:srgbClr val="FFFFFF"/>
+                </a:solidFill>
+                <a:cs typeface="Calibri"/>
+              </a:rPr>
+              <a:t>Empleados</a:t>
+            </a:r>
+            <a:r>
+              <a:rPr lang="en-US" b="1" dirty="0">
+                <a:solidFill>
+                  <a:srgbClr val="FFFFFF"/>
+                </a:solidFill>
+                <a:cs typeface="Calibri"/>
+              </a:rPr>
+              <a:t> </a:t>
+            </a:r>
+            <a:r>
+              <a:rPr lang="en-US" b="1" dirty="0" err="1">
+                <a:solidFill>
+                  <a:srgbClr val="FFFFFF"/>
+                </a:solidFill>
+                <a:cs typeface="Calibri"/>
+              </a:rPr>
+              <a:t>desafiados</a:t>
+            </a:r>
+            <a:endParaRPr lang="en-US" dirty="0" err="1"/>
+          </a:p>
+        </p:txBody>
+      </p:sp>
+      <p:sp>
+        <p:nvSpPr>
+          <p:cNvPr id="8" name="TextBox 7">
+            <a:extLst>
+              <a:ext uri="{FF2B5EF4-FFF2-40B4-BE49-F238E27FC236}">
+                <a16:creationId xmlns:a16="http://schemas.microsoft.com/office/drawing/2014/main" id="{7B4B3A70-CD6F-C864-A681-21E41F207430}"/>
+              </a:ext>
+            </a:extLst>
+          </p:cNvPr>
+          <p:cNvSpPr txBox="1"/>
+          <p:nvPr/>
+        </p:nvSpPr>
+        <p:spPr>
+          <a:xfrm>
+            <a:off x="292221" y="2212909"/>
+            <a:ext cx="3705726" cy="408623"/>
+          </a:xfrm>
+          <a:prstGeom prst="roundRect">
+            <a:avLst/>
+          </a:prstGeom>
+          <a:solidFill>
+            <a:srgbClr val="3E3E46"/>
+          </a:solidFill>
+        </p:spPr>
+        <p:style>
+          <a:lnRef idx="0">
+            <a:schemeClr val="accent2"/>
+          </a:lnRef>
+          <a:fillRef idx="3">
+            <a:schemeClr val="accent2"/>
+          </a:fillRef>
+          <a:effectRef idx="3">
+            <a:schemeClr val="accent2"/>
+          </a:effectRef>
+          <a:fontRef idx="minor">
+            <a:schemeClr val="lt1"/>
+          </a:fontRef>
+        </p:style>
+        <p:txBody>
+          <a:bodyPr rot="0" spcFirstLastPara="0" vertOverflow="overflow" horzOverflow="overflow" vert="horz" wrap="square" lIns="91440" tIns="45720" rIns="91440" bIns="45720" numCol="1" spcCol="0" rtlCol="0" fromWordArt="0" anchor="t" anchorCtr="0" forceAA="0" compatLnSpc="1">
+            <a:prstTxWarp prst="textNoShape">
+              <a:avLst/>
+            </a:prstTxWarp>
+            <a:spAutoFit/>
+          </a:bodyPr>
+          <a:lstStyle/>
+          <a:p>
+            <a:pPr algn="ctr"/>
+            <a:r>
+              <a:rPr lang="en-US" b="1" dirty="0" err="1">
+                <a:cs typeface="Calibri"/>
+              </a:rPr>
+              <a:t>Aprovechamiento</a:t>
+            </a:r>
+            <a:r>
+              <a:rPr lang="en-US" b="1" dirty="0">
+                <a:cs typeface="Calibri"/>
+              </a:rPr>
+              <a:t> de </a:t>
+            </a:r>
+            <a:r>
+              <a:rPr lang="en-US" b="1" dirty="0" err="1">
+                <a:cs typeface="Calibri"/>
+              </a:rPr>
+              <a:t>capacidades</a:t>
+            </a:r>
+          </a:p>
+        </p:txBody>
+      </p:sp>
+      <p:sp>
+        <p:nvSpPr>
+          <p:cNvPr id="12" name="TextBox 11">
+            <a:extLst>
+              <a:ext uri="{FF2B5EF4-FFF2-40B4-BE49-F238E27FC236}">
+                <a16:creationId xmlns:a16="http://schemas.microsoft.com/office/drawing/2014/main" id="{ABA50B52-E0BA-17CE-5799-7A08D075D049}"/>
+              </a:ext>
+            </a:extLst>
+          </p:cNvPr>
+          <p:cNvSpPr txBox="1"/>
+          <p:nvPr/>
+        </p:nvSpPr>
+        <p:spPr>
+          <a:xfrm>
+            <a:off x="4725080" y="3451261"/>
+            <a:ext cx="2743200" cy="408623"/>
+          </a:xfrm>
+          <a:prstGeom prst="roundRect">
+            <a:avLst/>
+          </a:prstGeom>
+          <a:solidFill>
+            <a:srgbClr val="3E3E46"/>
+          </a:solidFill>
+        </p:spPr>
+        <p:style>
+          <a:lnRef idx="0">
+            <a:schemeClr val="accent2"/>
+          </a:lnRef>
+          <a:fillRef idx="3">
+            <a:schemeClr val="accent2"/>
+          </a:fillRef>
+          <a:effectRef idx="3">
+            <a:schemeClr val="accent2"/>
+          </a:effectRef>
+          <a:fontRef idx="minor">
+            <a:schemeClr val="lt1"/>
+          </a:fontRef>
+        </p:style>
+        <p:txBody>
+          <a:bodyPr rot="0" spcFirstLastPara="0" vertOverflow="overflow" horzOverflow="overflow" vert="horz" wrap="square" lIns="91440" tIns="45720" rIns="91440" bIns="45720" numCol="1" spcCol="0" rtlCol="0" fromWordArt="0" anchor="t" anchorCtr="0" forceAA="0" compatLnSpc="1">
+            <a:prstTxWarp prst="textNoShape">
+              <a:avLst/>
+            </a:prstTxWarp>
+            <a:spAutoFit/>
+          </a:bodyPr>
+          <a:lstStyle/>
+          <a:p>
+            <a:pPr algn="ctr"/>
+            <a:r>
+              <a:rPr lang="en-US" b="1" dirty="0">
+                <a:solidFill>
+                  <a:srgbClr val="FFFFFF"/>
+                </a:solidFill>
+                <a:cs typeface="Calibri"/>
+              </a:rPr>
+              <a:t>Baja </a:t>
+            </a:r>
+            <a:r>
+              <a:rPr lang="en-US" b="1" dirty="0" err="1">
+                <a:solidFill>
+                  <a:srgbClr val="FFFFFF"/>
+                </a:solidFill>
+                <a:cs typeface="Calibri"/>
+              </a:rPr>
+              <a:t>rotación</a:t>
+            </a:r>
+            <a:endParaRPr lang="en-US" dirty="0" err="1"/>
+          </a:p>
+        </p:txBody>
+      </p:sp>
+      <p:sp>
+        <p:nvSpPr>
+          <p:cNvPr id="15" name="TextBox 14">
+            <a:extLst>
+              <a:ext uri="{FF2B5EF4-FFF2-40B4-BE49-F238E27FC236}">
+                <a16:creationId xmlns:a16="http://schemas.microsoft.com/office/drawing/2014/main" id="{C2B23E8B-4908-30CA-78A6-C3D42B5724F5}"/>
+              </a:ext>
+            </a:extLst>
+          </p:cNvPr>
+          <p:cNvSpPr txBox="1"/>
+          <p:nvPr/>
+        </p:nvSpPr>
+        <p:spPr>
+          <a:xfrm>
+            <a:off x="4722516" y="2211572"/>
+            <a:ext cx="2743200" cy="408623"/>
+          </a:xfrm>
+          <a:prstGeom prst="roundRect">
+            <a:avLst/>
+          </a:prstGeom>
+          <a:solidFill>
+            <a:srgbClr val="3E3E46"/>
+          </a:solidFill>
+        </p:spPr>
+        <p:style>
+          <a:lnRef idx="0">
+            <a:schemeClr val="accent2"/>
+          </a:lnRef>
+          <a:fillRef idx="3">
+            <a:schemeClr val="accent2"/>
+          </a:fillRef>
+          <a:effectRef idx="3">
+            <a:schemeClr val="accent2"/>
+          </a:effectRef>
+          <a:fontRef idx="minor">
+            <a:schemeClr val="lt1"/>
+          </a:fontRef>
+        </p:style>
+        <p:txBody>
+          <a:bodyPr rot="0" spcFirstLastPara="0" vertOverflow="overflow" horzOverflow="overflow" vert="horz" wrap="square" lIns="91440" tIns="45720" rIns="91440" bIns="45720" numCol="1" spcCol="0" rtlCol="0" fromWordArt="0" anchor="t" anchorCtr="0" forceAA="0" compatLnSpc="1">
+            <a:prstTxWarp prst="textNoShape">
+              <a:avLst/>
+            </a:prstTxWarp>
+            <a:spAutoFit/>
+          </a:bodyPr>
+          <a:lstStyle/>
+          <a:p>
+            <a:pPr algn="ctr"/>
+            <a:r>
+              <a:rPr lang="en-US" b="1" dirty="0">
+                <a:solidFill>
+                  <a:srgbClr val="FFFFFF"/>
+                </a:solidFill>
+                <a:cs typeface="Calibri"/>
+              </a:rPr>
+              <a:t>Personal disponible</a:t>
+            </a:r>
+            <a:endParaRPr lang="en-US" dirty="0"/>
+          </a:p>
+        </p:txBody>
+      </p:sp>
+      <p:pic>
+        <p:nvPicPr>
+          <p:cNvPr id="17" name="Graphic 16" descr="Handshake outline">
+            <a:extLst>
+              <a:ext uri="{FF2B5EF4-FFF2-40B4-BE49-F238E27FC236}">
+                <a16:creationId xmlns:a16="http://schemas.microsoft.com/office/drawing/2014/main" id="{858AE77C-753B-D5C7-006B-31FD22771B8F}"/>
+              </a:ext>
+            </a:extLst>
+          </p:cNvPr>
+          <p:cNvPicPr>
+            <a:picLocks noChangeAspect="1"/>
+          </p:cNvPicPr>
+          <p:nvPr/>
+        </p:nvPicPr>
+        <p:blipFill>
+          <a:blip r:embed="rId5">
+            <a:extLst>
+              <a:ext uri="{96DAC541-7B7A-43D3-8B79-37D633B846F1}">
+                <asvg:svgBlip xmlns:asvg="http://schemas.microsoft.com/office/drawing/2016/SVG/main" r:embed="rId6"/>
+              </a:ext>
+            </a:extLst>
+          </a:blip>
+          <a:stretch>
+            <a:fillRect/>
+          </a:stretch>
+        </p:blipFill>
+        <p:spPr>
+          <a:xfrm>
+            <a:off x="3694019" y="3278885"/>
+            <a:ext cx="914400" cy="914400"/>
+          </a:xfrm>
+          <a:prstGeom prst="rect">
+            <a:avLst/>
+          </a:prstGeom>
+        </p:spPr>
+      </p:pic>
+      <p:sp>
+        <p:nvSpPr>
+          <p:cNvPr id="19" name="TextBox 18">
+            <a:extLst>
+              <a:ext uri="{FF2B5EF4-FFF2-40B4-BE49-F238E27FC236}">
+                <a16:creationId xmlns:a16="http://schemas.microsoft.com/office/drawing/2014/main" id="{40F137FB-A399-2505-3C2A-09CBBA31F440}"/>
+              </a:ext>
+            </a:extLst>
+          </p:cNvPr>
+          <p:cNvSpPr txBox="1"/>
+          <p:nvPr/>
+        </p:nvSpPr>
+        <p:spPr>
+          <a:xfrm>
+            <a:off x="2779974" y="4908419"/>
+            <a:ext cx="2743200" cy="408623"/>
+          </a:xfrm>
+          <a:prstGeom prst="roundRect">
+            <a:avLst/>
+          </a:prstGeom>
+          <a:solidFill>
+            <a:srgbClr val="3E3E46"/>
+          </a:solidFill>
+        </p:spPr>
+        <p:style>
+          <a:lnRef idx="0">
+            <a:schemeClr val="accent2"/>
+          </a:lnRef>
+          <a:fillRef idx="3">
+            <a:schemeClr val="accent2"/>
+          </a:fillRef>
+          <a:effectRef idx="3">
+            <a:schemeClr val="accent2"/>
+          </a:effectRef>
+          <a:fontRef idx="minor">
+            <a:schemeClr val="lt1"/>
+          </a:fontRef>
+        </p:style>
+        <p:txBody>
+          <a:bodyPr rot="0" spcFirstLastPara="0" vertOverflow="overflow" horzOverflow="overflow" vert="horz" wrap="square" lIns="91440" tIns="45720" rIns="91440" bIns="45720" numCol="1" spcCol="0" rtlCol="0" fromWordArt="0" anchor="t" anchorCtr="0" forceAA="0" compatLnSpc="1">
+            <a:prstTxWarp prst="textNoShape">
+              <a:avLst/>
+            </a:prstTxWarp>
+            <a:spAutoFit/>
+          </a:bodyPr>
+          <a:lstStyle/>
+          <a:p>
+            <a:pPr algn="ctr"/>
+            <a:r>
+              <a:rPr lang="en-US" b="1" dirty="0">
+                <a:cs typeface="Calibri"/>
+              </a:rPr>
+              <a:t>Buen </a:t>
+            </a:r>
+            <a:r>
+              <a:rPr lang="en-US" b="1" dirty="0" err="1">
+                <a:cs typeface="Calibri"/>
+              </a:rPr>
+              <a:t>ambiente</a:t>
+            </a:r>
+            <a:r>
+              <a:rPr lang="en-US" b="1" dirty="0">
+                <a:cs typeface="Calibri"/>
+              </a:rPr>
+              <a:t> </a:t>
+            </a:r>
+            <a:r>
+              <a:rPr lang="en-US" b="1" dirty="0" err="1">
+                <a:cs typeface="Calibri"/>
+              </a:rPr>
+              <a:t>laboral</a:t>
+            </a:r>
+          </a:p>
+        </p:txBody>
+      </p:sp>
     </p:spTree>
     <p:extLst>
       <p:ext uri="{BB962C8B-B14F-4D97-AF65-F5344CB8AC3E}">
@@ -8196,18 +9642,355 @@
   <p:clrMapOvr>
     <a:masterClrMapping/>
   </p:clrMapOvr>
-  <mc:AlternateContent xmlns:mc="http://schemas.openxmlformats.org/markup-compatibility/2006">
-    <mc:Choice xmlns:p159="http://schemas.microsoft.com/office/powerpoint/2015/09/main" Requires="p159">
+  <mc:AlternateContent xmlns:mc="http://schemas.openxmlformats.org/markup-compatibility/2006" xmlns:p159="http://schemas.microsoft.com/office/powerpoint/2015/09/main">
+    <mc:Choice Requires="p159">
       <p:transition xmlns:p14="http://schemas.microsoft.com/office/powerpoint/2010/main" spd="slow" p14:dur="2000">
         <p159:morph option="byObject"/>
       </p:transition>
     </mc:Choice>
-    <mc:Fallback>
+    <mc:Fallback xmlns="">
       <p:transition spd="slow">
         <p:fade/>
       </p:transition>
     </mc:Fallback>
   </mc:AlternateContent>
+  <p:timing>
+    <p:tnLst>
+      <p:par>
+        <p:cTn id="1" dur="indefinite" restart="never" nodeType="tmRoot">
+          <p:childTnLst>
+            <p:seq concurrent="1" nextAc="seek">
+              <p:cTn id="2" dur="indefinite" nodeType="mainSeq">
+                <p:childTnLst>
+                  <p:par>
+                    <p:cTn id="3" fill="hold">
+                      <p:stCondLst>
+                        <p:cond delay="indefinite"/>
+                      </p:stCondLst>
+                      <p:childTnLst>
+                        <p:par>
+                          <p:cTn id="4" fill="hold">
+                            <p:stCondLst>
+                              <p:cond delay="0"/>
+                            </p:stCondLst>
+                            <p:childTnLst>
+                              <p:par>
+                                <p:cTn id="5" presetID="10" presetClass="entr" presetSubtype="0" fill="hold" grpId="0" nodeType="clickEffect">
+                                  <p:stCondLst>
+                                    <p:cond delay="0"/>
+                                  </p:stCondLst>
+                                  <p:childTnLst>
+                                    <p:set>
+                                      <p:cBhvr>
+                                        <p:cTn id="6" dur="1" fill="hold">
+                                          <p:stCondLst>
+                                            <p:cond delay="0"/>
+                                          </p:stCondLst>
+                                        </p:cTn>
+                                        <p:tgtEl>
+                                          <p:spTgt spid="8"/>
+                                        </p:tgtEl>
+                                        <p:attrNameLst>
+                                          <p:attrName>style.visibility</p:attrName>
+                                        </p:attrNameLst>
+                                      </p:cBhvr>
+                                      <p:to>
+                                        <p:strVal val="visible"/>
+                                      </p:to>
+                                    </p:set>
+                                    <p:animEffect transition="in" filter="fade">
+                                      <p:cBhvr>
+                                        <p:cTn id="7" dur="500"/>
+                                        <p:tgtEl>
+                                          <p:spTgt spid="8"/>
+                                        </p:tgtEl>
+                                      </p:cBhvr>
+                                    </p:animEffect>
+                                  </p:childTnLst>
+                                </p:cTn>
+                              </p:par>
+                            </p:childTnLst>
+                          </p:cTn>
+                        </p:par>
+                      </p:childTnLst>
+                    </p:cTn>
+                  </p:par>
+                  <p:par>
+                    <p:cTn id="8" fill="hold">
+                      <p:stCondLst>
+                        <p:cond delay="indefinite"/>
+                      </p:stCondLst>
+                      <p:childTnLst>
+                        <p:par>
+                          <p:cTn id="9" fill="hold">
+                            <p:stCondLst>
+                              <p:cond delay="0"/>
+                            </p:stCondLst>
+                            <p:childTnLst>
+                              <p:par>
+                                <p:cTn id="10" presetID="10" presetClass="entr" presetSubtype="0" fill="hold" grpId="0" nodeType="clickEffect">
+                                  <p:stCondLst>
+                                    <p:cond delay="0"/>
+                                  </p:stCondLst>
+                                  <p:childTnLst>
+                                    <p:set>
+                                      <p:cBhvr>
+                                        <p:cTn id="11" dur="1" fill="hold">
+                                          <p:stCondLst>
+                                            <p:cond delay="0"/>
+                                          </p:stCondLst>
+                                        </p:cTn>
+                                        <p:tgtEl>
+                                          <p:spTgt spid="15"/>
+                                        </p:tgtEl>
+                                        <p:attrNameLst>
+                                          <p:attrName>style.visibility</p:attrName>
+                                        </p:attrNameLst>
+                                      </p:cBhvr>
+                                      <p:to>
+                                        <p:strVal val="visible"/>
+                                      </p:to>
+                                    </p:set>
+                                    <p:animEffect transition="in" filter="fade">
+                                      <p:cBhvr>
+                                        <p:cTn id="12" dur="500"/>
+                                        <p:tgtEl>
+                                          <p:spTgt spid="15"/>
+                                        </p:tgtEl>
+                                      </p:cBhvr>
+                                    </p:animEffect>
+                                  </p:childTnLst>
+                                </p:cTn>
+                              </p:par>
+                            </p:childTnLst>
+                          </p:cTn>
+                        </p:par>
+                      </p:childTnLst>
+                    </p:cTn>
+                  </p:par>
+                  <p:par>
+                    <p:cTn id="13" fill="hold">
+                      <p:stCondLst>
+                        <p:cond delay="indefinite"/>
+                      </p:stCondLst>
+                      <p:childTnLst>
+                        <p:par>
+                          <p:cTn id="14" fill="hold">
+                            <p:stCondLst>
+                              <p:cond delay="0"/>
+                            </p:stCondLst>
+                            <p:childTnLst>
+                              <p:par>
+                                <p:cTn id="15" presetID="10" presetClass="entr" presetSubtype="0" fill="hold" grpId="0" nodeType="clickEffect">
+                                  <p:stCondLst>
+                                    <p:cond delay="0"/>
+                                  </p:stCondLst>
+                                  <p:childTnLst>
+                                    <p:set>
+                                      <p:cBhvr>
+                                        <p:cTn id="16" dur="1" fill="hold">
+                                          <p:stCondLst>
+                                            <p:cond delay="0"/>
+                                          </p:stCondLst>
+                                        </p:cTn>
+                                        <p:tgtEl>
+                                          <p:spTgt spid="3"/>
+                                        </p:tgtEl>
+                                        <p:attrNameLst>
+                                          <p:attrName>style.visibility</p:attrName>
+                                        </p:attrNameLst>
+                                      </p:cBhvr>
+                                      <p:to>
+                                        <p:strVal val="visible"/>
+                                      </p:to>
+                                    </p:set>
+                                    <p:animEffect transition="in" filter="fade">
+                                      <p:cBhvr>
+                                        <p:cTn id="17" dur="500"/>
+                                        <p:tgtEl>
+                                          <p:spTgt spid="3"/>
+                                        </p:tgtEl>
+                                      </p:cBhvr>
+                                    </p:animEffect>
+                                  </p:childTnLst>
+                                </p:cTn>
+                              </p:par>
+                            </p:childTnLst>
+                          </p:cTn>
+                        </p:par>
+                      </p:childTnLst>
+                    </p:cTn>
+                  </p:par>
+                  <p:par>
+                    <p:cTn id="18" fill="hold">
+                      <p:stCondLst>
+                        <p:cond delay="indefinite"/>
+                      </p:stCondLst>
+                      <p:childTnLst>
+                        <p:par>
+                          <p:cTn id="19" fill="hold">
+                            <p:stCondLst>
+                              <p:cond delay="0"/>
+                            </p:stCondLst>
+                            <p:childTnLst>
+                              <p:par>
+                                <p:cTn id="20" presetID="10" presetClass="entr" presetSubtype="0" fill="hold" grpId="0" nodeType="clickEffect">
+                                  <p:stCondLst>
+                                    <p:cond delay="0"/>
+                                  </p:stCondLst>
+                                  <p:childTnLst>
+                                    <p:set>
+                                      <p:cBhvr>
+                                        <p:cTn id="21" dur="1" fill="hold">
+                                          <p:stCondLst>
+                                            <p:cond delay="0"/>
+                                          </p:stCondLst>
+                                        </p:cTn>
+                                        <p:tgtEl>
+                                          <p:spTgt spid="12"/>
+                                        </p:tgtEl>
+                                        <p:attrNameLst>
+                                          <p:attrName>style.visibility</p:attrName>
+                                        </p:attrNameLst>
+                                      </p:cBhvr>
+                                      <p:to>
+                                        <p:strVal val="visible"/>
+                                      </p:to>
+                                    </p:set>
+                                    <p:animEffect transition="in" filter="fade">
+                                      <p:cBhvr>
+                                        <p:cTn id="22" dur="500"/>
+                                        <p:tgtEl>
+                                          <p:spTgt spid="12"/>
+                                        </p:tgtEl>
+                                      </p:cBhvr>
+                                    </p:animEffect>
+                                  </p:childTnLst>
+                                </p:cTn>
+                              </p:par>
+                            </p:childTnLst>
+                          </p:cTn>
+                        </p:par>
+                      </p:childTnLst>
+                    </p:cTn>
+                  </p:par>
+                  <p:par>
+                    <p:cTn id="23" fill="hold">
+                      <p:stCondLst>
+                        <p:cond delay="indefinite"/>
+                      </p:stCondLst>
+                      <p:childTnLst>
+                        <p:par>
+                          <p:cTn id="24" fill="hold">
+                            <p:stCondLst>
+                              <p:cond delay="0"/>
+                            </p:stCondLst>
+                            <p:childTnLst>
+                              <p:par>
+                                <p:cTn id="25" presetID="10" presetClass="entr" presetSubtype="0" fill="hold" nodeType="clickEffect">
+                                  <p:stCondLst>
+                                    <p:cond delay="0"/>
+                                  </p:stCondLst>
+                                  <p:childTnLst>
+                                    <p:set>
+                                      <p:cBhvr>
+                                        <p:cTn id="26" dur="1" fill="hold">
+                                          <p:stCondLst>
+                                            <p:cond delay="0"/>
+                                          </p:stCondLst>
+                                        </p:cTn>
+                                        <p:tgtEl>
+                                          <p:spTgt spid="17"/>
+                                        </p:tgtEl>
+                                        <p:attrNameLst>
+                                          <p:attrName>style.visibility</p:attrName>
+                                        </p:attrNameLst>
+                                      </p:cBhvr>
+                                      <p:to>
+                                        <p:strVal val="visible"/>
+                                      </p:to>
+                                    </p:set>
+                                    <p:animEffect transition="in" filter="fade">
+                                      <p:cBhvr>
+                                        <p:cTn id="27" dur="500"/>
+                                        <p:tgtEl>
+                                          <p:spTgt spid="17"/>
+                                        </p:tgtEl>
+                                      </p:cBhvr>
+                                    </p:animEffect>
+                                  </p:childTnLst>
+                                </p:cTn>
+                              </p:par>
+                              <p:par>
+                                <p:cTn id="28" presetID="10" presetClass="entr" presetSubtype="0" fill="hold" grpId="0" nodeType="withEffect">
+                                  <p:stCondLst>
+                                    <p:cond delay="0"/>
+                                  </p:stCondLst>
+                                  <p:childTnLst>
+                                    <p:set>
+                                      <p:cBhvr>
+                                        <p:cTn id="29" dur="1" fill="hold">
+                                          <p:stCondLst>
+                                            <p:cond delay="0"/>
+                                          </p:stCondLst>
+                                        </p:cTn>
+                                        <p:tgtEl>
+                                          <p:spTgt spid="19"/>
+                                        </p:tgtEl>
+                                        <p:attrNameLst>
+                                          <p:attrName>style.visibility</p:attrName>
+                                        </p:attrNameLst>
+                                      </p:cBhvr>
+                                      <p:to>
+                                        <p:strVal val="visible"/>
+                                      </p:to>
+                                    </p:set>
+                                    <p:animEffect transition="in" filter="fade">
+                                      <p:cBhvr>
+                                        <p:cTn id="30" dur="500"/>
+                                        <p:tgtEl>
+                                          <p:spTgt spid="19"/>
+                                        </p:tgtEl>
+                                      </p:cBhvr>
+                                    </p:animEffect>
+                                  </p:childTnLst>
+                                </p:cTn>
+                              </p:par>
+                            </p:childTnLst>
+                          </p:cTn>
+                        </p:par>
+                      </p:childTnLst>
+                    </p:cTn>
+                  </p:par>
+                </p:childTnLst>
+              </p:cTn>
+              <p:prevCondLst>
+                <p:cond evt="onPrev" delay="0">
+                  <p:tgtEl>
+                    <p:sldTgt/>
+                  </p:tgtEl>
+                </p:cond>
+              </p:prevCondLst>
+              <p:nextCondLst>
+                <p:cond evt="onNext" delay="0">
+                  <p:tgtEl>
+                    <p:sldTgt/>
+                  </p:tgtEl>
+                </p:cond>
+              </p:nextCondLst>
+            </p:seq>
+          </p:childTnLst>
+        </p:cTn>
+      </p:par>
+    </p:tnLst>
+    <p:bldLst>
+      <p:bldP spid="3" grpId="0" animBg="1"/>
+      <p:bldP spid="8" grpId="0" animBg="1"/>
+      <p:bldP spid="12" grpId="0" animBg="1"/>
+      <p:bldP spid="15" grpId="0" animBg="1"/>
+      <p:bldP spid="19" grpId="0" animBg="1"/>
+    </p:bldLst>
+  </p:timing>
 </p:sld>
 </file>
 
@@ -8238,10 +10021,10 @@
       </p:grpSpPr>
       <p:sp useBgFill="1">
         <p:nvSpPr>
-          <p:cNvPr id="9" name="Rectangle 8">
+          <p:cNvPr id="15" name="Rectangle 14">
             <a:extLst>
               <a:ext uri="{FF2B5EF4-FFF2-40B4-BE49-F238E27FC236}">
-                <a16:creationId xmlns:a16="http://schemas.microsoft.com/office/drawing/2014/main" id="{06DA9DF9-31F7-4056-B42E-878CC92417B8}"/>
+                <a16:creationId xmlns:a16="http://schemas.microsoft.com/office/drawing/2014/main" id="{0671A8AE-40A1-4631-A6B8-581AFF065482}"/>
               </a:ext>
               <a:ext uri="{C183D7F6-B498-43B3-948B-1728B52AA6E4}">
                 <adec:decorative xmlns:adec="http://schemas.microsoft.com/office/drawing/2017/decorative" val="1"/>
@@ -8262,7 +10045,7 @@
         <p:spPr>
           <a:xfrm>
             <a:off x="0" y="0"/>
-            <a:ext cx="12188952" cy="6858000"/>
+            <a:ext cx="12192000" cy="6858000"/>
           </a:xfrm>
           <a:prstGeom prst="rect">
             <a:avLst/>
@@ -8296,12 +10079,859 @@
           </a:p>
         </p:txBody>
       </p:sp>
+      <p:pic>
+        <p:nvPicPr>
+          <p:cNvPr id="11" name="Picture 10" descr="Pen placed on top of a signature line">
+            <a:extLst>
+              <a:ext uri="{FF2B5EF4-FFF2-40B4-BE49-F238E27FC236}">
+                <a16:creationId xmlns:a16="http://schemas.microsoft.com/office/drawing/2014/main" id="{768CDC47-2E1D-1084-EB91-288102F312CC}"/>
+              </a:ext>
+            </a:extLst>
+          </p:cNvPr>
+          <p:cNvPicPr>
+            <a:picLocks noChangeAspect="1"/>
+          </p:cNvPicPr>
+          <p:nvPr/>
+        </p:nvPicPr>
+        <p:blipFill rotWithShape="1">
+          <a:blip r:embed="rId2"/>
+          <a:srcRect l="23411" r="8" b="9098"/>
+          <a:stretch/>
+        </p:blipFill>
+        <p:spPr>
+          <a:xfrm>
+            <a:off x="6155852" y="10"/>
+            <a:ext cx="8668512" cy="6857990"/>
+          </a:xfrm>
+          <a:prstGeom prst="rect">
+            <a:avLst/>
+          </a:prstGeom>
+        </p:spPr>
+      </p:pic>
+      <p:sp>
+        <p:nvSpPr>
+          <p:cNvPr id="17" name="Rectangle 16">
+            <a:extLst>
+              <a:ext uri="{FF2B5EF4-FFF2-40B4-BE49-F238E27FC236}">
+                <a16:creationId xmlns:a16="http://schemas.microsoft.com/office/drawing/2014/main" id="{AB58EF07-17C2-48CF-ABB0-EEF1F17CB8F0}"/>
+              </a:ext>
+              <a:ext uri="{C183D7F6-B498-43B3-948B-1728B52AA6E4}">
+                <adec:decorative xmlns:adec="http://schemas.microsoft.com/office/drawing/2017/decorative" val="1"/>
+              </a:ext>
+            </a:extLst>
+          </p:cNvPr>
+          <p:cNvSpPr>
+            <a:spLocks noGrp="1" noRot="1" noChangeAspect="1" noMove="1" noResize="1" noEditPoints="1" noAdjustHandles="1" noChangeArrowheads="1" noChangeShapeType="1" noTextEdit="1"/>
+          </p:cNvSpPr>
+          <p:nvPr>
+            <p:extLst>
+              <p:ext uri="{386F3935-93C4-4BCD-93E2-E3B085C9AB24}">
+                <p16:designElem xmlns:p16="http://schemas.microsoft.com/office/powerpoint/2015/main" val="1"/>
+              </p:ext>
+            </p:extLst>
+          </p:nvPr>
+        </p:nvSpPr>
+        <p:spPr>
+          <a:xfrm>
+            <a:off x="3" y="0"/>
+            <a:ext cx="9339206" cy="6858000"/>
+          </a:xfrm>
+          <a:prstGeom prst="rect">
+            <a:avLst/>
+          </a:prstGeom>
+          <a:gradFill>
+            <a:gsLst>
+              <a:gs pos="58000">
+                <a:schemeClr val="tx1"/>
+              </a:gs>
+              <a:gs pos="33000">
+                <a:schemeClr val="tx1">
+                  <a:alpha val="64000"/>
+                </a:schemeClr>
+              </a:gs>
+              <a:gs pos="0">
+                <a:schemeClr val="tx1">
+                  <a:alpha val="0"/>
+                </a:schemeClr>
+              </a:gs>
+              <a:gs pos="100000">
+                <a:schemeClr val="tx1"/>
+              </a:gs>
+            </a:gsLst>
+            <a:lin ang="10800000" scaled="0"/>
+          </a:gradFill>
+          <a:ln>
+            <a:noFill/>
+          </a:ln>
+        </p:spPr>
+        <p:style>
+          <a:lnRef idx="2">
+            <a:schemeClr val="accent1">
+              <a:shade val="50000"/>
+            </a:schemeClr>
+          </a:lnRef>
+          <a:fillRef idx="1">
+            <a:schemeClr val="accent1"/>
+          </a:fillRef>
+          <a:effectRef idx="0">
+            <a:schemeClr val="accent1"/>
+          </a:effectRef>
+          <a:fontRef idx="minor">
+            <a:schemeClr val="lt1"/>
+          </a:fontRef>
+        </p:style>
+        <p:txBody>
+          <a:bodyPr rtlCol="0" anchor="ctr"/>
+          <a:lstStyle/>
+          <a:p>
+            <a:pPr algn="ctr"/>
+            <a:endParaRPr lang="en-US" dirty="0"/>
+          </a:p>
+        </p:txBody>
+      </p:sp>
+      <p:sp>
+        <p:nvSpPr>
+          <p:cNvPr id="19" name="Rectangle 18">
+            <a:extLst>
+              <a:ext uri="{FF2B5EF4-FFF2-40B4-BE49-F238E27FC236}">
+                <a16:creationId xmlns:a16="http://schemas.microsoft.com/office/drawing/2014/main" id="{AF2F604E-43BE-4DC3-B983-E071523364F8}"/>
+              </a:ext>
+              <a:ext uri="{C183D7F6-B498-43B3-948B-1728B52AA6E4}">
+                <adec:decorative xmlns:adec="http://schemas.microsoft.com/office/drawing/2017/decorative" val="1"/>
+              </a:ext>
+            </a:extLst>
+          </p:cNvPr>
+          <p:cNvSpPr>
+            <a:spLocks noGrp="1" noRot="1" noChangeAspect="1" noMove="1" noResize="1" noEditPoints="1" noAdjustHandles="1" noChangeArrowheads="1" noChangeShapeType="1" noTextEdit="1"/>
+          </p:cNvSpPr>
+          <p:nvPr>
+            <p:extLst>
+              <p:ext uri="{386F3935-93C4-4BCD-93E2-E3B085C9AB24}">
+                <p16:designElem xmlns:p16="http://schemas.microsoft.com/office/powerpoint/2015/main" val="1"/>
+              </p:ext>
+            </p:extLst>
+          </p:nvPr>
+        </p:nvSpPr>
+        <p:spPr>
+          <a:xfrm rot="5400000">
+            <a:off x="759921" y="346791"/>
+            <a:ext cx="146304" cy="704088"/>
+          </a:xfrm>
+          <a:prstGeom prst="rect">
+            <a:avLst/>
+          </a:prstGeom>
+          <a:solidFill>
+            <a:schemeClr val="accent2"/>
+          </a:solidFill>
+          <a:ln>
+            <a:noFill/>
+          </a:ln>
+        </p:spPr>
+        <p:style>
+          <a:lnRef idx="2">
+            <a:schemeClr val="accent1">
+              <a:shade val="50000"/>
+            </a:schemeClr>
+          </a:lnRef>
+          <a:fillRef idx="1">
+            <a:schemeClr val="accent1"/>
+          </a:fillRef>
+          <a:effectRef idx="0">
+            <a:schemeClr val="accent1"/>
+          </a:effectRef>
+          <a:fontRef idx="minor">
+            <a:schemeClr val="lt1"/>
+          </a:fontRef>
+        </p:style>
+        <p:txBody>
+          <a:bodyPr rtlCol="0" anchor="ctr"/>
+          <a:lstStyle/>
+          <a:p>
+            <a:pPr algn="ctr"/>
+            <a:endParaRPr lang="en-US">
+              <a:solidFill>
+                <a:prstClr val="white"/>
+              </a:solidFill>
+              <a:latin typeface="Calibri" panose="020F0502020204030204"/>
+            </a:endParaRPr>
+          </a:p>
+        </p:txBody>
+      </p:sp>
+      <p:sp>
+        <p:nvSpPr>
+          <p:cNvPr id="21" name="Rectangle 20">
+            <a:extLst>
+              <a:ext uri="{FF2B5EF4-FFF2-40B4-BE49-F238E27FC236}">
+                <a16:creationId xmlns:a16="http://schemas.microsoft.com/office/drawing/2014/main" id="{08C9B587-E65E-4B52-B37C-ABEBB6E87928}"/>
+              </a:ext>
+              <a:ext uri="{C183D7F6-B498-43B3-948B-1728B52AA6E4}">
+                <adec:decorative xmlns:adec="http://schemas.microsoft.com/office/drawing/2017/decorative" val="1"/>
+              </a:ext>
+            </a:extLst>
+          </p:cNvPr>
+          <p:cNvSpPr>
+            <a:spLocks noGrp="1" noRot="1" noChangeAspect="1" noMove="1" noResize="1" noEditPoints="1" noAdjustHandles="1" noChangeArrowheads="1" noChangeShapeType="1" noTextEdit="1"/>
+          </p:cNvSpPr>
+          <p:nvPr>
+            <p:extLst>
+              <p:ext uri="{386F3935-93C4-4BCD-93E2-E3B085C9AB24}">
+                <p16:designElem xmlns:p16="http://schemas.microsoft.com/office/powerpoint/2015/main" val="1"/>
+              </p:ext>
+            </p:extLst>
+          </p:nvPr>
+        </p:nvSpPr>
+        <p:spPr>
+          <a:xfrm>
+            <a:off x="481029" y="4546920"/>
+            <a:ext cx="3977640" cy="18288"/>
+          </a:xfrm>
+          <a:prstGeom prst="rect">
+            <a:avLst/>
+          </a:prstGeom>
+          <a:solidFill>
+            <a:schemeClr val="tx1"/>
+          </a:solidFill>
+          <a:ln w="3175">
+            <a:noFill/>
+          </a:ln>
+          <a:effectLst/>
+        </p:spPr>
+        <p:style>
+          <a:lnRef idx="2">
+            <a:schemeClr val="accent1">
+              <a:shade val="50000"/>
+            </a:schemeClr>
+          </a:lnRef>
+          <a:fillRef idx="1">
+            <a:schemeClr val="accent1"/>
+          </a:fillRef>
+          <a:effectRef idx="0">
+            <a:schemeClr val="accent1"/>
+          </a:effectRef>
+          <a:fontRef idx="minor">
+            <a:schemeClr val="lt1"/>
+          </a:fontRef>
+        </p:style>
+        <p:txBody>
+          <a:bodyPr rtlCol="0" anchor="ctr"/>
+          <a:lstStyle/>
+          <a:p>
+            <a:pPr marL="0" marR="0" lvl="0" indent="0" algn="ctr" defTabSz="914400" rtl="0" eaLnBrk="1" fontAlgn="auto" latinLnBrk="0" hangingPunct="1">
+              <a:lnSpc>
+                <a:spcPct val="100000"/>
+              </a:lnSpc>
+              <a:spcBef>
+                <a:spcPts val="0"/>
+              </a:spcBef>
+              <a:spcAft>
+                <a:spcPts val="0"/>
+              </a:spcAft>
+              <a:buClrTx/>
+              <a:buSzTx/>
+              <a:buFontTx/>
+              <a:buNone/>
+              <a:tabLst/>
+              <a:defRPr/>
+            </a:pPr>
+            <a:endParaRPr kumimoji="0" lang="en-US" sz="1800" b="0" i="0" u="none" strike="noStrike" kern="1200" cap="none" spc="0" normalizeH="0" baseline="0" noProof="0">
+              <a:ln>
+                <a:noFill/>
+              </a:ln>
+              <a:solidFill>
+                <a:prstClr val="white"/>
+              </a:solidFill>
+              <a:effectLst/>
+              <a:uLnTx/>
+              <a:uFillTx/>
+              <a:latin typeface="Calibri" panose="020F0502020204030204"/>
+              <a:ea typeface="+mn-ea"/>
+              <a:cs typeface="+mn-cs"/>
+            </a:endParaRPr>
+          </a:p>
+        </p:txBody>
+      </p:sp>
+      <p:sp>
+        <p:nvSpPr>
+          <p:cNvPr id="7" name="Title 1">
+            <a:extLst>
+              <a:ext uri="{FF2B5EF4-FFF2-40B4-BE49-F238E27FC236}">
+                <a16:creationId xmlns:a16="http://schemas.microsoft.com/office/drawing/2014/main" id="{E6DAE063-4796-F0AA-84C0-2F3F405AF081}"/>
+              </a:ext>
+            </a:extLst>
+          </p:cNvPr>
+          <p:cNvSpPr txBox="1">
+            <a:spLocks/>
+          </p:cNvSpPr>
+          <p:nvPr/>
+        </p:nvSpPr>
+        <p:spPr>
+          <a:xfrm>
+            <a:off x="683052" y="1019519"/>
+            <a:ext cx="4787271" cy="769043"/>
+          </a:xfrm>
+          <a:prstGeom prst="rect">
+            <a:avLst/>
+          </a:prstGeom>
+        </p:spPr>
+        <p:txBody>
+          <a:bodyPr vert="horz" lIns="91440" tIns="45720" rIns="91440" bIns="45720" rtlCol="0" anchor="b">
+            <a:normAutofit/>
+          </a:bodyPr>
+          <a:lstStyle>
+            <a:lvl1pPr algn="l" defTabSz="914400" rtl="0" eaLnBrk="1" latinLnBrk="0" hangingPunct="1">
+              <a:lnSpc>
+                <a:spcPct val="90000"/>
+              </a:lnSpc>
+              <a:spcBef>
+                <a:spcPct val="0"/>
+              </a:spcBef>
+              <a:buNone/>
+              <a:defRPr sz="4400" kern="1200">
+                <a:solidFill>
+                  <a:schemeClr val="tx1"/>
+                </a:solidFill>
+                <a:latin typeface="+mj-lt"/>
+                <a:ea typeface="+mj-ea"/>
+                <a:cs typeface="+mj-cs"/>
+              </a:defRPr>
+            </a:lvl1pPr>
+          </a:lstStyle>
+          <a:p>
+            <a:r>
+              <a:rPr lang="en-US" dirty="0" err="1">
+                <a:solidFill>
+                  <a:schemeClr val="bg1"/>
+                </a:solidFill>
+                <a:latin typeface="Cooper Black"/>
+                <a:cs typeface="Calibri Light"/>
+              </a:rPr>
+              <a:t>Conclusión</a:t>
+            </a:r>
+            <a:endParaRPr lang="en-US" dirty="0" err="1"/>
+          </a:p>
+        </p:txBody>
+      </p:sp>
+      <p:sp>
+        <p:nvSpPr>
+          <p:cNvPr id="2" name="TextBox 1">
+            <a:extLst>
+              <a:ext uri="{FF2B5EF4-FFF2-40B4-BE49-F238E27FC236}">
+                <a16:creationId xmlns:a16="http://schemas.microsoft.com/office/drawing/2014/main" id="{15B2CF83-F3B2-FB89-5737-1EE84365933F}"/>
+              </a:ext>
+            </a:extLst>
+          </p:cNvPr>
+          <p:cNvSpPr txBox="1"/>
+          <p:nvPr/>
+        </p:nvSpPr>
+        <p:spPr>
+          <a:xfrm>
+            <a:off x="521369" y="2499894"/>
+            <a:ext cx="7502357" cy="1200329"/>
+          </a:xfrm>
+          <a:prstGeom prst="rect">
+            <a:avLst/>
+          </a:prstGeom>
+          <a:noFill/>
+        </p:spPr>
+        <p:txBody>
+          <a:bodyPr rot="0" spcFirstLastPara="0" vertOverflow="overflow" horzOverflow="overflow" vert="horz" wrap="square" lIns="91440" tIns="45720" rIns="91440" bIns="45720" numCol="1" spcCol="0" rtlCol="0" fromWordArt="0" anchor="t" anchorCtr="0" forceAA="0" compatLnSpc="1">
+            <a:prstTxWarp prst="textNoShape">
+              <a:avLst/>
+            </a:prstTxWarp>
+            <a:spAutoFit/>
+          </a:bodyPr>
+          <a:lstStyle/>
+          <a:p>
+            <a:r>
+              <a:rPr lang="en-US" sz="2400" b="1" dirty="0">
+                <a:solidFill>
+                  <a:schemeClr val="bg1"/>
+                </a:solidFill>
+                <a:ea typeface="+mn-lt"/>
+                <a:cs typeface="+mn-lt"/>
+              </a:rPr>
+              <a:t>“No </a:t>
+            </a:r>
+            <a:r>
+              <a:rPr lang="en-US" sz="2400" b="1" err="1">
+                <a:solidFill>
+                  <a:schemeClr val="bg1"/>
+                </a:solidFill>
+                <a:ea typeface="+mn-lt"/>
+                <a:cs typeface="+mn-lt"/>
+              </a:rPr>
+              <a:t>temas</a:t>
+            </a:r>
+            <a:r>
+              <a:rPr lang="en-US" sz="2400" b="1" dirty="0">
+                <a:solidFill>
+                  <a:schemeClr val="bg1"/>
+                </a:solidFill>
+                <a:ea typeface="+mn-lt"/>
+                <a:cs typeface="+mn-lt"/>
+              </a:rPr>
+              <a:t> al </a:t>
+            </a:r>
+            <a:r>
+              <a:rPr lang="en-US" sz="2400" b="1" err="1">
+                <a:solidFill>
+                  <a:schemeClr val="bg1"/>
+                </a:solidFill>
+                <a:ea typeface="+mn-lt"/>
+                <a:cs typeface="+mn-lt"/>
+              </a:rPr>
+              <a:t>fracaso</a:t>
+            </a:r>
+            <a:r>
+              <a:rPr lang="en-US" sz="2400" b="1" dirty="0">
+                <a:solidFill>
+                  <a:schemeClr val="bg1"/>
+                </a:solidFill>
+                <a:ea typeface="+mn-lt"/>
+                <a:cs typeface="+mn-lt"/>
+              </a:rPr>
+              <a:t>, </a:t>
+            </a:r>
+            <a:r>
+              <a:rPr lang="en-US" sz="2400" b="1" err="1">
+                <a:solidFill>
+                  <a:schemeClr val="bg1"/>
+                </a:solidFill>
+                <a:ea typeface="+mn-lt"/>
+                <a:cs typeface="+mn-lt"/>
+              </a:rPr>
+              <a:t>sino</a:t>
+            </a:r>
+            <a:r>
+              <a:rPr lang="en-US" sz="2400" b="1" dirty="0">
+                <a:solidFill>
+                  <a:schemeClr val="bg1"/>
+                </a:solidFill>
+                <a:ea typeface="+mn-lt"/>
+                <a:cs typeface="+mn-lt"/>
+              </a:rPr>
+              <a:t> </a:t>
+            </a:r>
+            <a:r>
+              <a:rPr lang="en-US" sz="2400" b="1" err="1">
+                <a:solidFill>
+                  <a:schemeClr val="bg1"/>
+                </a:solidFill>
+                <a:ea typeface="+mn-lt"/>
+                <a:cs typeface="+mn-lt"/>
+              </a:rPr>
+              <a:t>más</a:t>
+            </a:r>
+            <a:r>
+              <a:rPr lang="en-US" sz="2400" b="1" dirty="0">
+                <a:solidFill>
+                  <a:schemeClr val="bg1"/>
+                </a:solidFill>
+                <a:ea typeface="+mn-lt"/>
+                <a:cs typeface="+mn-lt"/>
+              </a:rPr>
+              <a:t> bien a no </a:t>
+            </a:r>
+            <a:r>
+              <a:rPr lang="en-US" sz="2400" b="1" err="1">
+                <a:solidFill>
+                  <a:schemeClr val="bg1"/>
+                </a:solidFill>
+                <a:ea typeface="+mn-lt"/>
+                <a:cs typeface="+mn-lt"/>
+              </a:rPr>
+              <a:t>intentarlo</a:t>
+            </a:r>
+            <a:r>
+              <a:rPr lang="en-US" sz="2400" b="1" dirty="0">
+                <a:solidFill>
+                  <a:schemeClr val="bg1"/>
+                </a:solidFill>
+                <a:ea typeface="+mn-lt"/>
+                <a:cs typeface="+mn-lt"/>
+              </a:rPr>
+              <a:t>”.</a:t>
+            </a:r>
+          </a:p>
+          <a:p>
+            <a:endParaRPr lang="en-US" sz="2400" b="1" dirty="0">
+              <a:solidFill>
+                <a:schemeClr val="bg1"/>
+              </a:solidFill>
+              <a:cs typeface="Calibri"/>
+            </a:endParaRPr>
+          </a:p>
+          <a:p>
+            <a:r>
+              <a:rPr lang="en-US" sz="2400" dirty="0">
+                <a:solidFill>
+                  <a:schemeClr val="bg1"/>
+                </a:solidFill>
+                <a:ea typeface="+mn-lt"/>
+                <a:cs typeface="+mn-lt"/>
+              </a:rPr>
+              <a:t>― Roy T. Bennett, The Light in the Heart</a:t>
+            </a:r>
+            <a:endParaRPr lang="en-US" dirty="0"/>
+          </a:p>
+        </p:txBody>
+      </p:sp>
+    </p:spTree>
+    <p:extLst>
+      <p:ext uri="{BB962C8B-B14F-4D97-AF65-F5344CB8AC3E}">
+        <p14:creationId xmlns:p14="http://schemas.microsoft.com/office/powerpoint/2010/main" val="3521053612"/>
+      </p:ext>
+    </p:extLst>
+  </p:cSld>
+  <p:clrMapOvr>
+    <a:masterClrMapping/>
+  </p:clrMapOvr>
+  <mc:AlternateContent xmlns:mc="http://schemas.openxmlformats.org/markup-compatibility/2006" xmlns:p159="http://schemas.microsoft.com/office/powerpoint/2015/09/main">
+    <mc:Choice Requires="p159">
+      <p:transition xmlns:p14="http://schemas.microsoft.com/office/powerpoint/2010/main" spd="slow" p14:dur="2000">
+        <p159:morph option="byObject"/>
+      </p:transition>
+    </mc:Choice>
+    <mc:Fallback xmlns="">
+      <p:transition spd="slow">
+        <p:fade/>
+      </p:transition>
+    </mc:Fallback>
+  </mc:AlternateContent>
+</p:sld>
+</file>
+
+<file path=ppt/slides/slide6.xml><?xml version="1.0" encoding="utf-8"?>
+<p:sld xmlns:a="http://schemas.openxmlformats.org/drawingml/2006/main" xmlns:r="http://schemas.openxmlformats.org/officeDocument/2006/relationships" xmlns:p="http://schemas.openxmlformats.org/presentationml/2006/main">
+  <p:cSld>
+    <p:bg>
+      <p:bgPr>
+        <a:solidFill>
+          <a:schemeClr val="bg1"/>
+        </a:solidFill>
+        <a:effectLst/>
+      </p:bgPr>
+    </p:bg>
+    <p:spTree>
+      <p:nvGrpSpPr>
+        <p:cNvPr id="1" name=""/>
+        <p:cNvGrpSpPr/>
+        <p:nvPr/>
+      </p:nvGrpSpPr>
+      <p:grpSpPr>
+        <a:xfrm>
+          <a:off x="0" y="0"/>
+          <a:ext cx="0" cy="0"/>
+          <a:chOff x="0" y="0"/>
+          <a:chExt cx="0" cy="0"/>
+        </a:xfrm>
+      </p:grpSpPr>
+      <p:sp>
+        <p:nvSpPr>
+          <p:cNvPr id="10" name="Rectangle 9">
+            <a:extLst>
+              <a:ext uri="{FF2B5EF4-FFF2-40B4-BE49-F238E27FC236}">
+                <a16:creationId xmlns:a16="http://schemas.microsoft.com/office/drawing/2014/main" id="{281EB602-B3EF-172C-DB71-6CC76D83AFBE}"/>
+              </a:ext>
+              <a:ext uri="{C183D7F6-B498-43B3-948B-1728B52AA6E4}">
+                <adec:decorative xmlns:adec="http://schemas.microsoft.com/office/drawing/2017/decorative" val="1"/>
+              </a:ext>
+            </a:extLst>
+          </p:cNvPr>
+          <p:cNvSpPr>
+            <a:spLocks noGrp="1" noRot="1" noChangeAspect="1" noMove="1" noResize="1" noEditPoints="1" noAdjustHandles="1" noChangeArrowheads="1" noChangeShapeType="1" noTextEdit="1"/>
+          </p:cNvSpPr>
+          <p:nvPr>
+            <p:extLst>
+              <p:ext uri="{386F3935-93C4-4BCD-93E2-E3B085C9AB24}">
+                <p16:designElem xmlns:p16="http://schemas.microsoft.com/office/powerpoint/2015/main" val="1"/>
+              </p:ext>
+            </p:extLst>
+          </p:nvPr>
+        </p:nvSpPr>
+        <p:spPr>
+          <a:xfrm rot="10800000">
+            <a:off x="0" y="0"/>
+            <a:ext cx="7042468" cy="6858847"/>
+          </a:xfrm>
+          <a:prstGeom prst="rect">
+            <a:avLst/>
+          </a:prstGeom>
+          <a:gradFill>
+            <a:gsLst>
+              <a:gs pos="0">
+                <a:schemeClr val="accent5"/>
+              </a:gs>
+              <a:gs pos="100000">
+                <a:schemeClr val="accent2"/>
+              </a:gs>
+            </a:gsLst>
+            <a:lin ang="4200000" scaled="0"/>
+          </a:gradFill>
+          <a:ln>
+            <a:noFill/>
+          </a:ln>
+        </p:spPr>
+        <p:style>
+          <a:lnRef idx="2">
+            <a:schemeClr val="accent1">
+              <a:shade val="50000"/>
+            </a:schemeClr>
+          </a:lnRef>
+          <a:fillRef idx="1">
+            <a:schemeClr val="accent1"/>
+          </a:fillRef>
+          <a:effectRef idx="0">
+            <a:schemeClr val="accent1"/>
+          </a:effectRef>
+          <a:fontRef idx="minor">
+            <a:schemeClr val="lt1"/>
+          </a:fontRef>
+        </p:style>
+        <p:txBody>
+          <a:bodyPr rtlCol="0" anchor="ctr"/>
+          <a:lstStyle/>
+          <a:p>
+            <a:pPr algn="ctr"/>
+            <a:endParaRPr lang="en-US"/>
+          </a:p>
+        </p:txBody>
+      </p:sp>
+      <p:sp>
+        <p:nvSpPr>
+          <p:cNvPr id="12" name="Rectangle 11">
+            <a:extLst>
+              <a:ext uri="{FF2B5EF4-FFF2-40B4-BE49-F238E27FC236}">
+                <a16:creationId xmlns:a16="http://schemas.microsoft.com/office/drawing/2014/main" id="{D7739538-A9CC-0495-611A-FC1E05A71E71}"/>
+              </a:ext>
+              <a:ext uri="{C183D7F6-B498-43B3-948B-1728B52AA6E4}">
+                <adec:decorative xmlns:adec="http://schemas.microsoft.com/office/drawing/2017/decorative" val="1"/>
+              </a:ext>
+            </a:extLst>
+          </p:cNvPr>
+          <p:cNvSpPr>
+            <a:spLocks noGrp="1" noRot="1" noChangeAspect="1" noMove="1" noResize="1" noEditPoints="1" noAdjustHandles="1" noChangeArrowheads="1" noChangeShapeType="1" noTextEdit="1"/>
+          </p:cNvSpPr>
+          <p:nvPr>
+            <p:extLst>
+              <p:ext uri="{386F3935-93C4-4BCD-93E2-E3B085C9AB24}">
+                <p16:designElem xmlns:p16="http://schemas.microsoft.com/office/powerpoint/2015/main" val="1"/>
+              </p:ext>
+            </p:extLst>
+          </p:nvPr>
+        </p:nvSpPr>
+        <p:spPr>
+          <a:xfrm>
+            <a:off x="0" y="1785842"/>
+            <a:ext cx="7042468" cy="5073386"/>
+          </a:xfrm>
+          <a:prstGeom prst="rect">
+            <a:avLst/>
+          </a:prstGeom>
+          <a:gradFill flip="none" rotWithShape="1">
+            <a:gsLst>
+              <a:gs pos="3000">
+                <a:schemeClr val="accent2"/>
+              </a:gs>
+              <a:gs pos="40000">
+                <a:schemeClr val="accent2">
+                  <a:alpha val="0"/>
+                </a:schemeClr>
+              </a:gs>
+            </a:gsLst>
+            <a:lin ang="17400000" scaled="0"/>
+            <a:tileRect/>
+          </a:gradFill>
+          <a:ln>
+            <a:noFill/>
+          </a:ln>
+        </p:spPr>
+        <p:style>
+          <a:lnRef idx="2">
+            <a:schemeClr val="accent1">
+              <a:shade val="50000"/>
+            </a:schemeClr>
+          </a:lnRef>
+          <a:fillRef idx="1">
+            <a:schemeClr val="accent1"/>
+          </a:fillRef>
+          <a:effectRef idx="0">
+            <a:schemeClr val="accent1"/>
+          </a:effectRef>
+          <a:fontRef idx="minor">
+            <a:schemeClr val="lt1"/>
+          </a:fontRef>
+        </p:style>
+        <p:txBody>
+          <a:bodyPr rtlCol="0" anchor="ctr"/>
+          <a:lstStyle/>
+          <a:p>
+            <a:pPr algn="ctr"/>
+            <a:endParaRPr lang="en-US"/>
+          </a:p>
+        </p:txBody>
+      </p:sp>
+      <p:sp>
+        <p:nvSpPr>
+          <p:cNvPr id="14" name="Rectangle 13">
+            <a:extLst>
+              <a:ext uri="{FF2B5EF4-FFF2-40B4-BE49-F238E27FC236}">
+                <a16:creationId xmlns:a16="http://schemas.microsoft.com/office/drawing/2014/main" id="{07C8FBA2-0111-985C-067B-6EEB34A5AF39}"/>
+              </a:ext>
+              <a:ext uri="{C183D7F6-B498-43B3-948B-1728B52AA6E4}">
+                <adec:decorative xmlns:adec="http://schemas.microsoft.com/office/drawing/2017/decorative" val="1"/>
+              </a:ext>
+            </a:extLst>
+          </p:cNvPr>
+          <p:cNvSpPr>
+            <a:spLocks noGrp="1" noRot="1" noChangeAspect="1" noMove="1" noResize="1" noEditPoints="1" noAdjustHandles="1" noChangeArrowheads="1" noChangeShapeType="1" noTextEdit="1"/>
+          </p:cNvSpPr>
+          <p:nvPr>
+            <p:extLst>
+              <p:ext uri="{386F3935-93C4-4BCD-93E2-E3B085C9AB24}">
+                <p16:designElem xmlns:p16="http://schemas.microsoft.com/office/powerpoint/2015/main" val="1"/>
+              </p:ext>
+            </p:extLst>
+          </p:nvPr>
+        </p:nvSpPr>
+        <p:spPr>
+          <a:xfrm>
+            <a:off x="-2" y="-380"/>
+            <a:ext cx="5443442" cy="6854193"/>
+          </a:xfrm>
+          <a:prstGeom prst="rect">
+            <a:avLst/>
+          </a:prstGeom>
+          <a:gradFill>
+            <a:gsLst>
+              <a:gs pos="0">
+                <a:schemeClr val="accent5">
+                  <a:alpha val="76000"/>
+                </a:schemeClr>
+              </a:gs>
+              <a:gs pos="46000">
+                <a:schemeClr val="accent2">
+                  <a:alpha val="0"/>
+                </a:schemeClr>
+              </a:gs>
+            </a:gsLst>
+            <a:lin ang="3600000" scaled="0"/>
+          </a:gradFill>
+          <a:ln>
+            <a:noFill/>
+          </a:ln>
+        </p:spPr>
+        <p:style>
+          <a:lnRef idx="2">
+            <a:schemeClr val="accent1">
+              <a:shade val="50000"/>
+            </a:schemeClr>
+          </a:lnRef>
+          <a:fillRef idx="1">
+            <a:schemeClr val="accent1"/>
+          </a:fillRef>
+          <a:effectRef idx="0">
+            <a:schemeClr val="accent1"/>
+          </a:effectRef>
+          <a:fontRef idx="minor">
+            <a:schemeClr val="lt1"/>
+          </a:fontRef>
+        </p:style>
+        <p:txBody>
+          <a:bodyPr rtlCol="0" anchor="ctr"/>
+          <a:lstStyle/>
+          <a:p>
+            <a:pPr algn="ctr"/>
+            <a:endParaRPr lang="en-US"/>
+          </a:p>
+        </p:txBody>
+      </p:sp>
+      <p:sp>
+        <p:nvSpPr>
+          <p:cNvPr id="16" name="Rectangle 15">
+            <a:extLst>
+              <a:ext uri="{FF2B5EF4-FFF2-40B4-BE49-F238E27FC236}">
+                <a16:creationId xmlns:a16="http://schemas.microsoft.com/office/drawing/2014/main" id="{353573F1-437D-2053-4E31-36508DA2058A}"/>
+              </a:ext>
+              <a:ext uri="{C183D7F6-B498-43B3-948B-1728B52AA6E4}">
+                <adec:decorative xmlns:adec="http://schemas.microsoft.com/office/drawing/2017/decorative" val="1"/>
+              </a:ext>
+            </a:extLst>
+          </p:cNvPr>
+          <p:cNvSpPr>
+            <a:spLocks noGrp="1" noRot="1" noChangeAspect="1" noMove="1" noResize="1" noEditPoints="1" noAdjustHandles="1" noChangeArrowheads="1" noChangeShapeType="1" noTextEdit="1"/>
+          </p:cNvSpPr>
+          <p:nvPr>
+            <p:extLst>
+              <p:ext uri="{386F3935-93C4-4BCD-93E2-E3B085C9AB24}">
+                <p16:designElem xmlns:p16="http://schemas.microsoft.com/office/powerpoint/2015/main" val="1"/>
+              </p:ext>
+            </p:extLst>
+          </p:nvPr>
+        </p:nvSpPr>
+        <p:spPr>
+          <a:xfrm rot="10800000">
+            <a:off x="2373467" y="26096"/>
+            <a:ext cx="4669002" cy="6827716"/>
+          </a:xfrm>
+          <a:prstGeom prst="rect">
+            <a:avLst/>
+          </a:prstGeom>
+          <a:gradFill flip="none" rotWithShape="1">
+            <a:gsLst>
+              <a:gs pos="0">
+                <a:schemeClr val="accent5">
+                  <a:lumMod val="75000"/>
+                  <a:alpha val="55000"/>
+                </a:schemeClr>
+              </a:gs>
+              <a:gs pos="45000">
+                <a:schemeClr val="accent5">
+                  <a:alpha val="0"/>
+                </a:schemeClr>
+              </a:gs>
+            </a:gsLst>
+            <a:lin ang="1800000" scaled="0"/>
+            <a:tileRect/>
+          </a:gradFill>
+          <a:ln w="12700" cap="flat" cmpd="sng" algn="ctr">
+            <a:noFill/>
+            <a:prstDash val="solid"/>
+            <a:miter lim="800000"/>
+          </a:ln>
+          <a:effectLst/>
+        </p:spPr>
+        <p:style>
+          <a:lnRef idx="2">
+            <a:schemeClr val="accent1">
+              <a:shade val="50000"/>
+            </a:schemeClr>
+          </a:lnRef>
+          <a:fillRef idx="1">
+            <a:schemeClr val="accent1"/>
+          </a:fillRef>
+          <a:effectRef idx="0">
+            <a:schemeClr val="accent1"/>
+          </a:effectRef>
+          <a:fontRef idx="minor">
+            <a:schemeClr val="lt1"/>
+          </a:fontRef>
+        </p:style>
+        <p:txBody>
+          <a:bodyPr rtlCol="0" anchor="ctr"/>
+          <a:lstStyle/>
+          <a:p>
+            <a:pPr algn="r"/>
+            <a:endParaRPr lang="en-US"/>
+          </a:p>
+        </p:txBody>
+      </p:sp>
       <p:sp>
         <p:nvSpPr>
           <p:cNvPr id="2" name="Title 1">
             <a:extLst>
               <a:ext uri="{FF2B5EF4-FFF2-40B4-BE49-F238E27FC236}">
-                <a16:creationId xmlns:a16="http://schemas.microsoft.com/office/drawing/2014/main" id="{99F3E9CD-FAD7-BDC0-C705-9E6D8CFDB659}"/>
+                <a16:creationId xmlns:a16="http://schemas.microsoft.com/office/drawing/2014/main" id="{5C4B18DB-F0FB-7D38-994F-67A556D6B3A3}"/>
               </a:ext>
             </a:extLst>
           </p:cNvPr>
@@ -8314,8 +10944,8 @@
         </p:nvSpPr>
         <p:spPr>
           <a:xfrm>
-            <a:off x="643468" y="643467"/>
-            <a:ext cx="4620584" cy="4567137"/>
+            <a:off x="1164057" y="1175336"/>
+            <a:ext cx="4722119" cy="2495970"/>
           </a:xfrm>
         </p:spPr>
         <p:txBody>
@@ -8324,20 +10954,27 @@
           </a:bodyPr>
           <a:lstStyle/>
           <a:p>
-            <a:r>
-              <a:rPr lang="en-US"/>
-              <a:t>Benefits</a:t>
-            </a:r>
-            <a:endParaRPr lang="en-US" dirty="0"/>
+            <a:pPr algn="ctr"/>
+            <a:r>
+              <a:rPr lang="en-US" sz="4800" kern="1200">
+                <a:solidFill>
+                  <a:srgbClr val="FFFFFF"/>
+                </a:solidFill>
+                <a:latin typeface="+mj-lt"/>
+                <a:ea typeface="+mj-ea"/>
+                <a:cs typeface="+mj-cs"/>
+              </a:rPr>
+              <a:t>Muchas Gracias</a:t>
+            </a:r>
           </a:p>
         </p:txBody>
       </p:sp>
       <p:pic>
         <p:nvPicPr>
-          <p:cNvPr id="5" name="Picture 4" descr="A black umbrella over a piggybank">
+          <p:cNvPr id="7" name="Graphic 6" descr="Handshake">
             <a:extLst>
               <a:ext uri="{FF2B5EF4-FFF2-40B4-BE49-F238E27FC236}">
-                <a16:creationId xmlns:a16="http://schemas.microsoft.com/office/drawing/2014/main" id="{55B55040-7BED-ACF0-DDFC-9FBEE7B1422D}"/>
+                <a16:creationId xmlns:a16="http://schemas.microsoft.com/office/drawing/2014/main" id="{83C9D2F3-60E0-CF4C-19E0-792F9974DDA4}"/>
               </a:ext>
             </a:extLst>
           </p:cNvPr>
@@ -8346,495 +10983,53 @@
           </p:cNvPicPr>
           <p:nvPr/>
         </p:nvPicPr>
-        <p:blipFill rotWithShape="1">
-          <a:blip r:embed="rId2"/>
-          <a:srcRect l="14037" r="15907" b="-9"/>
-          <a:stretch/>
+        <p:blipFill>
+          <a:blip r:embed="rId2">
+            <a:extLst>
+              <a:ext uri="{28A0092B-C50C-407E-A947-70E740481C1C}">
+                <a14:useLocalDpi xmlns:a14="http://schemas.microsoft.com/office/drawing/2010/main" val="0"/>
+              </a:ext>
+              <a:ext uri="{96DAC541-7B7A-43D3-8B79-37D633B846F1}">
+                <asvg:svgBlip xmlns:asvg="http://schemas.microsoft.com/office/drawing/2016/SVG/main" r:embed="rId3"/>
+              </a:ext>
+            </a:extLst>
+          </a:blip>
+          <a:stretch>
+            <a:fillRect/>
+          </a:stretch>
         </p:blipFill>
         <p:spPr>
           <a:xfrm>
-            <a:off x="6229215" y="10"/>
-            <a:ext cx="3641067" cy="4190991"/>
+            <a:off x="7907482" y="1724891"/>
+            <a:ext cx="3408218" cy="3408218"/>
           </a:xfrm>
-          <a:custGeom>
+          <a:prstGeom prst="rect">
             <a:avLst/>
-            <a:gdLst/>
-            <a:ahLst/>
-            <a:cxnLst/>
-            <a:rect l="l" t="t" r="r" b="b"/>
-            <a:pathLst>
-              <a:path w="5962785" h="6858000">
-                <a:moveTo>
-                  <a:pt x="1044839" y="0"/>
-                </a:moveTo>
-                <a:lnTo>
-                  <a:pt x="5962785" y="0"/>
-                </a:lnTo>
-                <a:lnTo>
-                  <a:pt x="5962785" y="6858000"/>
-                </a:lnTo>
-                <a:lnTo>
-                  <a:pt x="1469886" y="6858000"/>
-                </a:lnTo>
-                <a:lnTo>
-                  <a:pt x="1416006" y="6823984"/>
-                </a:lnTo>
-                <a:cubicBezTo>
-                  <a:pt x="1356767" y="6787940"/>
-                  <a:pt x="1296437" y="6755500"/>
-                  <a:pt x="1232473" y="6733873"/>
-                </a:cubicBezTo>
-                <a:cubicBezTo>
-                  <a:pt x="1145250" y="6705037"/>
-                  <a:pt x="1060933" y="6654575"/>
-                  <a:pt x="1075471" y="6503186"/>
-                </a:cubicBezTo>
-                <a:cubicBezTo>
-                  <a:pt x="1078378" y="6459932"/>
-                  <a:pt x="1055118" y="6427493"/>
-                  <a:pt x="1020229" y="6438306"/>
-                </a:cubicBezTo>
-                <a:cubicBezTo>
-                  <a:pt x="953358" y="6459932"/>
-                  <a:pt x="921375" y="6398656"/>
-                  <a:pt x="883579" y="6351798"/>
-                </a:cubicBezTo>
-                <a:cubicBezTo>
-                  <a:pt x="816707" y="6268895"/>
-                  <a:pt x="752743" y="6182387"/>
-                  <a:pt x="645167" y="6167969"/>
-                </a:cubicBezTo>
-                <a:cubicBezTo>
-                  <a:pt x="665519" y="6103088"/>
-                  <a:pt x="700408" y="6110298"/>
-                  <a:pt x="732391" y="6124716"/>
-                </a:cubicBezTo>
-                <a:cubicBezTo>
-                  <a:pt x="816707" y="6160761"/>
-                  <a:pt x="901023" y="6200410"/>
-                  <a:pt x="985339" y="6236455"/>
-                </a:cubicBezTo>
-                <a:cubicBezTo>
-                  <a:pt x="1040581" y="6258081"/>
-                  <a:pt x="1095822" y="6290522"/>
-                  <a:pt x="1168509" y="6265291"/>
-                </a:cubicBezTo>
-                <a:cubicBezTo>
-                  <a:pt x="1104545" y="6135530"/>
-                  <a:pt x="996969" y="6110298"/>
-                  <a:pt x="909746" y="6070649"/>
-                </a:cubicBezTo>
-                <a:cubicBezTo>
-                  <a:pt x="802169" y="6020185"/>
-                  <a:pt x="738206" y="5926470"/>
-                  <a:pt x="659704" y="5818335"/>
-                </a:cubicBezTo>
-                <a:cubicBezTo>
-                  <a:pt x="738206" y="5789500"/>
-                  <a:pt x="787632" y="5868798"/>
-                  <a:pt x="851597" y="5865193"/>
-                </a:cubicBezTo>
-                <a:cubicBezTo>
-                  <a:pt x="854504" y="5854380"/>
-                  <a:pt x="860319" y="5832753"/>
-                  <a:pt x="860319" y="5832753"/>
-                </a:cubicBezTo>
-                <a:cubicBezTo>
-                  <a:pt x="755650" y="5775081"/>
-                  <a:pt x="709132" y="5666947"/>
-                  <a:pt x="691686" y="5533581"/>
-                </a:cubicBezTo>
-                <a:cubicBezTo>
-                  <a:pt x="685872" y="5465095"/>
-                  <a:pt x="648075" y="5443468"/>
-                  <a:pt x="610278" y="5411029"/>
-                </a:cubicBezTo>
-                <a:cubicBezTo>
-                  <a:pt x="482350" y="5299289"/>
-                  <a:pt x="345700" y="5198364"/>
-                  <a:pt x="238123" y="5046976"/>
-                </a:cubicBezTo>
-                <a:cubicBezTo>
-                  <a:pt x="363144" y="5064998"/>
-                  <a:pt x="461997" y="5165924"/>
-                  <a:pt x="592833" y="5209177"/>
-                </a:cubicBezTo>
-                <a:cubicBezTo>
-                  <a:pt x="488165" y="5043371"/>
-                  <a:pt x="351514" y="4956864"/>
-                  <a:pt x="226494" y="4855939"/>
-                </a:cubicBezTo>
-                <a:cubicBezTo>
-                  <a:pt x="168344" y="4809081"/>
-                  <a:pt x="116011" y="4751408"/>
-                  <a:pt x="49139" y="4726177"/>
-                </a:cubicBezTo>
-                <a:cubicBezTo>
-                  <a:pt x="25879" y="4718968"/>
-                  <a:pt x="-14825" y="4700947"/>
-                  <a:pt x="5527" y="4650483"/>
-                </a:cubicBezTo>
-                <a:cubicBezTo>
-                  <a:pt x="22972" y="4607230"/>
-                  <a:pt x="54954" y="4621648"/>
-                  <a:pt x="84029" y="4632460"/>
-                </a:cubicBezTo>
-                <a:cubicBezTo>
-                  <a:pt x="153807" y="4661296"/>
-                  <a:pt x="229401" y="4661296"/>
-                  <a:pt x="325347" y="4661296"/>
-                </a:cubicBezTo>
-                <a:cubicBezTo>
-                  <a:pt x="243939" y="4524326"/>
-                  <a:pt x="95658" y="4567580"/>
-                  <a:pt x="25879" y="4423401"/>
-                </a:cubicBezTo>
-                <a:cubicBezTo>
-                  <a:pt x="113103" y="4398170"/>
-                  <a:pt x="179975" y="4448632"/>
-                  <a:pt x="249753" y="4459446"/>
-                </a:cubicBezTo>
-                <a:cubicBezTo>
-                  <a:pt x="313718" y="4470259"/>
-                  <a:pt x="328254" y="4445028"/>
-                  <a:pt x="313718" y="4365729"/>
-                </a:cubicBezTo>
-                <a:cubicBezTo>
-                  <a:pt x="290458" y="4243177"/>
-                  <a:pt x="325347" y="4181900"/>
-                  <a:pt x="418386" y="4214341"/>
-                </a:cubicBezTo>
-                <a:cubicBezTo>
-                  <a:pt x="505609" y="4246781"/>
-                  <a:pt x="514332" y="4199922"/>
-                  <a:pt x="491072" y="4131438"/>
-                </a:cubicBezTo>
-                <a:cubicBezTo>
-                  <a:pt x="456183" y="4030512"/>
-                  <a:pt x="493979" y="3951214"/>
-                  <a:pt x="520147" y="3864706"/>
-                </a:cubicBezTo>
-                <a:cubicBezTo>
-                  <a:pt x="560851" y="3734945"/>
-                  <a:pt x="543407" y="3670064"/>
-                  <a:pt x="459090" y="3572743"/>
-                </a:cubicBezTo>
-                <a:cubicBezTo>
-                  <a:pt x="409664" y="3518676"/>
-                  <a:pt x="360236" y="3471818"/>
-                  <a:pt x="290458" y="3424959"/>
-                </a:cubicBezTo>
-                <a:cubicBezTo>
-                  <a:pt x="450368" y="3399728"/>
-                  <a:pt x="284643" y="3313221"/>
-                  <a:pt x="339884" y="3259153"/>
-                </a:cubicBezTo>
-                <a:cubicBezTo>
-                  <a:pt x="453275" y="3237527"/>
-                  <a:pt x="543407" y="3410542"/>
-                  <a:pt x="697501" y="3360078"/>
-                </a:cubicBezTo>
-                <a:cubicBezTo>
-                  <a:pt x="511425" y="3212294"/>
-                  <a:pt x="302087" y="3165436"/>
-                  <a:pt x="165437" y="2967190"/>
-                </a:cubicBezTo>
-                <a:cubicBezTo>
-                  <a:pt x="197419" y="2923937"/>
-                  <a:pt x="229401" y="2967190"/>
-                  <a:pt x="255568" y="2949167"/>
-                </a:cubicBezTo>
-                <a:cubicBezTo>
-                  <a:pt x="255568" y="2938354"/>
-                  <a:pt x="560851" y="3006840"/>
-                  <a:pt x="578296" y="2725691"/>
-                </a:cubicBezTo>
-                <a:cubicBezTo>
-                  <a:pt x="584111" y="2725691"/>
-                  <a:pt x="589926" y="2725691"/>
-                  <a:pt x="595740" y="2714876"/>
-                </a:cubicBezTo>
-                <a:cubicBezTo>
-                  <a:pt x="627722" y="2675228"/>
-                  <a:pt x="598648" y="2581510"/>
-                  <a:pt x="650982" y="2574301"/>
-                </a:cubicBezTo>
-                <a:cubicBezTo>
-                  <a:pt x="709132" y="2567092"/>
-                  <a:pt x="764373" y="2534653"/>
-                  <a:pt x="825429" y="2552674"/>
-                </a:cubicBezTo>
-                <a:cubicBezTo>
-                  <a:pt x="871949" y="2567092"/>
-                  <a:pt x="921375" y="2585115"/>
-                  <a:pt x="970802" y="2585115"/>
-                </a:cubicBezTo>
-                <a:cubicBezTo>
-                  <a:pt x="1023136" y="2585115"/>
-                  <a:pt x="1095822" y="2707668"/>
-                  <a:pt x="1127805" y="2545465"/>
-                </a:cubicBezTo>
-                <a:cubicBezTo>
-                  <a:pt x="1127805" y="2538257"/>
-                  <a:pt x="1217936" y="2556280"/>
-                  <a:pt x="1267362" y="2563488"/>
-                </a:cubicBezTo>
-                <a:cubicBezTo>
-                  <a:pt x="1308067" y="2570698"/>
-                  <a:pt x="1357494" y="2603137"/>
-                  <a:pt x="1386568" y="2538257"/>
-                </a:cubicBezTo>
-                <a:cubicBezTo>
-                  <a:pt x="1401105" y="2498607"/>
-                  <a:pt x="1331326" y="2426518"/>
-                  <a:pt x="1270270" y="2419309"/>
-                </a:cubicBezTo>
-                <a:cubicBezTo>
-                  <a:pt x="1215029" y="2412101"/>
-                  <a:pt x="1159787" y="2404892"/>
-                  <a:pt x="1107453" y="2419309"/>
-                </a:cubicBezTo>
-                <a:cubicBezTo>
-                  <a:pt x="1043489" y="2437331"/>
-                  <a:pt x="1008599" y="2408495"/>
-                  <a:pt x="991154" y="2343615"/>
-                </a:cubicBezTo>
-                <a:cubicBezTo>
-                  <a:pt x="970802" y="2275131"/>
-                  <a:pt x="933005" y="2239085"/>
-                  <a:pt x="880671" y="2206645"/>
-                </a:cubicBezTo>
-                <a:cubicBezTo>
-                  <a:pt x="752743" y="2127346"/>
-                  <a:pt x="630630" y="2033629"/>
-                  <a:pt x="491072" y="1986771"/>
-                </a:cubicBezTo>
-                <a:cubicBezTo>
-                  <a:pt x="464905" y="1979562"/>
-                  <a:pt x="432923" y="1965145"/>
-                  <a:pt x="421293" y="1903868"/>
-                </a:cubicBezTo>
-                <a:cubicBezTo>
-                  <a:pt x="799262" y="1997584"/>
-                  <a:pt x="1142342" y="2239085"/>
-                  <a:pt x="1531941" y="2224667"/>
-                </a:cubicBezTo>
-                <a:cubicBezTo>
-                  <a:pt x="1427272" y="2148974"/>
-                  <a:pt x="1302252" y="2145369"/>
-                  <a:pt x="1188861" y="2091301"/>
-                </a:cubicBezTo>
-                <a:cubicBezTo>
-                  <a:pt x="1270270" y="2051652"/>
-                  <a:pt x="1345864" y="2094906"/>
-                  <a:pt x="1421458" y="2116532"/>
-                </a:cubicBezTo>
-                <a:cubicBezTo>
-                  <a:pt x="1485422" y="2134554"/>
-                  <a:pt x="1543571" y="2138160"/>
-                  <a:pt x="1549386" y="2026420"/>
-                </a:cubicBezTo>
-                <a:cubicBezTo>
-                  <a:pt x="1549386" y="2015607"/>
-                  <a:pt x="1549386" y="2008398"/>
-                  <a:pt x="1549386" y="1997584"/>
-                </a:cubicBezTo>
-                <a:cubicBezTo>
-                  <a:pt x="1526126" y="1950727"/>
-                  <a:pt x="1494144" y="1929099"/>
-                  <a:pt x="1453440" y="1914682"/>
-                </a:cubicBezTo>
-                <a:cubicBezTo>
-                  <a:pt x="1430180" y="1907473"/>
-                  <a:pt x="1398198" y="1893056"/>
-                  <a:pt x="1398198" y="1860614"/>
-                </a:cubicBezTo>
-                <a:cubicBezTo>
-                  <a:pt x="1401105" y="1738063"/>
-                  <a:pt x="1322604" y="1702018"/>
-                  <a:pt x="1247011" y="1665972"/>
-                </a:cubicBezTo>
-                <a:cubicBezTo>
-                  <a:pt x="1287715" y="1604696"/>
-                  <a:pt x="1322604" y="1647950"/>
-                  <a:pt x="1354586" y="1644345"/>
-                </a:cubicBezTo>
-                <a:cubicBezTo>
-                  <a:pt x="1374939" y="1640741"/>
-                  <a:pt x="1395290" y="1637138"/>
-                  <a:pt x="1395290" y="1604696"/>
-                </a:cubicBezTo>
-                <a:cubicBezTo>
-                  <a:pt x="1395290" y="1579465"/>
-                  <a:pt x="1386568" y="1547025"/>
-                  <a:pt x="1366216" y="1547025"/>
-                </a:cubicBezTo>
-                <a:cubicBezTo>
-                  <a:pt x="1238288" y="1543420"/>
-                  <a:pt x="1165601" y="1370405"/>
-                  <a:pt x="1031858" y="1370405"/>
-                </a:cubicBezTo>
-                <a:cubicBezTo>
-                  <a:pt x="950450" y="1370405"/>
-                  <a:pt x="1072563" y="1273083"/>
-                  <a:pt x="1005692" y="1233435"/>
-                </a:cubicBezTo>
-                <a:cubicBezTo>
-                  <a:pt x="991154" y="1222621"/>
-                  <a:pt x="1046396" y="1208203"/>
-                  <a:pt x="1069655" y="1211808"/>
-                </a:cubicBezTo>
-                <a:cubicBezTo>
-                  <a:pt x="1092915" y="1215412"/>
-                  <a:pt x="1113268" y="1240644"/>
-                  <a:pt x="1142342" y="1222621"/>
-                </a:cubicBezTo>
-                <a:cubicBezTo>
-                  <a:pt x="1156879" y="1157741"/>
-                  <a:pt x="1119082" y="1132510"/>
-                  <a:pt x="1084193" y="1114487"/>
-                </a:cubicBezTo>
-                <a:cubicBezTo>
-                  <a:pt x="1008599" y="1071234"/>
-                  <a:pt x="933005" y="1020771"/>
-                  <a:pt x="848689" y="1006353"/>
-                </a:cubicBezTo>
-                <a:cubicBezTo>
-                  <a:pt x="819615" y="1002748"/>
-                  <a:pt x="802169" y="984726"/>
-                  <a:pt x="805077" y="948681"/>
-                </a:cubicBezTo>
-                <a:cubicBezTo>
-                  <a:pt x="810892" y="901822"/>
-                  <a:pt x="839967" y="916240"/>
-                  <a:pt x="863226" y="919844"/>
-                </a:cubicBezTo>
-                <a:cubicBezTo>
-                  <a:pt x="877764" y="923450"/>
-                  <a:pt x="892301" y="934263"/>
-                  <a:pt x="906838" y="909031"/>
-                </a:cubicBezTo>
-                <a:cubicBezTo>
-                  <a:pt x="566666" y="653113"/>
-                  <a:pt x="386404" y="667532"/>
-                  <a:pt x="5527" y="458471"/>
-                </a:cubicBezTo>
-                <a:cubicBezTo>
-                  <a:pt x="89843" y="418822"/>
-                  <a:pt x="150900" y="447658"/>
-                  <a:pt x="209049" y="454867"/>
-                </a:cubicBezTo>
-                <a:cubicBezTo>
-                  <a:pt x="354422" y="472890"/>
-                  <a:pt x="264290" y="505329"/>
-                  <a:pt x="409664" y="526956"/>
-                </a:cubicBezTo>
-                <a:cubicBezTo>
-                  <a:pt x="479443" y="537770"/>
-                  <a:pt x="543407" y="573815"/>
-                  <a:pt x="621908" y="516143"/>
-                </a:cubicBezTo>
-                <a:cubicBezTo>
-                  <a:pt x="674242" y="476494"/>
-                  <a:pt x="758558" y="519747"/>
-                  <a:pt x="822522" y="552188"/>
-                </a:cubicBezTo>
-                <a:cubicBezTo>
-                  <a:pt x="874856" y="581024"/>
-                  <a:pt x="927190" y="588232"/>
-                  <a:pt x="996969" y="552188"/>
-                </a:cubicBezTo>
-                <a:cubicBezTo>
-                  <a:pt x="933005" y="530562"/>
-                  <a:pt x="883579" y="512539"/>
-                  <a:pt x="834151" y="498120"/>
-                </a:cubicBezTo>
-                <a:cubicBezTo>
-                  <a:pt x="793447" y="487307"/>
-                  <a:pt x="770187" y="462076"/>
-                  <a:pt x="773095" y="408008"/>
-                </a:cubicBezTo>
-                <a:cubicBezTo>
-                  <a:pt x="773095" y="379172"/>
-                  <a:pt x="764373" y="339523"/>
-                  <a:pt x="793447" y="325106"/>
-                </a:cubicBezTo>
-                <a:cubicBezTo>
-                  <a:pt x="816707" y="310688"/>
-                  <a:pt x="848689" y="325106"/>
-                  <a:pt x="860319" y="350336"/>
-                </a:cubicBezTo>
-                <a:cubicBezTo>
-                  <a:pt x="874856" y="397195"/>
-                  <a:pt x="889393" y="440449"/>
-                  <a:pt x="938820" y="444054"/>
-                </a:cubicBezTo>
-                <a:cubicBezTo>
-                  <a:pt x="1005692" y="451262"/>
-                  <a:pt x="967894" y="422426"/>
-                  <a:pt x="956265" y="386381"/>
-                </a:cubicBezTo>
-                <a:cubicBezTo>
-                  <a:pt x="944635" y="346733"/>
-                  <a:pt x="979525" y="335919"/>
-                  <a:pt x="1002784" y="343127"/>
-                </a:cubicBezTo>
-                <a:cubicBezTo>
-                  <a:pt x="1090008" y="375569"/>
-                  <a:pt x="1180139" y="317897"/>
-                  <a:pt x="1270270" y="364755"/>
-                </a:cubicBezTo>
-                <a:cubicBezTo>
-                  <a:pt x="1247011" y="249411"/>
-                  <a:pt x="1197583" y="198949"/>
-                  <a:pt x="1092915" y="180926"/>
-                </a:cubicBezTo>
-                <a:cubicBezTo>
-                  <a:pt x="1055118" y="177322"/>
-                  <a:pt x="1014414" y="184530"/>
-                  <a:pt x="979525" y="152090"/>
-                </a:cubicBezTo>
-                <a:cubicBezTo>
-                  <a:pt x="959172" y="134068"/>
-                  <a:pt x="938820" y="112441"/>
-                  <a:pt x="953358" y="76396"/>
-                </a:cubicBezTo>
-                <a:cubicBezTo>
-                  <a:pt x="962080" y="51165"/>
-                  <a:pt x="985339" y="51165"/>
-                  <a:pt x="1005692" y="58373"/>
-                </a:cubicBezTo>
-                <a:cubicBezTo>
-                  <a:pt x="1090008" y="98023"/>
-                  <a:pt x="1180139" y="108837"/>
-                  <a:pt x="1267362" y="123254"/>
-                </a:cubicBezTo>
-                <a:cubicBezTo>
-                  <a:pt x="1281900" y="126859"/>
-                  <a:pt x="1296437" y="134068"/>
-                  <a:pt x="1310975" y="98023"/>
-                </a:cubicBezTo>
-                <a:cubicBezTo>
-                  <a:pt x="1260095" y="81803"/>
-                  <a:pt x="1209941" y="62879"/>
-                  <a:pt x="1159787" y="43505"/>
-                </a:cubicBezTo>
-                <a:close/>
-              </a:path>
-            </a:pathLst>
-          </a:custGeom>
+          </a:prstGeom>
         </p:spPr>
       </p:pic>
     </p:spTree>
     <p:extLst>
       <p:ext uri="{BB962C8B-B14F-4D97-AF65-F5344CB8AC3E}">
-        <p14:creationId xmlns:p14="http://schemas.microsoft.com/office/powerpoint/2010/main" val="3521053612"/>
+        <p14:creationId xmlns:p14="http://schemas.microsoft.com/office/powerpoint/2010/main" val="847816676"/>
       </p:ext>
     </p:extLst>
   </p:cSld>
   <p:clrMapOvr>
     <a:masterClrMapping/>
   </p:clrMapOvr>
+  <mc:AlternateContent xmlns:mc="http://schemas.openxmlformats.org/markup-compatibility/2006" xmlns:p159="http://schemas.microsoft.com/office/powerpoint/2015/09/main">
+    <mc:Choice Requires="p159">
+      <p:transition xmlns:p14="http://schemas.microsoft.com/office/powerpoint/2010/main" spd="slow" p14:dur="2000">
+        <p159:morph option="byObject"/>
+      </p:transition>
+    </mc:Choice>
+    <mc:Fallback xmlns="">
+      <p:transition spd="slow">
+        <p:fade/>
+      </p:transition>
+    </mc:Fallback>
+  </mc:AlternateContent>
 </p:sld>
 </file>
 

--- a/Presentation.pptx
+++ b/Presentation.pptx
@@ -120,6 +120,7 @@
 <file path=ppt/revisionInfo.xml><?xml version="1.0" encoding="utf-8"?>
 <p1510:revInfo xmlns:a="http://schemas.openxmlformats.org/drawingml/2006/main" xmlns:r="http://schemas.openxmlformats.org/officeDocument/2006/relationships" xmlns:p1510="http://schemas.microsoft.com/office/powerpoint/2015/10/main">
   <p1510:revLst>
+    <p1510:client id="{0096ACB6-2375-8D2D-6891-8DFA3E4994B9}" v="65" dt="2023-11-12T01:19:22.433"/>
     <p1510:client id="{533F7CB8-E70E-8576-85EC-E4D9A0DF6B43}" v="16" dt="2023-11-06T23:44:05.660"/>
     <p1510:client id="{71724536-1BD7-3E41-5922-FD3E8E7F9323}" v="165" dt="2023-11-06T23:42:48.030"/>
     <p1510:client id="{7A2BB9EF-71EC-F4FB-E393-84225C19B97D}" v="247" dt="2023-11-07T00:18:05.516"/>
@@ -258,7 +259,7 @@
           <a:p>
             <a:fld id="{C764DE79-268F-4C1A-8933-263129D2AF90}" type="datetimeFigureOut">
               <a:rPr lang="en-US" dirty="0"/>
-              <a:t>11/6/2023</a:t>
+              <a:t>11/11/2023</a:t>
             </a:fld>
             <a:endParaRPr lang="en-US" dirty="0"/>
           </a:p>
@@ -426,7 +427,7 @@
           <a:p>
             <a:fld id="{C764DE79-268F-4C1A-8933-263129D2AF90}" type="datetimeFigureOut">
               <a:rPr lang="en-US" dirty="0"/>
-              <a:t>11/6/2023</a:t>
+              <a:t>11/11/2023</a:t>
             </a:fld>
             <a:endParaRPr lang="en-US" dirty="0"/>
           </a:p>
@@ -604,7 +605,7 @@
           <a:p>
             <a:fld id="{C764DE79-268F-4C1A-8933-263129D2AF90}" type="datetimeFigureOut">
               <a:rPr lang="en-US" dirty="0"/>
-              <a:t>11/6/2023</a:t>
+              <a:t>11/11/2023</a:t>
             </a:fld>
             <a:endParaRPr lang="en-US" dirty="0"/>
           </a:p>
@@ -772,7 +773,7 @@
           <a:p>
             <a:fld id="{C764DE79-268F-4C1A-8933-263129D2AF90}" type="datetimeFigureOut">
               <a:rPr lang="en-US" dirty="0"/>
-              <a:t>11/6/2023</a:t>
+              <a:t>11/11/2023</a:t>
             </a:fld>
             <a:endParaRPr lang="en-US" dirty="0"/>
           </a:p>
@@ -1017,7 +1018,7 @@
           <a:p>
             <a:fld id="{C764DE79-268F-4C1A-8933-263129D2AF90}" type="datetimeFigureOut">
               <a:rPr lang="en-US" dirty="0"/>
-              <a:t>11/6/2023</a:t>
+              <a:t>11/11/2023</a:t>
             </a:fld>
             <a:endParaRPr lang="en-US" dirty="0"/>
           </a:p>
@@ -1246,7 +1247,7 @@
           <a:p>
             <a:fld id="{C764DE79-268F-4C1A-8933-263129D2AF90}" type="datetimeFigureOut">
               <a:rPr lang="en-US" dirty="0"/>
-              <a:t>11/6/2023</a:t>
+              <a:t>11/11/2023</a:t>
             </a:fld>
             <a:endParaRPr lang="en-US" dirty="0"/>
           </a:p>
@@ -1610,7 +1611,7 @@
           <a:p>
             <a:fld id="{C764DE79-268F-4C1A-8933-263129D2AF90}" type="datetimeFigureOut">
               <a:rPr lang="en-US" dirty="0"/>
-              <a:t>11/6/2023</a:t>
+              <a:t>11/11/2023</a:t>
             </a:fld>
             <a:endParaRPr lang="en-US" dirty="0"/>
           </a:p>
@@ -1727,7 +1728,7 @@
           <a:p>
             <a:fld id="{C764DE79-268F-4C1A-8933-263129D2AF90}" type="datetimeFigureOut">
               <a:rPr lang="en-US" dirty="0"/>
-              <a:t>11/6/2023</a:t>
+              <a:t>11/11/2023</a:t>
             </a:fld>
             <a:endParaRPr lang="en-US" dirty="0"/>
           </a:p>
@@ -1822,7 +1823,7 @@
           <a:p>
             <a:fld id="{C764DE79-268F-4C1A-8933-263129D2AF90}" type="datetimeFigureOut">
               <a:rPr lang="en-US" dirty="0"/>
-              <a:t>11/6/2023</a:t>
+              <a:t>11/11/2023</a:t>
             </a:fld>
             <a:endParaRPr lang="en-US" dirty="0"/>
           </a:p>
@@ -2097,7 +2098,7 @@
           <a:p>
             <a:fld id="{C764DE79-268F-4C1A-8933-263129D2AF90}" type="datetimeFigureOut">
               <a:rPr lang="en-US" dirty="0"/>
-              <a:t>11/6/2023</a:t>
+              <a:t>11/11/2023</a:t>
             </a:fld>
             <a:endParaRPr lang="en-US" dirty="0"/>
           </a:p>
@@ -2349,7 +2350,7 @@
           <a:p>
             <a:fld id="{C764DE79-268F-4C1A-8933-263129D2AF90}" type="datetimeFigureOut">
               <a:rPr lang="en-US" dirty="0"/>
-              <a:t>11/6/2023</a:t>
+              <a:t>11/11/2023</a:t>
             </a:fld>
             <a:endParaRPr lang="en-US" dirty="0"/>
           </a:p>
@@ -2560,7 +2561,7 @@
           <a:p>
             <a:fld id="{C764DE79-268F-4C1A-8933-263129D2AF90}" type="datetimeFigureOut">
               <a:rPr lang="en-US" dirty="0"/>
-              <a:t>11/6/2023</a:t>
+              <a:t>11/11/2023</a:t>
             </a:fld>
             <a:endParaRPr lang="en-US" dirty="0"/>
           </a:p>
@@ -3111,7 +3112,7 @@
         </p:nvSpPr>
         <p:spPr>
           <a:xfrm>
-            <a:off x="517870" y="4482450"/>
+            <a:off x="90080" y="4856766"/>
             <a:ext cx="7615421" cy="1724029"/>
           </a:xfrm>
         </p:spPr>
@@ -3122,7 +3123,7 @@
           <a:lstStyle/>
           <a:p>
             <a:r>
-              <a:rPr lang="en-US" b="1" dirty="0" err="1"/>
+              <a:rPr lang="en-US" b="1" err="1"/>
               <a:t>Práctica</a:t>
             </a:r>
             <a:r>
@@ -3130,26 +3131,44 @@
               <a:t> </a:t>
             </a:r>
             <a:r>
-              <a:rPr lang="en-US" b="1" dirty="0" err="1"/>
+              <a:rPr lang="en-US" b="1" err="1"/>
               <a:t>Profesional</a:t>
             </a:r>
             <a:r>
-              <a:rPr lang="en-US" b="1" dirty="0"/>
-              <a:t> </a:t>
-            </a:r>
-            <a:r>
-              <a:rPr lang="en-US" b="1" dirty="0" err="1"/>
-              <a:t>en</a:t>
-            </a:r>
-            <a:r>
-              <a:rPr lang="en-US" b="1" dirty="0"/>
-              <a:t> </a:t>
-            </a:r>
-            <a:r>
-              <a:rPr lang="en-US" b="1" dirty="0" err="1"/>
-              <a:t>Intive</a:t>
-            </a:r>
-            <a:endParaRPr lang="en-US" b="1" dirty="0"/>
+              <a:rPr lang="en-US" b="1"/>
+              <a:t> Ingenieria de Software</a:t>
+            </a:r>
+            <a:endParaRPr lang="en-US"/>
+          </a:p>
+          <a:p>
+            <a:pPr algn="l"/>
+            <a:r>
+              <a:rPr lang="en-US" b="1" dirty="0">
+                <a:cs typeface="Calibri" panose="020F0502020204030204"/>
+              </a:rPr>
+              <a:t>               Pastor Nestor Daniel</a:t>
+            </a:r>
+          </a:p>
+          <a:p>
+            <a:pPr algn="l"/>
+            <a:r>
+              <a:rPr lang="en-US" b="1" dirty="0">
+                <a:cs typeface="Calibri" panose="020F0502020204030204"/>
+              </a:rPr>
+              <a:t>               </a:t>
+            </a:r>
+            <a:r>
+              <a:rPr lang="en-US" b="1" dirty="0" err="1">
+                <a:cs typeface="Calibri" panose="020F0502020204030204"/>
+              </a:rPr>
+              <a:t>Fecha</a:t>
+            </a:r>
+            <a:r>
+              <a:rPr lang="en-US" b="1" dirty="0">
+                <a:cs typeface="Calibri" panose="020F0502020204030204"/>
+              </a:rPr>
+              <a:t>: 11/2023</a:t>
+            </a:r>
           </a:p>
         </p:txBody>
       </p:sp>

--- a/Presentation.pptx
+++ b/Presentation.pptx
@@ -259,7 +259,7 @@
           <a:p>
             <a:fld id="{C764DE79-268F-4C1A-8933-263129D2AF90}" type="datetimeFigureOut">
               <a:rPr lang="en-US" dirty="0"/>
-              <a:t>11/11/2023</a:t>
+              <a:t>11/23/23</a:t>
             </a:fld>
             <a:endParaRPr lang="en-US" dirty="0"/>
           </a:p>
@@ -427,7 +427,7 @@
           <a:p>
             <a:fld id="{C764DE79-268F-4C1A-8933-263129D2AF90}" type="datetimeFigureOut">
               <a:rPr lang="en-US" dirty="0"/>
-              <a:t>11/11/2023</a:t>
+              <a:t>11/23/23</a:t>
             </a:fld>
             <a:endParaRPr lang="en-US" dirty="0"/>
           </a:p>
@@ -605,7 +605,7 @@
           <a:p>
             <a:fld id="{C764DE79-268F-4C1A-8933-263129D2AF90}" type="datetimeFigureOut">
               <a:rPr lang="en-US" dirty="0"/>
-              <a:t>11/11/2023</a:t>
+              <a:t>11/23/23</a:t>
             </a:fld>
             <a:endParaRPr lang="en-US" dirty="0"/>
           </a:p>
@@ -773,7 +773,7 @@
           <a:p>
             <a:fld id="{C764DE79-268F-4C1A-8933-263129D2AF90}" type="datetimeFigureOut">
               <a:rPr lang="en-US" dirty="0"/>
-              <a:t>11/11/2023</a:t>
+              <a:t>11/23/23</a:t>
             </a:fld>
             <a:endParaRPr lang="en-US" dirty="0"/>
           </a:p>
@@ -1018,7 +1018,7 @@
           <a:p>
             <a:fld id="{C764DE79-268F-4C1A-8933-263129D2AF90}" type="datetimeFigureOut">
               <a:rPr lang="en-US" dirty="0"/>
-              <a:t>11/11/2023</a:t>
+              <a:t>11/23/23</a:t>
             </a:fld>
             <a:endParaRPr lang="en-US" dirty="0"/>
           </a:p>
@@ -1247,7 +1247,7 @@
           <a:p>
             <a:fld id="{C764DE79-268F-4C1A-8933-263129D2AF90}" type="datetimeFigureOut">
               <a:rPr lang="en-US" dirty="0"/>
-              <a:t>11/11/2023</a:t>
+              <a:t>11/23/23</a:t>
             </a:fld>
             <a:endParaRPr lang="en-US" dirty="0"/>
           </a:p>
@@ -1611,7 +1611,7 @@
           <a:p>
             <a:fld id="{C764DE79-268F-4C1A-8933-263129D2AF90}" type="datetimeFigureOut">
               <a:rPr lang="en-US" dirty="0"/>
-              <a:t>11/11/2023</a:t>
+              <a:t>11/23/23</a:t>
             </a:fld>
             <a:endParaRPr lang="en-US" dirty="0"/>
           </a:p>
@@ -1728,7 +1728,7 @@
           <a:p>
             <a:fld id="{C764DE79-268F-4C1A-8933-263129D2AF90}" type="datetimeFigureOut">
               <a:rPr lang="en-US" dirty="0"/>
-              <a:t>11/11/2023</a:t>
+              <a:t>11/23/23</a:t>
             </a:fld>
             <a:endParaRPr lang="en-US" dirty="0"/>
           </a:p>
@@ -1823,7 +1823,7 @@
           <a:p>
             <a:fld id="{C764DE79-268F-4C1A-8933-263129D2AF90}" type="datetimeFigureOut">
               <a:rPr lang="en-US" dirty="0"/>
-              <a:t>11/11/2023</a:t>
+              <a:t>11/23/23</a:t>
             </a:fld>
             <a:endParaRPr lang="en-US" dirty="0"/>
           </a:p>
@@ -2098,7 +2098,7 @@
           <a:p>
             <a:fld id="{C764DE79-268F-4C1A-8933-263129D2AF90}" type="datetimeFigureOut">
               <a:rPr lang="en-US" dirty="0"/>
-              <a:t>11/11/2023</a:t>
+              <a:t>11/23/23</a:t>
             </a:fld>
             <a:endParaRPr lang="en-US" dirty="0"/>
           </a:p>
@@ -2350,7 +2350,7 @@
           <a:p>
             <a:fld id="{C764DE79-268F-4C1A-8933-263129D2AF90}" type="datetimeFigureOut">
               <a:rPr lang="en-US" dirty="0"/>
-              <a:t>11/11/2023</a:t>
+              <a:t>11/23/23</a:t>
             </a:fld>
             <a:endParaRPr lang="en-US" dirty="0"/>
           </a:p>
@@ -2561,7 +2561,7 @@
           <a:p>
             <a:fld id="{C764DE79-268F-4C1A-8933-263129D2AF90}" type="datetimeFigureOut">
               <a:rPr lang="en-US" dirty="0"/>
-              <a:t>11/11/2023</a:t>
+              <a:t>11/23/23</a:t>
             </a:fld>
             <a:endParaRPr lang="en-US" dirty="0"/>
           </a:p>
@@ -3194,8 +3194,44 @@
         </p:blipFill>
         <p:spPr>
           <a:xfrm>
-            <a:off x="8950036" y="4664403"/>
-            <a:ext cx="2743200" cy="854284"/>
+            <a:off x="9166175" y="5805438"/>
+            <a:ext cx="1727200" cy="537883"/>
+          </a:xfrm>
+          <a:prstGeom prst="rect">
+            <a:avLst/>
+          </a:prstGeom>
+        </p:spPr>
+      </p:pic>
+      <p:pic>
+        <p:nvPicPr>
+          <p:cNvPr id="7" name="Picture 6">
+            <a:extLst>
+              <a:ext uri="{FF2B5EF4-FFF2-40B4-BE49-F238E27FC236}">
+                <a16:creationId xmlns:a16="http://schemas.microsoft.com/office/drawing/2014/main" id="{E7136B96-2BDD-F547-DCA8-A313AEDF15B0}"/>
+              </a:ext>
+            </a:extLst>
+          </p:cNvPr>
+          <p:cNvPicPr>
+            <a:picLocks noChangeAspect="1"/>
+          </p:cNvPicPr>
+          <p:nvPr/>
+        </p:nvPicPr>
+        <p:blipFill>
+          <a:blip r:embed="rId4">
+            <a:extLst>
+              <a:ext uri="{28A0092B-C50C-407E-A947-70E740481C1C}">
+                <a14:useLocalDpi xmlns:a14="http://schemas.microsoft.com/office/drawing/2010/main" val="0"/>
+              </a:ext>
+            </a:extLst>
+          </a:blip>
+          <a:stretch>
+            <a:fillRect/>
+          </a:stretch>
+        </p:blipFill>
+        <p:spPr>
+          <a:xfrm>
+            <a:off x="11187087" y="5718780"/>
+            <a:ext cx="711200" cy="711200"/>
           </a:xfrm>
           <a:prstGeom prst="rect">
             <a:avLst/>
@@ -4847,7 +4883,7 @@
         </p:nvSpPr>
         <p:spPr>
           <a:xfrm>
-            <a:off x="2895217" y="3296271"/>
+            <a:off x="4443272" y="3150822"/>
             <a:ext cx="2743200" cy="408623"/>
           </a:xfrm>
           <a:prstGeom prst="roundRect">
@@ -4910,7 +4946,7 @@
         </p:nvSpPr>
         <p:spPr>
           <a:xfrm>
-            <a:off x="642637" y="4472691"/>
+            <a:off x="2174650" y="4327242"/>
             <a:ext cx="3318042" cy="408623"/>
           </a:xfrm>
           <a:prstGeom prst="roundRect">
@@ -4963,9 +4999,9 @@
               <a:rPr lang="en-US" b="1" dirty="0" err="1">
                 <a:cs typeface="Calibri"/>
               </a:rPr>
-              <a:t>contratacion</a:t>
-            </a:r>
-            <a:endParaRPr lang="en-US" b="1">
+              <a:t>contratación</a:t>
+            </a:r>
+            <a:endParaRPr lang="en-US" b="1" dirty="0">
               <a:cs typeface="Calibri"/>
             </a:endParaRPr>
           </a:p>
@@ -4985,7 +5021,7 @@
         </p:nvSpPr>
         <p:spPr>
           <a:xfrm>
-            <a:off x="642637" y="1973174"/>
+            <a:off x="2190692" y="1827725"/>
             <a:ext cx="2743200" cy="408623"/>
           </a:xfrm>
           <a:prstGeom prst="roundRect">
@@ -5046,7 +5082,7 @@
         </p:nvSpPr>
         <p:spPr>
           <a:xfrm>
-            <a:off x="2888533" y="5067586"/>
+            <a:off x="4436588" y="4922137"/>
             <a:ext cx="2743200" cy="408623"/>
           </a:xfrm>
           <a:prstGeom prst="roundRect">
@@ -5115,8 +5151,8 @@
         </p:nvSpPr>
         <p:spPr>
           <a:xfrm>
-            <a:off x="2893879" y="2553363"/>
-            <a:ext cx="2743200" cy="408623"/>
+            <a:off x="4441934" y="2407914"/>
+            <a:ext cx="3651300" cy="408623"/>
           </a:xfrm>
           <a:prstGeom prst="roundRect">
             <a:avLst/>
@@ -5147,22 +5183,16 @@
           <a:p>
             <a:pPr algn="ctr"/>
             <a:r>
+              <a:rPr lang="en-US" b="1" dirty="0">
+                <a:cs typeface="Calibri"/>
+              </a:rPr>
+              <a:t>Capital Humano </a:t>
+            </a:r>
+            <a:r>
               <a:rPr lang="en-US" b="1" dirty="0" err="1">
                 <a:cs typeface="Calibri"/>
               </a:rPr>
-              <a:t>Empleados</a:t>
-            </a:r>
-            <a:r>
-              <a:rPr lang="en-US" b="1" dirty="0">
-                <a:cs typeface="Calibri"/>
-              </a:rPr>
-              <a:t> </a:t>
-            </a:r>
-            <a:r>
-              <a:rPr lang="en-US" b="1" dirty="0" err="1">
-                <a:cs typeface="Calibri"/>
-              </a:rPr>
-              <a:t>descontentos</a:t>
+              <a:t>descontento</a:t>
             </a:r>
             <a:endParaRPr lang="en-US" b="1" dirty="0">
               <a:cs typeface="Calibri"/>
@@ -5170,6 +5200,72 @@
           </a:p>
         </p:txBody>
       </p:sp>
+      <p:pic>
+        <p:nvPicPr>
+          <p:cNvPr id="4" name="Picture 3" descr="Icono&#10;&#10;Descripción generada automáticamente">
+            <a:extLst>
+              <a:ext uri="{FF2B5EF4-FFF2-40B4-BE49-F238E27FC236}">
+                <a16:creationId xmlns:a16="http://schemas.microsoft.com/office/drawing/2014/main" id="{4CB41B9C-BE92-6E3B-A6CC-7743E08DC35D}"/>
+              </a:ext>
+            </a:extLst>
+          </p:cNvPr>
+          <p:cNvPicPr>
+            <a:picLocks noChangeAspect="1"/>
+          </p:cNvPicPr>
+          <p:nvPr/>
+        </p:nvPicPr>
+        <p:blipFill>
+          <a:blip r:embed="rId5"/>
+          <a:stretch>
+            <a:fillRect/>
+          </a:stretch>
+        </p:blipFill>
+        <p:spPr>
+          <a:xfrm>
+            <a:off x="626595" y="5945591"/>
+            <a:ext cx="1727200" cy="537883"/>
+          </a:xfrm>
+          <a:prstGeom prst="rect">
+            <a:avLst/>
+          </a:prstGeom>
+        </p:spPr>
+      </p:pic>
+      <p:pic>
+        <p:nvPicPr>
+          <p:cNvPr id="13" name="Picture 12">
+            <a:extLst>
+              <a:ext uri="{FF2B5EF4-FFF2-40B4-BE49-F238E27FC236}">
+                <a16:creationId xmlns:a16="http://schemas.microsoft.com/office/drawing/2014/main" id="{6C2F5C7B-9E6A-8F04-AB1B-5309D883E29F}"/>
+              </a:ext>
+            </a:extLst>
+          </p:cNvPr>
+          <p:cNvPicPr>
+            <a:picLocks noChangeAspect="1"/>
+          </p:cNvPicPr>
+          <p:nvPr/>
+        </p:nvPicPr>
+        <p:blipFill>
+          <a:blip r:embed="rId6">
+            <a:extLst>
+              <a:ext uri="{28A0092B-C50C-407E-A947-70E740481C1C}">
+                <a14:useLocalDpi xmlns:a14="http://schemas.microsoft.com/office/drawing/2010/main" val="0"/>
+              </a:ext>
+            </a:extLst>
+          </a:blip>
+          <a:stretch>
+            <a:fillRect/>
+          </a:stretch>
+        </p:blipFill>
+        <p:spPr>
+          <a:xfrm>
+            <a:off x="2647507" y="5858933"/>
+            <a:ext cx="711200" cy="711200"/>
+          </a:xfrm>
+          <a:prstGeom prst="rect">
+            <a:avLst/>
+          </a:prstGeom>
+        </p:spPr>
+      </p:pic>
     </p:spTree>
     <p:extLst>
       <p:ext uri="{BB962C8B-B14F-4D97-AF65-F5344CB8AC3E}">
@@ -5180,320 +5276,6 @@
   <p:clrMapOvr>
     <a:masterClrMapping/>
   </p:clrMapOvr>
-  <mc:AlternateContent xmlns:mc="http://schemas.openxmlformats.org/markup-compatibility/2006" xmlns:p159="http://schemas.microsoft.com/office/powerpoint/2015/09/main">
-    <mc:Choice Requires="p159">
-      <p:transition xmlns:p14="http://schemas.microsoft.com/office/powerpoint/2010/main" spd="slow" p14:dur="2000">
-        <p159:morph option="byObject"/>
-      </p:transition>
-    </mc:Choice>
-    <mc:Fallback xmlns="">
-      <p:transition spd="slow">
-        <p:fade/>
-      </p:transition>
-    </mc:Fallback>
-  </mc:AlternateContent>
-  <p:timing>
-    <p:tnLst>
-      <p:par>
-        <p:cTn id="1" dur="indefinite" restart="never" nodeType="tmRoot">
-          <p:childTnLst>
-            <p:seq concurrent="1" nextAc="seek">
-              <p:cTn id="2" dur="indefinite" nodeType="mainSeq">
-                <p:childTnLst>
-                  <p:par>
-                    <p:cTn id="3" fill="hold">
-                      <p:stCondLst>
-                        <p:cond delay="indefinite"/>
-                      </p:stCondLst>
-                      <p:childTnLst>
-                        <p:par>
-                          <p:cTn id="4" fill="hold">
-                            <p:stCondLst>
-                              <p:cond delay="0"/>
-                            </p:stCondLst>
-                            <p:childTnLst>
-                              <p:par>
-                                <p:cTn id="5" presetID="10" presetClass="entr" presetSubtype="0" fill="hold" grpId="0" nodeType="clickEffect">
-                                  <p:stCondLst>
-                                    <p:cond delay="0"/>
-                                  </p:stCondLst>
-                                  <p:childTnLst>
-                                    <p:set>
-                                      <p:cBhvr>
-                                        <p:cTn id="6" dur="1" fill="hold">
-                                          <p:stCondLst>
-                                            <p:cond delay="0"/>
-                                          </p:stCondLst>
-                                        </p:cTn>
-                                        <p:tgtEl>
-                                          <p:spTgt spid="8"/>
-                                        </p:tgtEl>
-                                        <p:attrNameLst>
-                                          <p:attrName>style.visibility</p:attrName>
-                                        </p:attrNameLst>
-                                      </p:cBhvr>
-                                      <p:to>
-                                        <p:strVal val="visible"/>
-                                      </p:to>
-                                    </p:set>
-                                    <p:animEffect transition="in" filter="fade">
-                                      <p:cBhvr>
-                                        <p:cTn id="7" dur="500"/>
-                                        <p:tgtEl>
-                                          <p:spTgt spid="8"/>
-                                        </p:tgtEl>
-                                      </p:cBhvr>
-                                    </p:animEffect>
-                                  </p:childTnLst>
-                                </p:cTn>
-                              </p:par>
-                            </p:childTnLst>
-                          </p:cTn>
-                        </p:par>
-                      </p:childTnLst>
-                    </p:cTn>
-                  </p:par>
-                  <p:par>
-                    <p:cTn id="8" fill="hold">
-                      <p:stCondLst>
-                        <p:cond delay="indefinite"/>
-                      </p:stCondLst>
-                      <p:childTnLst>
-                        <p:par>
-                          <p:cTn id="9" fill="hold">
-                            <p:stCondLst>
-                              <p:cond delay="0"/>
-                            </p:stCondLst>
-                            <p:childTnLst>
-                              <p:par>
-                                <p:cTn id="10" presetID="10" presetClass="entr" presetSubtype="0" fill="hold" grpId="0" nodeType="clickEffect">
-                                  <p:stCondLst>
-                                    <p:cond delay="0"/>
-                                  </p:stCondLst>
-                                  <p:childTnLst>
-                                    <p:set>
-                                      <p:cBhvr>
-                                        <p:cTn id="11" dur="1" fill="hold">
-                                          <p:stCondLst>
-                                            <p:cond delay="0"/>
-                                          </p:stCondLst>
-                                        </p:cTn>
-                                        <p:tgtEl>
-                                          <p:spTgt spid="12"/>
-                                        </p:tgtEl>
-                                        <p:attrNameLst>
-                                          <p:attrName>style.visibility</p:attrName>
-                                        </p:attrNameLst>
-                                      </p:cBhvr>
-                                      <p:to>
-                                        <p:strVal val="visible"/>
-                                      </p:to>
-                                    </p:set>
-                                    <p:animEffect transition="in" filter="fade">
-                                      <p:cBhvr>
-                                        <p:cTn id="12" dur="500"/>
-                                        <p:tgtEl>
-                                          <p:spTgt spid="12"/>
-                                        </p:tgtEl>
-                                      </p:cBhvr>
-                                    </p:animEffect>
-                                  </p:childTnLst>
-                                </p:cTn>
-                              </p:par>
-                            </p:childTnLst>
-                          </p:cTn>
-                        </p:par>
-                      </p:childTnLst>
-                    </p:cTn>
-                  </p:par>
-                  <p:par>
-                    <p:cTn id="13" fill="hold">
-                      <p:stCondLst>
-                        <p:cond delay="indefinite"/>
-                      </p:stCondLst>
-                      <p:childTnLst>
-                        <p:par>
-                          <p:cTn id="14" fill="hold">
-                            <p:stCondLst>
-                              <p:cond delay="0"/>
-                            </p:stCondLst>
-                            <p:childTnLst>
-                              <p:par>
-                                <p:cTn id="15" presetID="10" presetClass="entr" presetSubtype="0" fill="hold" grpId="0" nodeType="clickEffect">
-                                  <p:stCondLst>
-                                    <p:cond delay="0"/>
-                                  </p:stCondLst>
-                                  <p:childTnLst>
-                                    <p:set>
-                                      <p:cBhvr>
-                                        <p:cTn id="16" dur="1" fill="hold">
-                                          <p:stCondLst>
-                                            <p:cond delay="0"/>
-                                          </p:stCondLst>
-                                        </p:cTn>
-                                        <p:tgtEl>
-                                          <p:spTgt spid="3"/>
-                                        </p:tgtEl>
-                                        <p:attrNameLst>
-                                          <p:attrName>style.visibility</p:attrName>
-                                        </p:attrNameLst>
-                                      </p:cBhvr>
-                                      <p:to>
-                                        <p:strVal val="visible"/>
-                                      </p:to>
-                                    </p:set>
-                                    <p:animEffect transition="in" filter="fade">
-                                      <p:cBhvr>
-                                        <p:cTn id="17" dur="500"/>
-                                        <p:tgtEl>
-                                          <p:spTgt spid="3"/>
-                                        </p:tgtEl>
-                                      </p:cBhvr>
-                                    </p:animEffect>
-                                  </p:childTnLst>
-                                </p:cTn>
-                              </p:par>
-                            </p:childTnLst>
-                          </p:cTn>
-                        </p:par>
-                      </p:childTnLst>
-                    </p:cTn>
-                  </p:par>
-                  <p:par>
-                    <p:cTn id="18" fill="hold">
-                      <p:stCondLst>
-                        <p:cond delay="indefinite"/>
-                      </p:stCondLst>
-                      <p:childTnLst>
-                        <p:par>
-                          <p:cTn id="19" fill="hold">
-                            <p:stCondLst>
-                              <p:cond delay="0"/>
-                            </p:stCondLst>
-                            <p:childTnLst>
-                              <p:par>
-                                <p:cTn id="20" presetID="10" presetClass="entr" presetSubtype="0" fill="hold" grpId="0" nodeType="clickEffect">
-                                  <p:stCondLst>
-                                    <p:cond delay="0"/>
-                                  </p:stCondLst>
-                                  <p:childTnLst>
-                                    <p:set>
-                                      <p:cBhvr>
-                                        <p:cTn id="21" dur="1" fill="hold">
-                                          <p:stCondLst>
-                                            <p:cond delay="0"/>
-                                          </p:stCondLst>
-                                        </p:cTn>
-                                        <p:tgtEl>
-                                          <p:spTgt spid="6"/>
-                                        </p:tgtEl>
-                                        <p:attrNameLst>
-                                          <p:attrName>style.visibility</p:attrName>
-                                        </p:attrNameLst>
-                                      </p:cBhvr>
-                                      <p:to>
-                                        <p:strVal val="visible"/>
-                                      </p:to>
-                                    </p:set>
-                                    <p:animEffect transition="in" filter="fade">
-                                      <p:cBhvr>
-                                        <p:cTn id="22" dur="500"/>
-                                        <p:tgtEl>
-                                          <p:spTgt spid="6"/>
-                                        </p:tgtEl>
-                                      </p:cBhvr>
-                                    </p:animEffect>
-                                  </p:childTnLst>
-                                </p:cTn>
-                              </p:par>
-                            </p:childTnLst>
-                          </p:cTn>
-                        </p:par>
-                      </p:childTnLst>
-                    </p:cTn>
-                  </p:par>
-                  <p:par>
-                    <p:cTn id="23" fill="hold">
-                      <p:stCondLst>
-                        <p:cond delay="indefinite"/>
-                      </p:stCondLst>
-                      <p:childTnLst>
-                        <p:par>
-                          <p:cTn id="24" fill="hold">
-                            <p:stCondLst>
-                              <p:cond delay="0"/>
-                            </p:stCondLst>
-                            <p:childTnLst>
-                              <p:par>
-                                <p:cTn id="25" presetID="10" presetClass="entr" presetSubtype="0" fill="hold" grpId="0" nodeType="clickEffect">
-                                  <p:stCondLst>
-                                    <p:cond delay="0"/>
-                                  </p:stCondLst>
-                                  <p:childTnLst>
-                                    <p:set>
-                                      <p:cBhvr>
-                                        <p:cTn id="26" dur="1" fill="hold">
-                                          <p:stCondLst>
-                                            <p:cond delay="0"/>
-                                          </p:stCondLst>
-                                        </p:cTn>
-                                        <p:tgtEl>
-                                          <p:spTgt spid="11"/>
-                                        </p:tgtEl>
-                                        <p:attrNameLst>
-                                          <p:attrName>style.visibility</p:attrName>
-                                        </p:attrNameLst>
-                                      </p:cBhvr>
-                                      <p:to>
-                                        <p:strVal val="visible"/>
-                                      </p:to>
-                                    </p:set>
-                                    <p:animEffect transition="in" filter="fade">
-                                      <p:cBhvr>
-                                        <p:cTn id="27" dur="500"/>
-                                        <p:tgtEl>
-                                          <p:spTgt spid="11"/>
-                                        </p:tgtEl>
-                                      </p:cBhvr>
-                                    </p:animEffect>
-                                  </p:childTnLst>
-                                </p:cTn>
-                              </p:par>
-                            </p:childTnLst>
-                          </p:cTn>
-                        </p:par>
-                      </p:childTnLst>
-                    </p:cTn>
-                  </p:par>
-                </p:childTnLst>
-              </p:cTn>
-              <p:prevCondLst>
-                <p:cond evt="onPrev" delay="0">
-                  <p:tgtEl>
-                    <p:sldTgt/>
-                  </p:tgtEl>
-                </p:cond>
-              </p:prevCondLst>
-              <p:nextCondLst>
-                <p:cond evt="onNext" delay="0">
-                  <p:tgtEl>
-                    <p:sldTgt/>
-                  </p:tgtEl>
-                </p:cond>
-              </p:nextCondLst>
-            </p:seq>
-          </p:childTnLst>
-        </p:cTn>
-      </p:par>
-    </p:tnLst>
-    <p:bldLst>
-      <p:bldP spid="3" grpId="0" animBg="1"/>
-      <p:bldP spid="6" grpId="0" animBg="1"/>
-      <p:bldP spid="8" grpId="0" animBg="1"/>
-      <p:bldP spid="11" grpId="0" animBg="1"/>
-      <p:bldP spid="12" grpId="0" animBg="1"/>
-    </p:bldLst>
-  </p:timing>
 </p:sld>
 </file>
 
@@ -7311,7 +7093,7 @@
                 </a:solidFill>
                 <a:cs typeface="Calibri"/>
               </a:rPr>
-              <a:t>Capacitacion</a:t>
+              <a:t>Capacitación</a:t>
             </a:r>
             <a:r>
               <a:rPr lang="en-US" b="1" dirty="0">
@@ -7320,7 +7102,25 @@
                 </a:solidFill>
                 <a:cs typeface="Calibri"/>
               </a:rPr>
-              <a:t> Organica </a:t>
+              <a:t> </a:t>
+            </a:r>
+            <a:r>
+              <a:rPr lang="en-US" b="1" dirty="0" err="1">
+                <a:solidFill>
+                  <a:srgbClr val="000000"/>
+                </a:solidFill>
+                <a:cs typeface="Calibri"/>
+              </a:rPr>
+              <a:t>Orgánica</a:t>
+            </a:r>
+            <a:r>
+              <a:rPr lang="en-US" b="1" dirty="0">
+                <a:solidFill>
+                  <a:srgbClr val="000000"/>
+                </a:solidFill>
+                <a:cs typeface="Calibri"/>
+              </a:rPr>
+              <a:t> </a:t>
             </a:r>
           </a:p>
         </p:txBody>
@@ -7361,6 +7161,72 @@
           </a:prstGeom>
         </p:spPr>
       </p:pic>
+      <p:pic>
+        <p:nvPicPr>
+          <p:cNvPr id="2" name="Picture 1" descr="Icono&#10;&#10;Descripción generada automáticamente">
+            <a:extLst>
+              <a:ext uri="{FF2B5EF4-FFF2-40B4-BE49-F238E27FC236}">
+                <a16:creationId xmlns:a16="http://schemas.microsoft.com/office/drawing/2014/main" id="{8F45D99E-E124-0567-2E2D-732D6396C15C}"/>
+              </a:ext>
+            </a:extLst>
+          </p:cNvPr>
+          <p:cNvPicPr>
+            <a:picLocks noChangeAspect="1"/>
+          </p:cNvPicPr>
+          <p:nvPr/>
+        </p:nvPicPr>
+        <p:blipFill>
+          <a:blip r:embed="rId7"/>
+          <a:stretch>
+            <a:fillRect/>
+          </a:stretch>
+        </p:blipFill>
+        <p:spPr>
+          <a:xfrm>
+            <a:off x="626595" y="5945591"/>
+            <a:ext cx="1727200" cy="537883"/>
+          </a:xfrm>
+          <a:prstGeom prst="rect">
+            <a:avLst/>
+          </a:prstGeom>
+        </p:spPr>
+      </p:pic>
+      <p:pic>
+        <p:nvPicPr>
+          <p:cNvPr id="3" name="Picture 2">
+            <a:extLst>
+              <a:ext uri="{FF2B5EF4-FFF2-40B4-BE49-F238E27FC236}">
+                <a16:creationId xmlns:a16="http://schemas.microsoft.com/office/drawing/2014/main" id="{93E59964-85B2-D72C-AF28-7B6F0E445BA7}"/>
+              </a:ext>
+            </a:extLst>
+          </p:cNvPr>
+          <p:cNvPicPr>
+            <a:picLocks noChangeAspect="1"/>
+          </p:cNvPicPr>
+          <p:nvPr/>
+        </p:nvPicPr>
+        <p:blipFill>
+          <a:blip r:embed="rId8">
+            <a:extLst>
+              <a:ext uri="{28A0092B-C50C-407E-A947-70E740481C1C}">
+                <a14:useLocalDpi xmlns:a14="http://schemas.microsoft.com/office/drawing/2010/main" val="0"/>
+              </a:ext>
+            </a:extLst>
+          </a:blip>
+          <a:stretch>
+            <a:fillRect/>
+          </a:stretch>
+        </p:blipFill>
+        <p:spPr>
+          <a:xfrm>
+            <a:off x="2647507" y="5858933"/>
+            <a:ext cx="711200" cy="711200"/>
+          </a:xfrm>
+          <a:prstGeom prst="rect">
+            <a:avLst/>
+          </a:prstGeom>
+        </p:spPr>
+      </p:pic>
     </p:spTree>
     <p:extLst>
       <p:ext uri="{BB962C8B-B14F-4D97-AF65-F5344CB8AC3E}">
@@ -7383,235 +7249,6 @@
       </p:transition>
     </mc:Fallback>
   </mc:AlternateContent>
-  <p:timing>
-    <p:tnLst>
-      <p:par>
-        <p:cTn id="1" dur="indefinite" restart="never" nodeType="tmRoot">
-          <p:childTnLst>
-            <p:seq concurrent="1" nextAc="seek">
-              <p:cTn id="2" dur="indefinite" nodeType="mainSeq">
-                <p:childTnLst>
-                  <p:par>
-                    <p:cTn id="3" fill="hold">
-                      <p:stCondLst>
-                        <p:cond delay="indefinite"/>
-                      </p:stCondLst>
-                      <p:childTnLst>
-                        <p:par>
-                          <p:cTn id="4" fill="hold">
-                            <p:stCondLst>
-                              <p:cond delay="0"/>
-                            </p:stCondLst>
-                            <p:childTnLst>
-                              <p:par>
-                                <p:cTn id="5" presetID="10" presetClass="entr" presetSubtype="0" fill="hold" grpId="0" nodeType="clickEffect">
-                                  <p:stCondLst>
-                                    <p:cond delay="0"/>
-                                  </p:stCondLst>
-                                  <p:childTnLst>
-                                    <p:set>
-                                      <p:cBhvr>
-                                        <p:cTn id="6" dur="1" fill="hold">
-                                          <p:stCondLst>
-                                            <p:cond delay="0"/>
-                                          </p:stCondLst>
-                                        </p:cTn>
-                                        <p:tgtEl>
-                                          <p:spTgt spid="12"/>
-                                        </p:tgtEl>
-                                        <p:attrNameLst>
-                                          <p:attrName>style.visibility</p:attrName>
-                                        </p:attrNameLst>
-                                      </p:cBhvr>
-                                      <p:to>
-                                        <p:strVal val="visible"/>
-                                      </p:to>
-                                    </p:set>
-                                    <p:animEffect transition="in" filter="fade">
-                                      <p:cBhvr>
-                                        <p:cTn id="7" dur="500"/>
-                                        <p:tgtEl>
-                                          <p:spTgt spid="12"/>
-                                        </p:tgtEl>
-                                      </p:cBhvr>
-                                    </p:animEffect>
-                                  </p:childTnLst>
-                                </p:cTn>
-                              </p:par>
-                            </p:childTnLst>
-                          </p:cTn>
-                        </p:par>
-                      </p:childTnLst>
-                    </p:cTn>
-                  </p:par>
-                  <p:par>
-                    <p:cTn id="8" fill="hold">
-                      <p:stCondLst>
-                        <p:cond delay="indefinite"/>
-                      </p:stCondLst>
-                      <p:childTnLst>
-                        <p:par>
-                          <p:cTn id="9" fill="hold">
-                            <p:stCondLst>
-                              <p:cond delay="0"/>
-                            </p:stCondLst>
-                            <p:childTnLst>
-                              <p:par>
-                                <p:cTn id="10" presetID="10" presetClass="entr" presetSubtype="0" fill="hold" grpId="0" nodeType="clickEffect">
-                                  <p:stCondLst>
-                                    <p:cond delay="0"/>
-                                  </p:stCondLst>
-                                  <p:childTnLst>
-                                    <p:set>
-                                      <p:cBhvr>
-                                        <p:cTn id="11" dur="1" fill="hold">
-                                          <p:stCondLst>
-                                            <p:cond delay="0"/>
-                                          </p:stCondLst>
-                                        </p:cTn>
-                                        <p:tgtEl>
-                                          <p:spTgt spid="15"/>
-                                        </p:tgtEl>
-                                        <p:attrNameLst>
-                                          <p:attrName>style.visibility</p:attrName>
-                                        </p:attrNameLst>
-                                      </p:cBhvr>
-                                      <p:to>
-                                        <p:strVal val="visible"/>
-                                      </p:to>
-                                    </p:set>
-                                    <p:animEffect transition="in" filter="fade">
-                                      <p:cBhvr>
-                                        <p:cTn id="12" dur="500"/>
-                                        <p:tgtEl>
-                                          <p:spTgt spid="15"/>
-                                        </p:tgtEl>
-                                      </p:cBhvr>
-                                    </p:animEffect>
-                                  </p:childTnLst>
-                                </p:cTn>
-                              </p:par>
-                            </p:childTnLst>
-                          </p:cTn>
-                        </p:par>
-                      </p:childTnLst>
-                    </p:cTn>
-                  </p:par>
-                  <p:par>
-                    <p:cTn id="13" fill="hold">
-                      <p:stCondLst>
-                        <p:cond delay="indefinite"/>
-                      </p:stCondLst>
-                      <p:childTnLst>
-                        <p:par>
-                          <p:cTn id="14" fill="hold">
-                            <p:stCondLst>
-                              <p:cond delay="0"/>
-                            </p:stCondLst>
-                            <p:childTnLst>
-                              <p:par>
-                                <p:cTn id="15" presetID="10" presetClass="entr" presetSubtype="0" fill="hold" nodeType="clickEffect">
-                                  <p:stCondLst>
-                                    <p:cond delay="0"/>
-                                  </p:stCondLst>
-                                  <p:childTnLst>
-                                    <p:set>
-                                      <p:cBhvr>
-                                        <p:cTn id="16" dur="1" fill="hold">
-                                          <p:stCondLst>
-                                            <p:cond delay="0"/>
-                                          </p:stCondLst>
-                                        </p:cTn>
-                                        <p:tgtEl>
-                                          <p:spTgt spid="20"/>
-                                        </p:tgtEl>
-                                        <p:attrNameLst>
-                                          <p:attrName>style.visibility</p:attrName>
-                                        </p:attrNameLst>
-                                      </p:cBhvr>
-                                      <p:to>
-                                        <p:strVal val="visible"/>
-                                      </p:to>
-                                    </p:set>
-                                    <p:animEffect transition="in" filter="fade">
-                                      <p:cBhvr>
-                                        <p:cTn id="17" dur="500"/>
-                                        <p:tgtEl>
-                                          <p:spTgt spid="20"/>
-                                        </p:tgtEl>
-                                      </p:cBhvr>
-                                    </p:animEffect>
-                                  </p:childTnLst>
-                                </p:cTn>
-                              </p:par>
-                              <p:par>
-                                <p:cTn id="18" presetID="10" presetClass="entr" presetSubtype="0" fill="hold" grpId="0" nodeType="withEffect">
-                                  <p:stCondLst>
-                                    <p:cond delay="0"/>
-                                  </p:stCondLst>
-                                  <p:childTnLst>
-                                    <p:set>
-                                      <p:cBhvr>
-                                        <p:cTn id="19" dur="1" fill="hold">
-                                          <p:stCondLst>
-                                            <p:cond delay="0"/>
-                                          </p:stCondLst>
-                                        </p:cTn>
-                                        <p:tgtEl>
-                                          <p:spTgt spid="17"/>
-                                        </p:tgtEl>
-                                        <p:attrNameLst>
-                                          <p:attrName>style.visibility</p:attrName>
-                                        </p:attrNameLst>
-                                      </p:cBhvr>
-                                      <p:to>
-                                        <p:strVal val="visible"/>
-                                      </p:to>
-                                    </p:set>
-                                    <p:animEffect transition="in" filter="fade">
-                                      <p:cBhvr>
-                                        <p:cTn id="20" dur="500"/>
-                                        <p:tgtEl>
-                                          <p:spTgt spid="17"/>
-                                        </p:tgtEl>
-                                      </p:cBhvr>
-                                    </p:animEffect>
-                                  </p:childTnLst>
-                                </p:cTn>
-                              </p:par>
-                            </p:childTnLst>
-                          </p:cTn>
-                        </p:par>
-                      </p:childTnLst>
-                    </p:cTn>
-                  </p:par>
-                </p:childTnLst>
-              </p:cTn>
-              <p:prevCondLst>
-                <p:cond evt="onPrev" delay="0">
-                  <p:tgtEl>
-                    <p:sldTgt/>
-                  </p:tgtEl>
-                </p:cond>
-              </p:prevCondLst>
-              <p:nextCondLst>
-                <p:cond evt="onNext" delay="0">
-                  <p:tgtEl>
-                    <p:sldTgt/>
-                  </p:tgtEl>
-                </p:cond>
-              </p:nextCondLst>
-            </p:seq>
-          </p:childTnLst>
-        </p:cTn>
-      </p:par>
-    </p:tnLst>
-    <p:bldLst>
-      <p:bldP spid="12" grpId="0" animBg="1"/>
-      <p:bldP spid="15" grpId="0" animBg="1"/>
-      <p:bldP spid="17" grpId="0" animBg="1"/>
-    </p:bldLst>
-  </p:timing>
 </p:sld>
 </file>
 
@@ -9275,8 +8912,8 @@
         </p:nvSpPr>
         <p:spPr>
           <a:xfrm>
-            <a:off x="822837" y="3425861"/>
-            <a:ext cx="2743200" cy="408623"/>
+            <a:off x="292221" y="3425861"/>
+            <a:ext cx="3273816" cy="408623"/>
           </a:xfrm>
           <a:prstGeom prst="roundRect">
             <a:avLst/>
@@ -9310,13 +8947,22 @@
           <a:p>
             <a:pPr algn="ctr"/>
             <a:r>
+              <a:rPr lang="en-US" b="1" dirty="0">
+                <a:solidFill>
+                  <a:srgbClr val="FFFFFF"/>
+                </a:solidFill>
+                <a:cs typeface="Calibri"/>
+              </a:rPr>
+              <a:t>Capital </a:t>
+            </a:r>
+            <a:r>
               <a:rPr lang="en-US" b="1" dirty="0" err="1">
                 <a:solidFill>
                   <a:srgbClr val="FFFFFF"/>
                 </a:solidFill>
                 <a:cs typeface="Calibri"/>
               </a:rPr>
-              <a:t>Empleados</a:t>
+              <a:t>humano</a:t>
             </a:r>
             <a:r>
               <a:rPr lang="en-US" b="1" dirty="0">
@@ -9334,9 +8980,9 @@
                 </a:solidFill>
                 <a:cs typeface="Calibri"/>
               </a:rPr>
-              <a:t>desafiados</a:t>
-            </a:r>
-            <a:endParaRPr lang="en-US" dirty="0" err="1"/>
+              <a:t>motivado</a:t>
+            </a:r>
+            <a:endParaRPr lang="en-US" dirty="0"/>
           </a:p>
         </p:txBody>
       </p:sp>
@@ -9494,7 +9140,7 @@
         <p:spPr>
           <a:xfrm>
             <a:off x="4722516" y="2211572"/>
-            <a:ext cx="2743200" cy="408623"/>
+            <a:ext cx="3138116" cy="408623"/>
           </a:xfrm>
           <a:prstGeom prst="roundRect">
             <a:avLst/>
@@ -9534,7 +9180,25 @@
                 </a:solidFill>
                 <a:cs typeface="Calibri"/>
               </a:rPr>
-              <a:t>Personal disponible</a:t>
+              <a:t>Capital </a:t>
+            </a:r>
+            <a:r>
+              <a:rPr lang="en-US" b="1" dirty="0" err="1">
+                <a:solidFill>
+                  <a:srgbClr val="FFFFFF"/>
+                </a:solidFill>
+                <a:cs typeface="Calibri"/>
+              </a:rPr>
+              <a:t>humano</a:t>
+            </a:r>
+            <a:r>
+              <a:rPr lang="en-US" b="1" dirty="0">
+                <a:solidFill>
+                  <a:srgbClr val="FFFFFF"/>
+                </a:solidFill>
+                <a:cs typeface="Calibri"/>
+              </a:rPr>
+              <a:t> disponible</a:t>
             </a:r>
             <a:endParaRPr lang="en-US" dirty="0"/>
           </a:p>
@@ -9651,6 +9315,72 @@
           </a:p>
         </p:txBody>
       </p:sp>
+      <p:pic>
+        <p:nvPicPr>
+          <p:cNvPr id="2" name="Picture 1" descr="Icono&#10;&#10;Descripción generada automáticamente">
+            <a:extLst>
+              <a:ext uri="{FF2B5EF4-FFF2-40B4-BE49-F238E27FC236}">
+                <a16:creationId xmlns:a16="http://schemas.microsoft.com/office/drawing/2014/main" id="{C33DF25C-6ABE-B877-4A9B-55584B06AF53}"/>
+              </a:ext>
+            </a:extLst>
+          </p:cNvPr>
+          <p:cNvPicPr>
+            <a:picLocks noChangeAspect="1"/>
+          </p:cNvPicPr>
+          <p:nvPr/>
+        </p:nvPicPr>
+        <p:blipFill>
+          <a:blip r:embed="rId7"/>
+          <a:stretch>
+            <a:fillRect/>
+          </a:stretch>
+        </p:blipFill>
+        <p:spPr>
+          <a:xfrm>
+            <a:off x="626595" y="5945591"/>
+            <a:ext cx="1727200" cy="537883"/>
+          </a:xfrm>
+          <a:prstGeom prst="rect">
+            <a:avLst/>
+          </a:prstGeom>
+        </p:spPr>
+      </p:pic>
+      <p:pic>
+        <p:nvPicPr>
+          <p:cNvPr id="6" name="Picture 5">
+            <a:extLst>
+              <a:ext uri="{FF2B5EF4-FFF2-40B4-BE49-F238E27FC236}">
+                <a16:creationId xmlns:a16="http://schemas.microsoft.com/office/drawing/2014/main" id="{EE4A6A3A-F4D3-C5B4-E595-2E2D27345F8D}"/>
+              </a:ext>
+            </a:extLst>
+          </p:cNvPr>
+          <p:cNvPicPr>
+            <a:picLocks noChangeAspect="1"/>
+          </p:cNvPicPr>
+          <p:nvPr/>
+        </p:nvPicPr>
+        <p:blipFill>
+          <a:blip r:embed="rId8">
+            <a:extLst>
+              <a:ext uri="{28A0092B-C50C-407E-A947-70E740481C1C}">
+                <a14:useLocalDpi xmlns:a14="http://schemas.microsoft.com/office/drawing/2010/main" val="0"/>
+              </a:ext>
+            </a:extLst>
+          </a:blip>
+          <a:stretch>
+            <a:fillRect/>
+          </a:stretch>
+        </p:blipFill>
+        <p:spPr>
+          <a:xfrm>
+            <a:off x="2647507" y="5858933"/>
+            <a:ext cx="711200" cy="711200"/>
+          </a:xfrm>
+          <a:prstGeom prst="rect">
+            <a:avLst/>
+          </a:prstGeom>
+        </p:spPr>
+      </p:pic>
     </p:spTree>
     <p:extLst>
       <p:ext uri="{BB962C8B-B14F-4D97-AF65-F5344CB8AC3E}">
@@ -9673,343 +9403,6 @@
       </p:transition>
     </mc:Fallback>
   </mc:AlternateContent>
-  <p:timing>
-    <p:tnLst>
-      <p:par>
-        <p:cTn id="1" dur="indefinite" restart="never" nodeType="tmRoot">
-          <p:childTnLst>
-            <p:seq concurrent="1" nextAc="seek">
-              <p:cTn id="2" dur="indefinite" nodeType="mainSeq">
-                <p:childTnLst>
-                  <p:par>
-                    <p:cTn id="3" fill="hold">
-                      <p:stCondLst>
-                        <p:cond delay="indefinite"/>
-                      </p:stCondLst>
-                      <p:childTnLst>
-                        <p:par>
-                          <p:cTn id="4" fill="hold">
-                            <p:stCondLst>
-                              <p:cond delay="0"/>
-                            </p:stCondLst>
-                            <p:childTnLst>
-                              <p:par>
-                                <p:cTn id="5" presetID="10" presetClass="entr" presetSubtype="0" fill="hold" grpId="0" nodeType="clickEffect">
-                                  <p:stCondLst>
-                                    <p:cond delay="0"/>
-                                  </p:stCondLst>
-                                  <p:childTnLst>
-                                    <p:set>
-                                      <p:cBhvr>
-                                        <p:cTn id="6" dur="1" fill="hold">
-                                          <p:stCondLst>
-                                            <p:cond delay="0"/>
-                                          </p:stCondLst>
-                                        </p:cTn>
-                                        <p:tgtEl>
-                                          <p:spTgt spid="8"/>
-                                        </p:tgtEl>
-                                        <p:attrNameLst>
-                                          <p:attrName>style.visibility</p:attrName>
-                                        </p:attrNameLst>
-                                      </p:cBhvr>
-                                      <p:to>
-                                        <p:strVal val="visible"/>
-                                      </p:to>
-                                    </p:set>
-                                    <p:animEffect transition="in" filter="fade">
-                                      <p:cBhvr>
-                                        <p:cTn id="7" dur="500"/>
-                                        <p:tgtEl>
-                                          <p:spTgt spid="8"/>
-                                        </p:tgtEl>
-                                      </p:cBhvr>
-                                    </p:animEffect>
-                                  </p:childTnLst>
-                                </p:cTn>
-                              </p:par>
-                            </p:childTnLst>
-                          </p:cTn>
-                        </p:par>
-                      </p:childTnLst>
-                    </p:cTn>
-                  </p:par>
-                  <p:par>
-                    <p:cTn id="8" fill="hold">
-                      <p:stCondLst>
-                        <p:cond delay="indefinite"/>
-                      </p:stCondLst>
-                      <p:childTnLst>
-                        <p:par>
-                          <p:cTn id="9" fill="hold">
-                            <p:stCondLst>
-                              <p:cond delay="0"/>
-                            </p:stCondLst>
-                            <p:childTnLst>
-                              <p:par>
-                                <p:cTn id="10" presetID="10" presetClass="entr" presetSubtype="0" fill="hold" grpId="0" nodeType="clickEffect">
-                                  <p:stCondLst>
-                                    <p:cond delay="0"/>
-                                  </p:stCondLst>
-                                  <p:childTnLst>
-                                    <p:set>
-                                      <p:cBhvr>
-                                        <p:cTn id="11" dur="1" fill="hold">
-                                          <p:stCondLst>
-                                            <p:cond delay="0"/>
-                                          </p:stCondLst>
-                                        </p:cTn>
-                                        <p:tgtEl>
-                                          <p:spTgt spid="15"/>
-                                        </p:tgtEl>
-                                        <p:attrNameLst>
-                                          <p:attrName>style.visibility</p:attrName>
-                                        </p:attrNameLst>
-                                      </p:cBhvr>
-                                      <p:to>
-                                        <p:strVal val="visible"/>
-                                      </p:to>
-                                    </p:set>
-                                    <p:animEffect transition="in" filter="fade">
-                                      <p:cBhvr>
-                                        <p:cTn id="12" dur="500"/>
-                                        <p:tgtEl>
-                                          <p:spTgt spid="15"/>
-                                        </p:tgtEl>
-                                      </p:cBhvr>
-                                    </p:animEffect>
-                                  </p:childTnLst>
-                                </p:cTn>
-                              </p:par>
-                            </p:childTnLst>
-                          </p:cTn>
-                        </p:par>
-                      </p:childTnLst>
-                    </p:cTn>
-                  </p:par>
-                  <p:par>
-                    <p:cTn id="13" fill="hold">
-                      <p:stCondLst>
-                        <p:cond delay="indefinite"/>
-                      </p:stCondLst>
-                      <p:childTnLst>
-                        <p:par>
-                          <p:cTn id="14" fill="hold">
-                            <p:stCondLst>
-                              <p:cond delay="0"/>
-                            </p:stCondLst>
-                            <p:childTnLst>
-                              <p:par>
-                                <p:cTn id="15" presetID="10" presetClass="entr" presetSubtype="0" fill="hold" grpId="0" nodeType="clickEffect">
-                                  <p:stCondLst>
-                                    <p:cond delay="0"/>
-                                  </p:stCondLst>
-                                  <p:childTnLst>
-                                    <p:set>
-                                      <p:cBhvr>
-                                        <p:cTn id="16" dur="1" fill="hold">
-                                          <p:stCondLst>
-                                            <p:cond delay="0"/>
-                                          </p:stCondLst>
-                                        </p:cTn>
-                                        <p:tgtEl>
-                                          <p:spTgt spid="3"/>
-                                        </p:tgtEl>
-                                        <p:attrNameLst>
-                                          <p:attrName>style.visibility</p:attrName>
-                                        </p:attrNameLst>
-                                      </p:cBhvr>
-                                      <p:to>
-                                        <p:strVal val="visible"/>
-                                      </p:to>
-                                    </p:set>
-                                    <p:animEffect transition="in" filter="fade">
-                                      <p:cBhvr>
-                                        <p:cTn id="17" dur="500"/>
-                                        <p:tgtEl>
-                                          <p:spTgt spid="3"/>
-                                        </p:tgtEl>
-                                      </p:cBhvr>
-                                    </p:animEffect>
-                                  </p:childTnLst>
-                                </p:cTn>
-                              </p:par>
-                            </p:childTnLst>
-                          </p:cTn>
-                        </p:par>
-                      </p:childTnLst>
-                    </p:cTn>
-                  </p:par>
-                  <p:par>
-                    <p:cTn id="18" fill="hold">
-                      <p:stCondLst>
-                        <p:cond delay="indefinite"/>
-                      </p:stCondLst>
-                      <p:childTnLst>
-                        <p:par>
-                          <p:cTn id="19" fill="hold">
-                            <p:stCondLst>
-                              <p:cond delay="0"/>
-                            </p:stCondLst>
-                            <p:childTnLst>
-                              <p:par>
-                                <p:cTn id="20" presetID="10" presetClass="entr" presetSubtype="0" fill="hold" grpId="0" nodeType="clickEffect">
-                                  <p:stCondLst>
-                                    <p:cond delay="0"/>
-                                  </p:stCondLst>
-                                  <p:childTnLst>
-                                    <p:set>
-                                      <p:cBhvr>
-                                        <p:cTn id="21" dur="1" fill="hold">
-                                          <p:stCondLst>
-                                            <p:cond delay="0"/>
-                                          </p:stCondLst>
-                                        </p:cTn>
-                                        <p:tgtEl>
-                                          <p:spTgt spid="12"/>
-                                        </p:tgtEl>
-                                        <p:attrNameLst>
-                                          <p:attrName>style.visibility</p:attrName>
-                                        </p:attrNameLst>
-                                      </p:cBhvr>
-                                      <p:to>
-                                        <p:strVal val="visible"/>
-                                      </p:to>
-                                    </p:set>
-                                    <p:animEffect transition="in" filter="fade">
-                                      <p:cBhvr>
-                                        <p:cTn id="22" dur="500"/>
-                                        <p:tgtEl>
-                                          <p:spTgt spid="12"/>
-                                        </p:tgtEl>
-                                      </p:cBhvr>
-                                    </p:animEffect>
-                                  </p:childTnLst>
-                                </p:cTn>
-                              </p:par>
-                            </p:childTnLst>
-                          </p:cTn>
-                        </p:par>
-                      </p:childTnLst>
-                    </p:cTn>
-                  </p:par>
-                  <p:par>
-                    <p:cTn id="23" fill="hold">
-                      <p:stCondLst>
-                        <p:cond delay="indefinite"/>
-                      </p:stCondLst>
-                      <p:childTnLst>
-                        <p:par>
-                          <p:cTn id="24" fill="hold">
-                            <p:stCondLst>
-                              <p:cond delay="0"/>
-                            </p:stCondLst>
-                            <p:childTnLst>
-                              <p:par>
-                                <p:cTn id="25" presetID="10" presetClass="entr" presetSubtype="0" fill="hold" nodeType="clickEffect">
-                                  <p:stCondLst>
-                                    <p:cond delay="0"/>
-                                  </p:stCondLst>
-                                  <p:childTnLst>
-                                    <p:set>
-                                      <p:cBhvr>
-                                        <p:cTn id="26" dur="1" fill="hold">
-                                          <p:stCondLst>
-                                            <p:cond delay="0"/>
-                                          </p:stCondLst>
-                                        </p:cTn>
-                                        <p:tgtEl>
-                                          <p:spTgt spid="17"/>
-                                        </p:tgtEl>
-                                        <p:attrNameLst>
-                                          <p:attrName>style.visibility</p:attrName>
-                                        </p:attrNameLst>
-                                      </p:cBhvr>
-                                      <p:to>
-                                        <p:strVal val="visible"/>
-                                      </p:to>
-                                    </p:set>
-                                    <p:animEffect transition="in" filter="fade">
-                                      <p:cBhvr>
-                                        <p:cTn id="27" dur="500"/>
-                                        <p:tgtEl>
-                                          <p:spTgt spid="17"/>
-                                        </p:tgtEl>
-                                      </p:cBhvr>
-                                    </p:animEffect>
-                                  </p:childTnLst>
-                                </p:cTn>
-                              </p:par>
-                              <p:par>
-                                <p:cTn id="28" presetID="10" presetClass="entr" presetSubtype="0" fill="hold" grpId="0" nodeType="withEffect">
-                                  <p:stCondLst>
-                                    <p:cond delay="0"/>
-                                  </p:stCondLst>
-                                  <p:childTnLst>
-                                    <p:set>
-                                      <p:cBhvr>
-                                        <p:cTn id="29" dur="1" fill="hold">
-                                          <p:stCondLst>
-                                            <p:cond delay="0"/>
-                                          </p:stCondLst>
-                                        </p:cTn>
-                                        <p:tgtEl>
-                                          <p:spTgt spid="19"/>
-                                        </p:tgtEl>
-                                        <p:attrNameLst>
-                                          <p:attrName>style.visibility</p:attrName>
-                                        </p:attrNameLst>
-                                      </p:cBhvr>
-                                      <p:to>
-                                        <p:strVal val="visible"/>
-                                      </p:to>
-                                    </p:set>
-                                    <p:animEffect transition="in" filter="fade">
-                                      <p:cBhvr>
-                                        <p:cTn id="30" dur="500"/>
-                                        <p:tgtEl>
-                                          <p:spTgt spid="19"/>
-                                        </p:tgtEl>
-                                      </p:cBhvr>
-                                    </p:animEffect>
-                                  </p:childTnLst>
-                                </p:cTn>
-                              </p:par>
-                            </p:childTnLst>
-                          </p:cTn>
-                        </p:par>
-                      </p:childTnLst>
-                    </p:cTn>
-                  </p:par>
-                </p:childTnLst>
-              </p:cTn>
-              <p:prevCondLst>
-                <p:cond evt="onPrev" delay="0">
-                  <p:tgtEl>
-                    <p:sldTgt/>
-                  </p:tgtEl>
-                </p:cond>
-              </p:prevCondLst>
-              <p:nextCondLst>
-                <p:cond evt="onNext" delay="0">
-                  <p:tgtEl>
-                    <p:sldTgt/>
-                  </p:tgtEl>
-                </p:cond>
-              </p:nextCondLst>
-            </p:seq>
-          </p:childTnLst>
-        </p:cTn>
-      </p:par>
-    </p:tnLst>
-    <p:bldLst>
-      <p:bldP spid="3" grpId="0" animBg="1"/>
-      <p:bldP spid="8" grpId="0" animBg="1"/>
-      <p:bldP spid="12" grpId="0" animBg="1"/>
-      <p:bldP spid="15" grpId="0" animBg="1"/>
-      <p:bldP spid="19" grpId="0" animBg="1"/>
-    </p:bldLst>
-  </p:timing>
 </p:sld>
 </file>
 
@@ -10595,6 +9988,72 @@
           </a:p>
         </p:txBody>
       </p:sp>
+      <p:pic>
+        <p:nvPicPr>
+          <p:cNvPr id="5" name="Picture 4" descr="Icono&#10;&#10;Descripción generada automáticamente">
+            <a:extLst>
+              <a:ext uri="{FF2B5EF4-FFF2-40B4-BE49-F238E27FC236}">
+                <a16:creationId xmlns:a16="http://schemas.microsoft.com/office/drawing/2014/main" id="{F94FC945-FA05-079C-70D3-BE1B562902A4}"/>
+              </a:ext>
+            </a:extLst>
+          </p:cNvPr>
+          <p:cNvPicPr>
+            <a:picLocks noChangeAspect="1"/>
+          </p:cNvPicPr>
+          <p:nvPr/>
+        </p:nvPicPr>
+        <p:blipFill>
+          <a:blip r:embed="rId3"/>
+          <a:stretch>
+            <a:fillRect/>
+          </a:stretch>
+        </p:blipFill>
+        <p:spPr>
+          <a:xfrm>
+            <a:off x="8954934" y="5913507"/>
+            <a:ext cx="1727200" cy="537883"/>
+          </a:xfrm>
+          <a:prstGeom prst="rect">
+            <a:avLst/>
+          </a:prstGeom>
+        </p:spPr>
+      </p:pic>
+      <p:pic>
+        <p:nvPicPr>
+          <p:cNvPr id="6" name="Picture 5">
+            <a:extLst>
+              <a:ext uri="{FF2B5EF4-FFF2-40B4-BE49-F238E27FC236}">
+                <a16:creationId xmlns:a16="http://schemas.microsoft.com/office/drawing/2014/main" id="{8DE9C12F-5C59-D979-140D-87EF06A52DFD}"/>
+              </a:ext>
+            </a:extLst>
+          </p:cNvPr>
+          <p:cNvPicPr>
+            <a:picLocks noChangeAspect="1"/>
+          </p:cNvPicPr>
+          <p:nvPr/>
+        </p:nvPicPr>
+        <p:blipFill>
+          <a:blip r:embed="rId4">
+            <a:extLst>
+              <a:ext uri="{28A0092B-C50C-407E-A947-70E740481C1C}">
+                <a14:useLocalDpi xmlns:a14="http://schemas.microsoft.com/office/drawing/2010/main" val="0"/>
+              </a:ext>
+            </a:extLst>
+          </a:blip>
+          <a:stretch>
+            <a:fillRect/>
+          </a:stretch>
+        </p:blipFill>
+        <p:spPr>
+          <a:xfrm>
+            <a:off x="10975846" y="5826849"/>
+            <a:ext cx="711200" cy="711200"/>
+          </a:xfrm>
+          <a:prstGeom prst="rect">
+            <a:avLst/>
+          </a:prstGeom>
+        </p:spPr>
+      </p:pic>
     </p:spTree>
     <p:extLst>
       <p:ext uri="{BB962C8B-B14F-4D97-AF65-F5344CB8AC3E}">
@@ -10605,18 +10064,6 @@
   <p:clrMapOvr>
     <a:masterClrMapping/>
   </p:clrMapOvr>
-  <mc:AlternateContent xmlns:mc="http://schemas.openxmlformats.org/markup-compatibility/2006" xmlns:p159="http://schemas.microsoft.com/office/powerpoint/2015/09/main">
-    <mc:Choice Requires="p159">
-      <p:transition xmlns:p14="http://schemas.microsoft.com/office/powerpoint/2010/main" spd="slow" p14:dur="2000">
-        <p159:morph option="byObject"/>
-      </p:transition>
-    </mc:Choice>
-    <mc:Fallback xmlns="">
-      <p:transition spd="slow">
-        <p:fade/>
-      </p:transition>
-    </mc:Fallback>
-  </mc:AlternateContent>
 </p:sld>
 </file>
 
@@ -11021,6 +10468,72 @@
           <a:xfrm>
             <a:off x="7907482" y="1724891"/>
             <a:ext cx="3408218" cy="3408218"/>
+          </a:xfrm>
+          <a:prstGeom prst="rect">
+            <a:avLst/>
+          </a:prstGeom>
+        </p:spPr>
+      </p:pic>
+      <p:pic>
+        <p:nvPicPr>
+          <p:cNvPr id="3" name="Picture 2" descr="Icono&#10;&#10;Descripción generada automáticamente">
+            <a:extLst>
+              <a:ext uri="{FF2B5EF4-FFF2-40B4-BE49-F238E27FC236}">
+                <a16:creationId xmlns:a16="http://schemas.microsoft.com/office/drawing/2014/main" id="{C5A01660-0425-46F4-2AE9-84F6387B6EBC}"/>
+              </a:ext>
+            </a:extLst>
+          </p:cNvPr>
+          <p:cNvPicPr>
+            <a:picLocks noChangeAspect="1"/>
+          </p:cNvPicPr>
+          <p:nvPr/>
+        </p:nvPicPr>
+        <p:blipFill>
+          <a:blip r:embed="rId4"/>
+          <a:stretch>
+            <a:fillRect/>
+          </a:stretch>
+        </p:blipFill>
+        <p:spPr>
+          <a:xfrm>
+            <a:off x="8954934" y="5913507"/>
+            <a:ext cx="1727200" cy="537883"/>
+          </a:xfrm>
+          <a:prstGeom prst="rect">
+            <a:avLst/>
+          </a:prstGeom>
+        </p:spPr>
+      </p:pic>
+      <p:pic>
+        <p:nvPicPr>
+          <p:cNvPr id="4" name="Picture 3">
+            <a:extLst>
+              <a:ext uri="{FF2B5EF4-FFF2-40B4-BE49-F238E27FC236}">
+                <a16:creationId xmlns:a16="http://schemas.microsoft.com/office/drawing/2014/main" id="{C7BF89C9-7CAE-E23C-BA12-F6567704BA51}"/>
+              </a:ext>
+            </a:extLst>
+          </p:cNvPr>
+          <p:cNvPicPr>
+            <a:picLocks noChangeAspect="1"/>
+          </p:cNvPicPr>
+          <p:nvPr/>
+        </p:nvPicPr>
+        <p:blipFill>
+          <a:blip r:embed="rId5">
+            <a:extLst>
+              <a:ext uri="{28A0092B-C50C-407E-A947-70E740481C1C}">
+                <a14:useLocalDpi xmlns:a14="http://schemas.microsoft.com/office/drawing/2010/main" val="0"/>
+              </a:ext>
+            </a:extLst>
+          </a:blip>
+          <a:stretch>
+            <a:fillRect/>
+          </a:stretch>
+        </p:blipFill>
+        <p:spPr>
+          <a:xfrm>
+            <a:off x="10975846" y="5826849"/>
+            <a:ext cx="711200" cy="711200"/>
           </a:xfrm>
           <a:prstGeom prst="rect">
             <a:avLst/>
